--- a/cimb.pptx
+++ b/cimb.pptx
@@ -2,10 +2,15 @@
 <file path=ppt/presentation.xml><?xml version="1.0" encoding="utf-8"?>
 <p:presentation xmlns:a="http://schemas.openxmlformats.org/drawingml/2006/main" xmlns:r="http://schemas.openxmlformats.org/officeDocument/2006/relationships" xmlns:p="http://schemas.openxmlformats.org/presentationml/2006/main" saveSubsetFonts="1">
   <p:sldMasterIdLst>
-    <p:sldMasterId id="2147483648" r:id="rId1"/>
+    <p:sldMasterId id="2147483660" r:id="rId1"/>
   </p:sldMasterIdLst>
   <p:sldIdLst>
     <p:sldId id="256" r:id="rId2"/>
+    <p:sldId id="257" r:id="rId3"/>
+    <p:sldId id="258" r:id="rId4"/>
+    <p:sldId id="259" r:id="rId5"/>
+    <p:sldId id="260" r:id="rId6"/>
+    <p:sldId id="261" r:id="rId7"/>
   </p:sldIdLst>
   <p:sldSz cx="12192000" cy="6858000"/>
   <p:notesSz cx="6858000" cy="9144000"/>
@@ -13,7 +18,7 @@
     <a:defPPr>
       <a:defRPr lang="en-US"/>
     </a:defPPr>
-    <a:lvl1pPr marL="0" algn="l" defTabSz="914400" rtl="0" eaLnBrk="1" latinLnBrk="0" hangingPunct="1">
+    <a:lvl1pPr marL="0" algn="l" defTabSz="457200" rtl="0" eaLnBrk="1" latinLnBrk="0" hangingPunct="1">
       <a:defRPr sz="1800" kern="1200">
         <a:solidFill>
           <a:schemeClr val="tx1"/>
@@ -23,7 +28,7 @@
         <a:cs typeface="+mn-cs"/>
       </a:defRPr>
     </a:lvl1pPr>
-    <a:lvl2pPr marL="457200" algn="l" defTabSz="914400" rtl="0" eaLnBrk="1" latinLnBrk="0" hangingPunct="1">
+    <a:lvl2pPr marL="457200" algn="l" defTabSz="457200" rtl="0" eaLnBrk="1" latinLnBrk="0" hangingPunct="1">
       <a:defRPr sz="1800" kern="1200">
         <a:solidFill>
           <a:schemeClr val="tx1"/>
@@ -33,7 +38,7 @@
         <a:cs typeface="+mn-cs"/>
       </a:defRPr>
     </a:lvl2pPr>
-    <a:lvl3pPr marL="914400" algn="l" defTabSz="914400" rtl="0" eaLnBrk="1" latinLnBrk="0" hangingPunct="1">
+    <a:lvl3pPr marL="914400" algn="l" defTabSz="457200" rtl="0" eaLnBrk="1" latinLnBrk="0" hangingPunct="1">
       <a:defRPr sz="1800" kern="1200">
         <a:solidFill>
           <a:schemeClr val="tx1"/>
@@ -43,7 +48,7 @@
         <a:cs typeface="+mn-cs"/>
       </a:defRPr>
     </a:lvl3pPr>
-    <a:lvl4pPr marL="1371600" algn="l" defTabSz="914400" rtl="0" eaLnBrk="1" latinLnBrk="0" hangingPunct="1">
+    <a:lvl4pPr marL="1371600" algn="l" defTabSz="457200" rtl="0" eaLnBrk="1" latinLnBrk="0" hangingPunct="1">
       <a:defRPr sz="1800" kern="1200">
         <a:solidFill>
           <a:schemeClr val="tx1"/>
@@ -53,7 +58,7 @@
         <a:cs typeface="+mn-cs"/>
       </a:defRPr>
     </a:lvl4pPr>
-    <a:lvl5pPr marL="1828800" algn="l" defTabSz="914400" rtl="0" eaLnBrk="1" latinLnBrk="0" hangingPunct="1">
+    <a:lvl5pPr marL="1828800" algn="l" defTabSz="457200" rtl="0" eaLnBrk="1" latinLnBrk="0" hangingPunct="1">
       <a:defRPr sz="1800" kern="1200">
         <a:solidFill>
           <a:schemeClr val="tx1"/>
@@ -63,7 +68,7 @@
         <a:cs typeface="+mn-cs"/>
       </a:defRPr>
     </a:lvl5pPr>
-    <a:lvl6pPr marL="2286000" algn="l" defTabSz="914400" rtl="0" eaLnBrk="1" latinLnBrk="0" hangingPunct="1">
+    <a:lvl6pPr marL="2286000" algn="l" defTabSz="457200" rtl="0" eaLnBrk="1" latinLnBrk="0" hangingPunct="1">
       <a:defRPr sz="1800" kern="1200">
         <a:solidFill>
           <a:schemeClr val="tx1"/>
@@ -73,7 +78,7 @@
         <a:cs typeface="+mn-cs"/>
       </a:defRPr>
     </a:lvl6pPr>
-    <a:lvl7pPr marL="2743200" algn="l" defTabSz="914400" rtl="0" eaLnBrk="1" latinLnBrk="0" hangingPunct="1">
+    <a:lvl7pPr marL="2743200" algn="l" defTabSz="457200" rtl="0" eaLnBrk="1" latinLnBrk="0" hangingPunct="1">
       <a:defRPr sz="1800" kern="1200">
         <a:solidFill>
           <a:schemeClr val="tx1"/>
@@ -83,7 +88,7 @@
         <a:cs typeface="+mn-cs"/>
       </a:defRPr>
     </a:lvl7pPr>
-    <a:lvl8pPr marL="3200400" algn="l" defTabSz="914400" rtl="0" eaLnBrk="1" latinLnBrk="0" hangingPunct="1">
+    <a:lvl8pPr marL="3200400" algn="l" defTabSz="457200" rtl="0" eaLnBrk="1" latinLnBrk="0" hangingPunct="1">
       <a:defRPr sz="1800" kern="1200">
         <a:solidFill>
           <a:schemeClr val="tx1"/>
@@ -93,7 +98,7 @@
         <a:cs typeface="+mn-cs"/>
       </a:defRPr>
     </a:lvl8pPr>
-    <a:lvl9pPr marL="3657600" algn="l" defTabSz="914400" rtl="0" eaLnBrk="1" latinLnBrk="0" hangingPunct="1">
+    <a:lvl9pPr marL="3657600" algn="l" defTabSz="457200" rtl="0" eaLnBrk="1" latinLnBrk="0" hangingPunct="1">
       <a:defRPr sz="1800" kern="1200">
         <a:solidFill>
           <a:schemeClr val="tx1"/>
@@ -104,11 +109,16 @@
       </a:defRPr>
     </a:lvl9pPr>
   </p:defaultTextStyle>
+  <p:extLst>
+    <p:ext uri="{EFAFB233-063F-42B5-8137-9DF3F51BA10A}">
+      <p15:sldGuideLst xmlns:p15="http://schemas.microsoft.com/office/powerpoint/2012/main"/>
+    </p:ext>
+  </p:extLst>
 </p:presentation>
 </file>
 
 <file path=ppt/slideLayouts/slideLayout1.xml><?xml version="1.0" encoding="utf-8"?>
-<p:sldLayout xmlns:a="http://schemas.openxmlformats.org/drawingml/2006/main" xmlns:r="http://schemas.openxmlformats.org/officeDocument/2006/relationships" xmlns:p="http://schemas.openxmlformats.org/presentationml/2006/main" type="title" preserve="1">
+<p:sldLayout xmlns:a="http://schemas.openxmlformats.org/drawingml/2006/main" xmlns:r="http://schemas.openxmlformats.org/officeDocument/2006/relationships" xmlns:p="http://schemas.openxmlformats.org/presentationml/2006/main" showMasterSp="0" type="title" preserve="1">
   <p:cSld name="Title Slide">
     <p:spTree>
       <p:nvGrpSpPr>
@@ -124,15 +134,539 @@
           <a:chExt cx="0" cy="0"/>
         </a:xfrm>
       </p:grpSpPr>
-      <p:sp>
-        <p:nvSpPr>
-          <p:cNvPr id="2" name="Title 1">
-            <a:extLst>
-              <a:ext uri="{FF2B5EF4-FFF2-40B4-BE49-F238E27FC236}">
-                <a16:creationId xmlns:a16="http://schemas.microsoft.com/office/drawing/2014/main" id="{6008AF0F-A210-6F00-C25E-A60B77BEB52D}"/>
-              </a:ext>
-            </a:extLst>
-          </p:cNvPr>
+      <p:grpSp>
+        <p:nvGrpSpPr>
+          <p:cNvPr id="7" name="Group 6"/>
+          <p:cNvGrpSpPr/>
+          <p:nvPr/>
+        </p:nvGrpSpPr>
+        <p:grpSpPr>
+          <a:xfrm>
+            <a:off x="0" y="-8467"/>
+            <a:ext cx="12192000" cy="6866467"/>
+            <a:chOff x="0" y="-8467"/>
+            <a:chExt cx="12192000" cy="6866467"/>
+          </a:xfrm>
+        </p:grpSpPr>
+        <p:cxnSp>
+          <p:nvCxnSpPr>
+            <p:cNvPr id="32" name="Straight Connector 31"/>
+            <p:cNvCxnSpPr/>
+            <p:nvPr/>
+          </p:nvCxnSpPr>
+          <p:spPr>
+            <a:xfrm>
+              <a:off x="9371012" y="0"/>
+              <a:ext cx="1219200" cy="6858000"/>
+            </a:xfrm>
+            <a:prstGeom prst="line">
+              <a:avLst/>
+            </a:prstGeom>
+            <a:ln w="9525">
+              <a:solidFill>
+                <a:schemeClr val="bg1">
+                  <a:lumMod val="75000"/>
+                </a:schemeClr>
+              </a:solidFill>
+            </a:ln>
+          </p:spPr>
+          <p:style>
+            <a:lnRef idx="2">
+              <a:schemeClr val="accent1"/>
+            </a:lnRef>
+            <a:fillRef idx="0">
+              <a:schemeClr val="accent1"/>
+            </a:fillRef>
+            <a:effectRef idx="1">
+              <a:schemeClr val="accent1"/>
+            </a:effectRef>
+            <a:fontRef idx="minor">
+              <a:schemeClr val="tx1"/>
+            </a:fontRef>
+          </p:style>
+        </p:cxnSp>
+        <p:cxnSp>
+          <p:nvCxnSpPr>
+            <p:cNvPr id="21" name="Straight Connector 20"/>
+            <p:cNvCxnSpPr/>
+            <p:nvPr/>
+          </p:nvCxnSpPr>
+          <p:spPr>
+            <a:xfrm flipH="1">
+              <a:off x="7425267" y="3681413"/>
+              <a:ext cx="4763558" cy="3176587"/>
+            </a:xfrm>
+            <a:prstGeom prst="line">
+              <a:avLst/>
+            </a:prstGeom>
+            <a:ln w="9525">
+              <a:solidFill>
+                <a:schemeClr val="bg1">
+                  <a:lumMod val="85000"/>
+                </a:schemeClr>
+              </a:solidFill>
+            </a:ln>
+          </p:spPr>
+          <p:style>
+            <a:lnRef idx="2">
+              <a:schemeClr val="accent1"/>
+            </a:lnRef>
+            <a:fillRef idx="0">
+              <a:schemeClr val="accent1"/>
+            </a:fillRef>
+            <a:effectRef idx="1">
+              <a:schemeClr val="accent1"/>
+            </a:effectRef>
+            <a:fontRef idx="minor">
+              <a:schemeClr val="tx1"/>
+            </a:fontRef>
+          </p:style>
+        </p:cxnSp>
+        <p:sp>
+          <p:nvSpPr>
+            <p:cNvPr id="24" name="Rectangle 23"/>
+            <p:cNvSpPr/>
+            <p:nvPr/>
+          </p:nvSpPr>
+          <p:spPr>
+            <a:xfrm>
+              <a:off x="9181476" y="-8467"/>
+              <a:ext cx="3007349" cy="6866467"/>
+            </a:xfrm>
+            <a:custGeom>
+              <a:avLst/>
+              <a:gdLst/>
+              <a:ahLst/>
+              <a:cxnLst/>
+              <a:rect l="l" t="t" r="r" b="b"/>
+              <a:pathLst>
+                <a:path w="3007349" h="6866467">
+                  <a:moveTo>
+                    <a:pt x="2045532" y="0"/>
+                  </a:moveTo>
+                  <a:lnTo>
+                    <a:pt x="3007349" y="0"/>
+                  </a:lnTo>
+                  <a:lnTo>
+                    <a:pt x="3007349" y="6866467"/>
+                  </a:lnTo>
+                  <a:lnTo>
+                    <a:pt x="0" y="6866467"/>
+                  </a:lnTo>
+                  <a:lnTo>
+                    <a:pt x="2045532" y="0"/>
+                  </a:lnTo>
+                  <a:close/>
+                </a:path>
+              </a:pathLst>
+            </a:custGeom>
+            <a:solidFill>
+              <a:schemeClr val="accent1">
+                <a:alpha val="30000"/>
+              </a:schemeClr>
+            </a:solidFill>
+            <a:ln>
+              <a:noFill/>
+            </a:ln>
+            <a:effectLst/>
+          </p:spPr>
+          <p:style>
+            <a:lnRef idx="1">
+              <a:schemeClr val="accent1"/>
+            </a:lnRef>
+            <a:fillRef idx="3">
+              <a:schemeClr val="accent1"/>
+            </a:fillRef>
+            <a:effectRef idx="2">
+              <a:schemeClr val="accent1"/>
+            </a:effectRef>
+            <a:fontRef idx="minor">
+              <a:schemeClr val="lt1"/>
+            </a:fontRef>
+          </p:style>
+        </p:sp>
+        <p:sp>
+          <p:nvSpPr>
+            <p:cNvPr id="26" name="Rectangle 25"/>
+            <p:cNvSpPr/>
+            <p:nvPr/>
+          </p:nvSpPr>
+          <p:spPr>
+            <a:xfrm>
+              <a:off x="9603442" y="-8467"/>
+              <a:ext cx="2588558" cy="6866467"/>
+            </a:xfrm>
+            <a:custGeom>
+              <a:avLst/>
+              <a:gdLst/>
+              <a:ahLst/>
+              <a:cxnLst/>
+              <a:rect l="l" t="t" r="r" b="b"/>
+              <a:pathLst>
+                <a:path w="2573311" h="6866467">
+                  <a:moveTo>
+                    <a:pt x="0" y="0"/>
+                  </a:moveTo>
+                  <a:lnTo>
+                    <a:pt x="2573311" y="0"/>
+                  </a:lnTo>
+                  <a:lnTo>
+                    <a:pt x="2573311" y="6866467"/>
+                  </a:lnTo>
+                  <a:lnTo>
+                    <a:pt x="1202336" y="6866467"/>
+                  </a:lnTo>
+                  <a:lnTo>
+                    <a:pt x="0" y="0"/>
+                  </a:lnTo>
+                  <a:close/>
+                </a:path>
+              </a:pathLst>
+            </a:custGeom>
+            <a:solidFill>
+              <a:schemeClr val="accent1">
+                <a:alpha val="20000"/>
+              </a:schemeClr>
+            </a:solidFill>
+            <a:ln>
+              <a:noFill/>
+            </a:ln>
+            <a:effectLst/>
+          </p:spPr>
+          <p:style>
+            <a:lnRef idx="1">
+              <a:schemeClr val="accent1"/>
+            </a:lnRef>
+            <a:fillRef idx="3">
+              <a:schemeClr val="accent1"/>
+            </a:fillRef>
+            <a:effectRef idx="2">
+              <a:schemeClr val="accent1"/>
+            </a:effectRef>
+            <a:fontRef idx="minor">
+              <a:schemeClr val="lt1"/>
+            </a:fontRef>
+          </p:style>
+        </p:sp>
+        <p:sp>
+          <p:nvSpPr>
+            <p:cNvPr id="27" name="Isosceles Triangle 26"/>
+            <p:cNvSpPr/>
+            <p:nvPr/>
+          </p:nvSpPr>
+          <p:spPr>
+            <a:xfrm>
+              <a:off x="8932333" y="3048000"/>
+              <a:ext cx="3259667" cy="3810000"/>
+            </a:xfrm>
+            <a:prstGeom prst="triangle">
+              <a:avLst>
+                <a:gd name="adj" fmla="val 100000"/>
+              </a:avLst>
+            </a:prstGeom>
+            <a:solidFill>
+              <a:schemeClr val="accent2">
+                <a:alpha val="72000"/>
+              </a:schemeClr>
+            </a:solidFill>
+            <a:ln>
+              <a:noFill/>
+            </a:ln>
+            <a:effectLst/>
+          </p:spPr>
+          <p:style>
+            <a:lnRef idx="1">
+              <a:schemeClr val="accent1"/>
+            </a:lnRef>
+            <a:fillRef idx="3">
+              <a:schemeClr val="accent1"/>
+            </a:fillRef>
+            <a:effectRef idx="2">
+              <a:schemeClr val="accent1"/>
+            </a:effectRef>
+            <a:fontRef idx="minor">
+              <a:schemeClr val="lt1"/>
+            </a:fontRef>
+          </p:style>
+        </p:sp>
+        <p:sp>
+          <p:nvSpPr>
+            <p:cNvPr id="28" name="Rectangle 27"/>
+            <p:cNvSpPr/>
+            <p:nvPr/>
+          </p:nvSpPr>
+          <p:spPr>
+            <a:xfrm>
+              <a:off x="9334500" y="-8467"/>
+              <a:ext cx="2854326" cy="6866467"/>
+            </a:xfrm>
+            <a:custGeom>
+              <a:avLst/>
+              <a:gdLst/>
+              <a:ahLst/>
+              <a:cxnLst/>
+              <a:rect l="l" t="t" r="r" b="b"/>
+              <a:pathLst>
+                <a:path w="2858013" h="6866467">
+                  <a:moveTo>
+                    <a:pt x="0" y="0"/>
+                  </a:moveTo>
+                  <a:lnTo>
+                    <a:pt x="2858013" y="0"/>
+                  </a:lnTo>
+                  <a:lnTo>
+                    <a:pt x="2858013" y="6866467"/>
+                  </a:lnTo>
+                  <a:lnTo>
+                    <a:pt x="2473942" y="6866467"/>
+                  </a:lnTo>
+                  <a:lnTo>
+                    <a:pt x="0" y="0"/>
+                  </a:lnTo>
+                  <a:close/>
+                </a:path>
+              </a:pathLst>
+            </a:custGeom>
+            <a:solidFill>
+              <a:schemeClr val="accent2">
+                <a:lumMod val="75000"/>
+                <a:alpha val="70000"/>
+              </a:schemeClr>
+            </a:solidFill>
+            <a:ln>
+              <a:noFill/>
+            </a:ln>
+            <a:effectLst/>
+          </p:spPr>
+          <p:style>
+            <a:lnRef idx="1">
+              <a:schemeClr val="accent1"/>
+            </a:lnRef>
+            <a:fillRef idx="3">
+              <a:schemeClr val="accent1"/>
+            </a:fillRef>
+            <a:effectRef idx="2">
+              <a:schemeClr val="accent1"/>
+            </a:effectRef>
+            <a:fontRef idx="minor">
+              <a:schemeClr val="lt1"/>
+            </a:fontRef>
+          </p:style>
+        </p:sp>
+        <p:sp>
+          <p:nvSpPr>
+            <p:cNvPr id="29" name="Rectangle 28"/>
+            <p:cNvSpPr/>
+            <p:nvPr/>
+          </p:nvSpPr>
+          <p:spPr>
+            <a:xfrm>
+              <a:off x="10898730" y="-8467"/>
+              <a:ext cx="1290094" cy="6866467"/>
+            </a:xfrm>
+            <a:custGeom>
+              <a:avLst/>
+              <a:gdLst/>
+              <a:ahLst/>
+              <a:cxnLst/>
+              <a:rect l="l" t="t" r="r" b="b"/>
+              <a:pathLst>
+                <a:path w="1290094" h="6858000">
+                  <a:moveTo>
+                    <a:pt x="1019735" y="0"/>
+                  </a:moveTo>
+                  <a:lnTo>
+                    <a:pt x="1290094" y="0"/>
+                  </a:lnTo>
+                  <a:lnTo>
+                    <a:pt x="1290094" y="6858000"/>
+                  </a:lnTo>
+                  <a:lnTo>
+                    <a:pt x="0" y="6858000"/>
+                  </a:lnTo>
+                  <a:lnTo>
+                    <a:pt x="1019735" y="0"/>
+                  </a:lnTo>
+                  <a:close/>
+                </a:path>
+              </a:pathLst>
+            </a:custGeom>
+            <a:solidFill>
+              <a:schemeClr val="accent1">
+                <a:lumMod val="60000"/>
+                <a:lumOff val="40000"/>
+                <a:alpha val="70000"/>
+              </a:schemeClr>
+            </a:solidFill>
+            <a:ln>
+              <a:noFill/>
+            </a:ln>
+            <a:effectLst/>
+          </p:spPr>
+          <p:style>
+            <a:lnRef idx="1">
+              <a:schemeClr val="accent1"/>
+            </a:lnRef>
+            <a:fillRef idx="3">
+              <a:schemeClr val="accent1"/>
+            </a:fillRef>
+            <a:effectRef idx="2">
+              <a:schemeClr val="accent1"/>
+            </a:effectRef>
+            <a:fontRef idx="minor">
+              <a:schemeClr val="lt1"/>
+            </a:fontRef>
+          </p:style>
+        </p:sp>
+        <p:sp>
+          <p:nvSpPr>
+            <p:cNvPr id="30" name="Rectangle 29"/>
+            <p:cNvSpPr/>
+            <p:nvPr/>
+          </p:nvSpPr>
+          <p:spPr>
+            <a:xfrm>
+              <a:off x="10938999" y="-8467"/>
+              <a:ext cx="1249825" cy="6866467"/>
+            </a:xfrm>
+            <a:custGeom>
+              <a:avLst/>
+              <a:gdLst/>
+              <a:ahLst/>
+              <a:cxnLst/>
+              <a:rect l="l" t="t" r="r" b="b"/>
+              <a:pathLst>
+                <a:path w="1249825" h="6858000">
+                  <a:moveTo>
+                    <a:pt x="0" y="0"/>
+                  </a:moveTo>
+                  <a:lnTo>
+                    <a:pt x="1249825" y="0"/>
+                  </a:lnTo>
+                  <a:lnTo>
+                    <a:pt x="1249825" y="6858000"/>
+                  </a:lnTo>
+                  <a:lnTo>
+                    <a:pt x="1109382" y="6858000"/>
+                  </a:lnTo>
+                  <a:lnTo>
+                    <a:pt x="0" y="0"/>
+                  </a:lnTo>
+                  <a:close/>
+                </a:path>
+              </a:pathLst>
+            </a:custGeom>
+            <a:solidFill>
+              <a:schemeClr val="accent1">
+                <a:alpha val="65000"/>
+              </a:schemeClr>
+            </a:solidFill>
+            <a:ln>
+              <a:noFill/>
+            </a:ln>
+            <a:effectLst/>
+          </p:spPr>
+          <p:style>
+            <a:lnRef idx="1">
+              <a:schemeClr val="accent1"/>
+            </a:lnRef>
+            <a:fillRef idx="3">
+              <a:schemeClr val="accent1"/>
+            </a:fillRef>
+            <a:effectRef idx="2">
+              <a:schemeClr val="accent1"/>
+            </a:effectRef>
+            <a:fontRef idx="minor">
+              <a:schemeClr val="lt1"/>
+            </a:fontRef>
+          </p:style>
+        </p:sp>
+        <p:sp>
+          <p:nvSpPr>
+            <p:cNvPr id="31" name="Isosceles Triangle 30"/>
+            <p:cNvSpPr/>
+            <p:nvPr/>
+          </p:nvSpPr>
+          <p:spPr>
+            <a:xfrm>
+              <a:off x="10371666" y="3589867"/>
+              <a:ext cx="1817159" cy="3268133"/>
+            </a:xfrm>
+            <a:prstGeom prst="triangle">
+              <a:avLst>
+                <a:gd name="adj" fmla="val 100000"/>
+              </a:avLst>
+            </a:prstGeom>
+            <a:solidFill>
+              <a:schemeClr val="accent1">
+                <a:alpha val="80000"/>
+              </a:schemeClr>
+            </a:solidFill>
+            <a:ln>
+              <a:noFill/>
+            </a:ln>
+            <a:effectLst/>
+          </p:spPr>
+          <p:style>
+            <a:lnRef idx="1">
+              <a:schemeClr val="accent1"/>
+            </a:lnRef>
+            <a:fillRef idx="3">
+              <a:schemeClr val="accent1"/>
+            </a:fillRef>
+            <a:effectRef idx="2">
+              <a:schemeClr val="accent1"/>
+            </a:effectRef>
+            <a:fontRef idx="minor">
+              <a:schemeClr val="lt1"/>
+            </a:fontRef>
+          </p:style>
+        </p:sp>
+        <p:sp>
+          <p:nvSpPr>
+            <p:cNvPr id="19" name="Isosceles Triangle 18"/>
+            <p:cNvSpPr/>
+            <p:nvPr/>
+          </p:nvSpPr>
+          <p:spPr>
+            <a:xfrm rot="10800000">
+              <a:off x="0" y="0"/>
+              <a:ext cx="842596" cy="5666154"/>
+            </a:xfrm>
+            <a:prstGeom prst="triangle">
+              <a:avLst>
+                <a:gd name="adj" fmla="val 100000"/>
+              </a:avLst>
+            </a:prstGeom>
+            <a:solidFill>
+              <a:schemeClr val="accent1">
+                <a:alpha val="85000"/>
+              </a:schemeClr>
+            </a:solidFill>
+            <a:ln>
+              <a:noFill/>
+            </a:ln>
+            <a:effectLst/>
+          </p:spPr>
+          <p:style>
+            <a:lnRef idx="1">
+              <a:schemeClr val="accent1"/>
+            </a:lnRef>
+            <a:fillRef idx="3">
+              <a:schemeClr val="accent1"/>
+            </a:fillRef>
+            <a:effectRef idx="2">
+              <a:schemeClr val="accent1"/>
+            </a:effectRef>
+            <a:fontRef idx="minor">
+              <a:schemeClr val="lt1"/>
+            </a:fontRef>
+          </p:style>
+        </p:sp>
+      </p:grpSp>
+      <p:sp>
+        <p:nvSpPr>
+          <p:cNvPr id="2" name="Title 1"/>
           <p:cNvSpPr>
             <a:spLocks noGrp="1"/>
           </p:cNvSpPr>
@@ -142,15 +676,21 @@
         </p:nvSpPr>
         <p:spPr>
           <a:xfrm>
-            <a:off x="1524000" y="1122363"/>
-            <a:ext cx="9144000" cy="2387600"/>
+            <a:off x="1507067" y="2404534"/>
+            <a:ext cx="7766936" cy="1646302"/>
           </a:xfrm>
         </p:spPr>
         <p:txBody>
-          <a:bodyPr anchor="b"/>
+          <a:bodyPr anchor="b">
+            <a:noAutofit/>
+          </a:bodyPr>
           <a:lstStyle>
-            <a:lvl1pPr algn="ctr">
-              <a:defRPr sz="6000"/>
+            <a:lvl1pPr algn="r">
+              <a:defRPr sz="5400">
+                <a:solidFill>
+                  <a:schemeClr val="accent1"/>
+                </a:solidFill>
+              </a:defRPr>
             </a:lvl1pPr>
           </a:lstStyle>
           <a:p>
@@ -158,19 +698,13 @@
               <a:rPr lang="en-US"/>
               <a:t>Click to edit Master title style</a:t>
             </a:r>
-            <a:endParaRPr lang="en-ID"/>
-          </a:p>
-        </p:txBody>
-      </p:sp>
-      <p:sp>
-        <p:nvSpPr>
-          <p:cNvPr id="3" name="Subtitle 2">
-            <a:extLst>
-              <a:ext uri="{FF2B5EF4-FFF2-40B4-BE49-F238E27FC236}">
-                <a16:creationId xmlns:a16="http://schemas.microsoft.com/office/drawing/2014/main" id="{C3C6CCF6-36A0-F769-0135-36B9CD8EC427}"/>
-              </a:ext>
-            </a:extLst>
-          </p:cNvPr>
+            <a:endParaRPr lang="en-US" dirty="0"/>
+          </a:p>
+        </p:txBody>
+      </p:sp>
+      <p:sp>
+        <p:nvSpPr>
+          <p:cNvPr id="3" name="Subtitle 2"/>
           <p:cNvSpPr>
             <a:spLocks noGrp="1"/>
           </p:cNvSpPr>
@@ -180,48 +714,103 @@
         </p:nvSpPr>
         <p:spPr>
           <a:xfrm>
-            <a:off x="1524000" y="3602038"/>
-            <a:ext cx="9144000" cy="1655762"/>
+            <a:off x="1507067" y="4050833"/>
+            <a:ext cx="7766936" cy="1096899"/>
           </a:xfrm>
         </p:spPr>
         <p:txBody>
-          <a:bodyPr/>
+          <a:bodyPr anchor="t"/>
           <a:lstStyle>
-            <a:lvl1pPr marL="0" indent="0" algn="ctr">
-              <a:buNone/>
-              <a:defRPr sz="2400"/>
+            <a:lvl1pPr marL="0" indent="0" algn="r">
+              <a:buNone/>
+              <a:defRPr>
+                <a:solidFill>
+                  <a:schemeClr val="tx1">
+                    <a:lumMod val="50000"/>
+                    <a:lumOff val="50000"/>
+                  </a:schemeClr>
+                </a:solidFill>
+              </a:defRPr>
             </a:lvl1pPr>
             <a:lvl2pPr marL="457200" indent="0" algn="ctr">
               <a:buNone/>
-              <a:defRPr sz="2000"/>
+              <a:defRPr>
+                <a:solidFill>
+                  <a:schemeClr val="tx1">
+                    <a:tint val="75000"/>
+                  </a:schemeClr>
+                </a:solidFill>
+              </a:defRPr>
             </a:lvl2pPr>
             <a:lvl3pPr marL="914400" indent="0" algn="ctr">
               <a:buNone/>
-              <a:defRPr sz="1800"/>
+              <a:defRPr>
+                <a:solidFill>
+                  <a:schemeClr val="tx1">
+                    <a:tint val="75000"/>
+                  </a:schemeClr>
+                </a:solidFill>
+              </a:defRPr>
             </a:lvl3pPr>
             <a:lvl4pPr marL="1371600" indent="0" algn="ctr">
               <a:buNone/>
-              <a:defRPr sz="1600"/>
+              <a:defRPr>
+                <a:solidFill>
+                  <a:schemeClr val="tx1">
+                    <a:tint val="75000"/>
+                  </a:schemeClr>
+                </a:solidFill>
+              </a:defRPr>
             </a:lvl4pPr>
             <a:lvl5pPr marL="1828800" indent="0" algn="ctr">
               <a:buNone/>
-              <a:defRPr sz="1600"/>
+              <a:defRPr>
+                <a:solidFill>
+                  <a:schemeClr val="tx1">
+                    <a:tint val="75000"/>
+                  </a:schemeClr>
+                </a:solidFill>
+              </a:defRPr>
             </a:lvl5pPr>
             <a:lvl6pPr marL="2286000" indent="0" algn="ctr">
               <a:buNone/>
-              <a:defRPr sz="1600"/>
+              <a:defRPr>
+                <a:solidFill>
+                  <a:schemeClr val="tx1">
+                    <a:tint val="75000"/>
+                  </a:schemeClr>
+                </a:solidFill>
+              </a:defRPr>
             </a:lvl6pPr>
             <a:lvl7pPr marL="2743200" indent="0" algn="ctr">
               <a:buNone/>
-              <a:defRPr sz="1600"/>
+              <a:defRPr>
+                <a:solidFill>
+                  <a:schemeClr val="tx1">
+                    <a:tint val="75000"/>
+                  </a:schemeClr>
+                </a:solidFill>
+              </a:defRPr>
             </a:lvl7pPr>
             <a:lvl8pPr marL="3200400" indent="0" algn="ctr">
               <a:buNone/>
-              <a:defRPr sz="1600"/>
+              <a:defRPr>
+                <a:solidFill>
+                  <a:schemeClr val="tx1">
+                    <a:tint val="75000"/>
+                  </a:schemeClr>
+                </a:solidFill>
+              </a:defRPr>
             </a:lvl8pPr>
             <a:lvl9pPr marL="3657600" indent="0" algn="ctr">
               <a:buNone/>
-              <a:defRPr sz="1600"/>
+              <a:defRPr>
+                <a:solidFill>
+                  <a:schemeClr val="tx1">
+                    <a:tint val="75000"/>
+                  </a:schemeClr>
+                </a:solidFill>
+              </a:defRPr>
             </a:lvl9pPr>
           </a:lstStyle>
           <a:p>
@@ -229,19 +818,13 @@
               <a:rPr lang="en-US"/>
               <a:t>Click to edit Master subtitle style</a:t>
             </a:r>
-            <a:endParaRPr lang="en-ID"/>
-          </a:p>
-        </p:txBody>
-      </p:sp>
-      <p:sp>
-        <p:nvSpPr>
-          <p:cNvPr id="4" name="Date Placeholder 3">
-            <a:extLst>
-              <a:ext uri="{FF2B5EF4-FFF2-40B4-BE49-F238E27FC236}">
-                <a16:creationId xmlns:a16="http://schemas.microsoft.com/office/drawing/2014/main" id="{C98CA504-0579-8218-C15F-F54690A4E1E4}"/>
-              </a:ext>
-            </a:extLst>
-          </p:cNvPr>
+            <a:endParaRPr lang="en-US" dirty="0"/>
+          </a:p>
+        </p:txBody>
+      </p:sp>
+      <p:sp>
+        <p:nvSpPr>
+          <p:cNvPr id="4" name="Date Placeholder 3"/>
           <p:cNvSpPr>
             <a:spLocks noGrp="1"/>
           </p:cNvSpPr>
@@ -264,13 +847,7 @@
       </p:sp>
       <p:sp>
         <p:nvSpPr>
-          <p:cNvPr id="5" name="Footer Placeholder 4">
-            <a:extLst>
-              <a:ext uri="{FF2B5EF4-FFF2-40B4-BE49-F238E27FC236}">
-                <a16:creationId xmlns:a16="http://schemas.microsoft.com/office/drawing/2014/main" id="{EF1F650C-759E-E309-22F0-C0A8F5E0963C}"/>
-              </a:ext>
-            </a:extLst>
-          </p:cNvPr>
+          <p:cNvPr id="5" name="Footer Placeholder 4"/>
           <p:cNvSpPr>
             <a:spLocks noGrp="1"/>
           </p:cNvSpPr>
@@ -289,13 +866,7 @@
       </p:sp>
       <p:sp>
         <p:nvSpPr>
-          <p:cNvPr id="6" name="Slide Number Placeholder 5">
-            <a:extLst>
-              <a:ext uri="{FF2B5EF4-FFF2-40B4-BE49-F238E27FC236}">
-                <a16:creationId xmlns:a16="http://schemas.microsoft.com/office/drawing/2014/main" id="{9198286D-39D1-531F-0F36-D4E57FC37616}"/>
-              </a:ext>
-            </a:extLst>
-          </p:cNvPr>
+          <p:cNvPr id="6" name="Slide Number Placeholder 5"/>
           <p:cNvSpPr>
             <a:spLocks noGrp="1"/>
           </p:cNvSpPr>
@@ -319,7 +890,7 @@
     </p:spTree>
     <p:extLst>
       <p:ext uri="{BB962C8B-B14F-4D97-AF65-F5344CB8AC3E}">
-        <p14:creationId xmlns:p14="http://schemas.microsoft.com/office/powerpoint/2010/main" val="2300103087"/>
+        <p14:creationId xmlns:p14="http://schemas.microsoft.com/office/powerpoint/2010/main" val="3346192009"/>
       </p:ext>
     </p:extLst>
   </p:cSld>
@@ -330,6 +901,1619 @@
 </file>
 
 <file path=ppt/slideLayouts/slideLayout10.xml><?xml version="1.0" encoding="utf-8"?>
+<p:sldLayout xmlns:a="http://schemas.openxmlformats.org/drawingml/2006/main" xmlns:r="http://schemas.openxmlformats.org/officeDocument/2006/relationships" xmlns:p="http://schemas.openxmlformats.org/presentationml/2006/main" preserve="1">
+  <p:cSld name="Title and Caption">
+    <p:spTree>
+      <p:nvGrpSpPr>
+        <p:cNvPr id="1" name=""/>
+        <p:cNvGrpSpPr/>
+        <p:nvPr/>
+      </p:nvGrpSpPr>
+      <p:grpSpPr>
+        <a:xfrm>
+          <a:off x="0" y="0"/>
+          <a:ext cx="0" cy="0"/>
+          <a:chOff x="0" y="0"/>
+          <a:chExt cx="0" cy="0"/>
+        </a:xfrm>
+      </p:grpSpPr>
+      <p:sp>
+        <p:nvSpPr>
+          <p:cNvPr id="2" name="Title 1"/>
+          <p:cNvSpPr>
+            <a:spLocks noGrp="1"/>
+          </p:cNvSpPr>
+          <p:nvPr>
+            <p:ph type="title"/>
+          </p:nvPr>
+        </p:nvSpPr>
+        <p:spPr>
+          <a:xfrm>
+            <a:off x="677335" y="609600"/>
+            <a:ext cx="8596668" cy="3403600"/>
+          </a:xfrm>
+        </p:spPr>
+        <p:txBody>
+          <a:bodyPr anchor="ctr">
+            <a:normAutofit/>
+          </a:bodyPr>
+          <a:lstStyle>
+            <a:lvl1pPr algn="l">
+              <a:defRPr sz="4400" b="0" cap="none"/>
+            </a:lvl1pPr>
+          </a:lstStyle>
+          <a:p>
+            <a:r>
+              <a:rPr lang="en-US"/>
+              <a:t>Click to edit Master title style</a:t>
+            </a:r>
+            <a:endParaRPr lang="en-US" dirty="0"/>
+          </a:p>
+        </p:txBody>
+      </p:sp>
+      <p:sp>
+        <p:nvSpPr>
+          <p:cNvPr id="3" name="Text Placeholder 2"/>
+          <p:cNvSpPr>
+            <a:spLocks noGrp="1"/>
+          </p:cNvSpPr>
+          <p:nvPr>
+            <p:ph type="body" idx="1"/>
+          </p:nvPr>
+        </p:nvSpPr>
+        <p:spPr>
+          <a:xfrm>
+            <a:off x="677335" y="4470400"/>
+            <a:ext cx="8596668" cy="1570962"/>
+          </a:xfrm>
+        </p:spPr>
+        <p:txBody>
+          <a:bodyPr anchor="ctr">
+            <a:normAutofit/>
+          </a:bodyPr>
+          <a:lstStyle>
+            <a:lvl1pPr marL="0" indent="0" algn="l">
+              <a:buNone/>
+              <a:defRPr sz="1800">
+                <a:solidFill>
+                  <a:schemeClr val="tx1">
+                    <a:lumMod val="75000"/>
+                    <a:lumOff val="25000"/>
+                  </a:schemeClr>
+                </a:solidFill>
+              </a:defRPr>
+            </a:lvl1pPr>
+            <a:lvl2pPr marL="457200" indent="0">
+              <a:buNone/>
+              <a:defRPr sz="1800">
+                <a:solidFill>
+                  <a:schemeClr val="tx1">
+                    <a:tint val="75000"/>
+                  </a:schemeClr>
+                </a:solidFill>
+              </a:defRPr>
+            </a:lvl2pPr>
+            <a:lvl3pPr marL="914400" indent="0">
+              <a:buNone/>
+              <a:defRPr sz="1600">
+                <a:solidFill>
+                  <a:schemeClr val="tx1">
+                    <a:tint val="75000"/>
+                  </a:schemeClr>
+                </a:solidFill>
+              </a:defRPr>
+            </a:lvl3pPr>
+            <a:lvl4pPr marL="1371600" indent="0">
+              <a:buNone/>
+              <a:defRPr sz="1400">
+                <a:solidFill>
+                  <a:schemeClr val="tx1">
+                    <a:tint val="75000"/>
+                  </a:schemeClr>
+                </a:solidFill>
+              </a:defRPr>
+            </a:lvl4pPr>
+            <a:lvl5pPr marL="1828800" indent="0">
+              <a:buNone/>
+              <a:defRPr sz="1400">
+                <a:solidFill>
+                  <a:schemeClr val="tx1">
+                    <a:tint val="75000"/>
+                  </a:schemeClr>
+                </a:solidFill>
+              </a:defRPr>
+            </a:lvl5pPr>
+            <a:lvl6pPr marL="2286000" indent="0">
+              <a:buNone/>
+              <a:defRPr sz="1400">
+                <a:solidFill>
+                  <a:schemeClr val="tx1">
+                    <a:tint val="75000"/>
+                  </a:schemeClr>
+                </a:solidFill>
+              </a:defRPr>
+            </a:lvl6pPr>
+            <a:lvl7pPr marL="2743200" indent="0">
+              <a:buNone/>
+              <a:defRPr sz="1400">
+                <a:solidFill>
+                  <a:schemeClr val="tx1">
+                    <a:tint val="75000"/>
+                  </a:schemeClr>
+                </a:solidFill>
+              </a:defRPr>
+            </a:lvl7pPr>
+            <a:lvl8pPr marL="3200400" indent="0">
+              <a:buNone/>
+              <a:defRPr sz="1400">
+                <a:solidFill>
+                  <a:schemeClr val="tx1">
+                    <a:tint val="75000"/>
+                  </a:schemeClr>
+                </a:solidFill>
+              </a:defRPr>
+            </a:lvl8pPr>
+            <a:lvl9pPr marL="3657600" indent="0">
+              <a:buNone/>
+              <a:defRPr sz="1400">
+                <a:solidFill>
+                  <a:schemeClr val="tx1">
+                    <a:tint val="75000"/>
+                  </a:schemeClr>
+                </a:solidFill>
+              </a:defRPr>
+            </a:lvl9pPr>
+          </a:lstStyle>
+          <a:p>
+            <a:pPr lvl="0"/>
+            <a:r>
+              <a:rPr lang="en-US"/>
+              <a:t>Click to edit Master text styles</a:t>
+            </a:r>
+          </a:p>
+        </p:txBody>
+      </p:sp>
+      <p:sp>
+        <p:nvSpPr>
+          <p:cNvPr id="4" name="Date Placeholder 3"/>
+          <p:cNvSpPr>
+            <a:spLocks noGrp="1"/>
+          </p:cNvSpPr>
+          <p:nvPr>
+            <p:ph type="dt" sz="half" idx="10"/>
+          </p:nvPr>
+        </p:nvSpPr>
+        <p:spPr/>
+        <p:txBody>
+          <a:bodyPr/>
+          <a:lstStyle/>
+          <a:p>
+            <a:fld id="{78CE614C-0215-454F-82F8-AD1FD8B0428B}" type="datetimeFigureOut">
+              <a:rPr lang="en-ID" smtClean="0"/>
+              <a:t>20/04/2025</a:t>
+            </a:fld>
+            <a:endParaRPr lang="en-ID"/>
+          </a:p>
+        </p:txBody>
+      </p:sp>
+      <p:sp>
+        <p:nvSpPr>
+          <p:cNvPr id="5" name="Footer Placeholder 4"/>
+          <p:cNvSpPr>
+            <a:spLocks noGrp="1"/>
+          </p:cNvSpPr>
+          <p:nvPr>
+            <p:ph type="ftr" sz="quarter" idx="11"/>
+          </p:nvPr>
+        </p:nvSpPr>
+        <p:spPr/>
+        <p:txBody>
+          <a:bodyPr/>
+          <a:lstStyle/>
+          <a:p>
+            <a:endParaRPr lang="en-ID"/>
+          </a:p>
+        </p:txBody>
+      </p:sp>
+      <p:sp>
+        <p:nvSpPr>
+          <p:cNvPr id="6" name="Slide Number Placeholder 5"/>
+          <p:cNvSpPr>
+            <a:spLocks noGrp="1"/>
+          </p:cNvSpPr>
+          <p:nvPr>
+            <p:ph type="sldNum" sz="quarter" idx="12"/>
+          </p:nvPr>
+        </p:nvSpPr>
+        <p:spPr/>
+        <p:txBody>
+          <a:bodyPr/>
+          <a:lstStyle/>
+          <a:p>
+            <a:fld id="{98C37A43-9E80-4DE5-9206-11F5FE2A4EFE}" type="slidenum">
+              <a:rPr lang="en-ID" smtClean="0"/>
+              <a:t>‹#›</a:t>
+            </a:fld>
+            <a:endParaRPr lang="en-ID"/>
+          </a:p>
+        </p:txBody>
+      </p:sp>
+    </p:spTree>
+    <p:extLst>
+      <p:ext uri="{BB962C8B-B14F-4D97-AF65-F5344CB8AC3E}">
+        <p14:creationId xmlns:p14="http://schemas.microsoft.com/office/powerpoint/2010/main" val="2756037226"/>
+      </p:ext>
+    </p:extLst>
+  </p:cSld>
+  <p:clrMapOvr>
+    <a:masterClrMapping/>
+  </p:clrMapOvr>
+</p:sldLayout>
+</file>
+
+<file path=ppt/slideLayouts/slideLayout11.xml><?xml version="1.0" encoding="utf-8"?>
+<p:sldLayout xmlns:a="http://schemas.openxmlformats.org/drawingml/2006/main" xmlns:r="http://schemas.openxmlformats.org/officeDocument/2006/relationships" xmlns:p="http://schemas.openxmlformats.org/presentationml/2006/main" preserve="1">
+  <p:cSld name="Quote with Caption">
+    <p:spTree>
+      <p:nvGrpSpPr>
+        <p:cNvPr id="1" name=""/>
+        <p:cNvGrpSpPr/>
+        <p:nvPr/>
+      </p:nvGrpSpPr>
+      <p:grpSpPr>
+        <a:xfrm>
+          <a:off x="0" y="0"/>
+          <a:ext cx="0" cy="0"/>
+          <a:chOff x="0" y="0"/>
+          <a:chExt cx="0" cy="0"/>
+        </a:xfrm>
+      </p:grpSpPr>
+      <p:sp>
+        <p:nvSpPr>
+          <p:cNvPr id="2" name="Title 1"/>
+          <p:cNvSpPr>
+            <a:spLocks noGrp="1"/>
+          </p:cNvSpPr>
+          <p:nvPr>
+            <p:ph type="title"/>
+          </p:nvPr>
+        </p:nvSpPr>
+        <p:spPr>
+          <a:xfrm>
+            <a:off x="931334" y="609600"/>
+            <a:ext cx="8094134" cy="3022600"/>
+          </a:xfrm>
+        </p:spPr>
+        <p:txBody>
+          <a:bodyPr anchor="ctr">
+            <a:normAutofit/>
+          </a:bodyPr>
+          <a:lstStyle>
+            <a:lvl1pPr algn="l">
+              <a:defRPr sz="4400" b="0" cap="none"/>
+            </a:lvl1pPr>
+          </a:lstStyle>
+          <a:p>
+            <a:r>
+              <a:rPr lang="en-US"/>
+              <a:t>Click to edit Master title style</a:t>
+            </a:r>
+            <a:endParaRPr lang="en-US" dirty="0"/>
+          </a:p>
+        </p:txBody>
+      </p:sp>
+      <p:sp>
+        <p:nvSpPr>
+          <p:cNvPr id="23" name="Text Placeholder 9"/>
+          <p:cNvSpPr>
+            <a:spLocks noGrp="1"/>
+          </p:cNvSpPr>
+          <p:nvPr>
+            <p:ph type="body" sz="quarter" idx="13"/>
+          </p:nvPr>
+        </p:nvSpPr>
+        <p:spPr>
+          <a:xfrm>
+            <a:off x="1366139" y="3632200"/>
+            <a:ext cx="7224524" cy="381000"/>
+          </a:xfrm>
+        </p:spPr>
+        <p:txBody>
+          <a:bodyPr anchor="ctr">
+            <a:noAutofit/>
+          </a:bodyPr>
+          <a:lstStyle>
+            <a:lvl1pPr marL="0" indent="0">
+              <a:buFontTx/>
+              <a:buNone/>
+              <a:defRPr sz="1600">
+                <a:solidFill>
+                  <a:schemeClr val="tx1">
+                    <a:lumMod val="50000"/>
+                    <a:lumOff val="50000"/>
+                  </a:schemeClr>
+                </a:solidFill>
+              </a:defRPr>
+            </a:lvl1pPr>
+            <a:lvl2pPr marL="457200" indent="0">
+              <a:buFontTx/>
+              <a:buNone/>
+              <a:defRPr/>
+            </a:lvl2pPr>
+            <a:lvl3pPr marL="914400" indent="0">
+              <a:buFontTx/>
+              <a:buNone/>
+              <a:defRPr/>
+            </a:lvl3pPr>
+            <a:lvl4pPr marL="1371600" indent="0">
+              <a:buFontTx/>
+              <a:buNone/>
+              <a:defRPr/>
+            </a:lvl4pPr>
+            <a:lvl5pPr marL="1828800" indent="0">
+              <a:buFontTx/>
+              <a:buNone/>
+              <a:defRPr/>
+            </a:lvl5pPr>
+          </a:lstStyle>
+          <a:p>
+            <a:pPr lvl="0"/>
+            <a:r>
+              <a:rPr lang="en-US"/>
+              <a:t>Click to edit Master text styles</a:t>
+            </a:r>
+          </a:p>
+        </p:txBody>
+      </p:sp>
+      <p:sp>
+        <p:nvSpPr>
+          <p:cNvPr id="3" name="Text Placeholder 2"/>
+          <p:cNvSpPr>
+            <a:spLocks noGrp="1"/>
+          </p:cNvSpPr>
+          <p:nvPr>
+            <p:ph type="body" idx="1"/>
+          </p:nvPr>
+        </p:nvSpPr>
+        <p:spPr>
+          <a:xfrm>
+            <a:off x="677335" y="4470400"/>
+            <a:ext cx="8596668" cy="1570962"/>
+          </a:xfrm>
+        </p:spPr>
+        <p:txBody>
+          <a:bodyPr anchor="ctr">
+            <a:normAutofit/>
+          </a:bodyPr>
+          <a:lstStyle>
+            <a:lvl1pPr marL="0" indent="0" algn="l">
+              <a:buNone/>
+              <a:defRPr sz="1800">
+                <a:solidFill>
+                  <a:schemeClr val="tx1">
+                    <a:lumMod val="75000"/>
+                    <a:lumOff val="25000"/>
+                  </a:schemeClr>
+                </a:solidFill>
+              </a:defRPr>
+            </a:lvl1pPr>
+            <a:lvl2pPr marL="457200" indent="0">
+              <a:buNone/>
+              <a:defRPr sz="1800">
+                <a:solidFill>
+                  <a:schemeClr val="tx1">
+                    <a:tint val="75000"/>
+                  </a:schemeClr>
+                </a:solidFill>
+              </a:defRPr>
+            </a:lvl2pPr>
+            <a:lvl3pPr marL="914400" indent="0">
+              <a:buNone/>
+              <a:defRPr sz="1600">
+                <a:solidFill>
+                  <a:schemeClr val="tx1">
+                    <a:tint val="75000"/>
+                  </a:schemeClr>
+                </a:solidFill>
+              </a:defRPr>
+            </a:lvl3pPr>
+            <a:lvl4pPr marL="1371600" indent="0">
+              <a:buNone/>
+              <a:defRPr sz="1400">
+                <a:solidFill>
+                  <a:schemeClr val="tx1">
+                    <a:tint val="75000"/>
+                  </a:schemeClr>
+                </a:solidFill>
+              </a:defRPr>
+            </a:lvl4pPr>
+            <a:lvl5pPr marL="1828800" indent="0">
+              <a:buNone/>
+              <a:defRPr sz="1400">
+                <a:solidFill>
+                  <a:schemeClr val="tx1">
+                    <a:tint val="75000"/>
+                  </a:schemeClr>
+                </a:solidFill>
+              </a:defRPr>
+            </a:lvl5pPr>
+            <a:lvl6pPr marL="2286000" indent="0">
+              <a:buNone/>
+              <a:defRPr sz="1400">
+                <a:solidFill>
+                  <a:schemeClr val="tx1">
+                    <a:tint val="75000"/>
+                  </a:schemeClr>
+                </a:solidFill>
+              </a:defRPr>
+            </a:lvl6pPr>
+            <a:lvl7pPr marL="2743200" indent="0">
+              <a:buNone/>
+              <a:defRPr sz="1400">
+                <a:solidFill>
+                  <a:schemeClr val="tx1">
+                    <a:tint val="75000"/>
+                  </a:schemeClr>
+                </a:solidFill>
+              </a:defRPr>
+            </a:lvl7pPr>
+            <a:lvl8pPr marL="3200400" indent="0">
+              <a:buNone/>
+              <a:defRPr sz="1400">
+                <a:solidFill>
+                  <a:schemeClr val="tx1">
+                    <a:tint val="75000"/>
+                  </a:schemeClr>
+                </a:solidFill>
+              </a:defRPr>
+            </a:lvl8pPr>
+            <a:lvl9pPr marL="3657600" indent="0">
+              <a:buNone/>
+              <a:defRPr sz="1400">
+                <a:solidFill>
+                  <a:schemeClr val="tx1">
+                    <a:tint val="75000"/>
+                  </a:schemeClr>
+                </a:solidFill>
+              </a:defRPr>
+            </a:lvl9pPr>
+          </a:lstStyle>
+          <a:p>
+            <a:pPr lvl="0"/>
+            <a:r>
+              <a:rPr lang="en-US"/>
+              <a:t>Click to edit Master text styles</a:t>
+            </a:r>
+          </a:p>
+        </p:txBody>
+      </p:sp>
+      <p:sp>
+        <p:nvSpPr>
+          <p:cNvPr id="4" name="Date Placeholder 3"/>
+          <p:cNvSpPr>
+            <a:spLocks noGrp="1"/>
+          </p:cNvSpPr>
+          <p:nvPr>
+            <p:ph type="dt" sz="half" idx="10"/>
+          </p:nvPr>
+        </p:nvSpPr>
+        <p:spPr/>
+        <p:txBody>
+          <a:bodyPr/>
+          <a:lstStyle/>
+          <a:p>
+            <a:fld id="{78CE614C-0215-454F-82F8-AD1FD8B0428B}" type="datetimeFigureOut">
+              <a:rPr lang="en-ID" smtClean="0"/>
+              <a:t>20/04/2025</a:t>
+            </a:fld>
+            <a:endParaRPr lang="en-ID"/>
+          </a:p>
+        </p:txBody>
+      </p:sp>
+      <p:sp>
+        <p:nvSpPr>
+          <p:cNvPr id="5" name="Footer Placeholder 4"/>
+          <p:cNvSpPr>
+            <a:spLocks noGrp="1"/>
+          </p:cNvSpPr>
+          <p:nvPr>
+            <p:ph type="ftr" sz="quarter" idx="11"/>
+          </p:nvPr>
+        </p:nvSpPr>
+        <p:spPr/>
+        <p:txBody>
+          <a:bodyPr/>
+          <a:lstStyle/>
+          <a:p>
+            <a:endParaRPr lang="en-ID"/>
+          </a:p>
+        </p:txBody>
+      </p:sp>
+      <p:sp>
+        <p:nvSpPr>
+          <p:cNvPr id="6" name="Slide Number Placeholder 5"/>
+          <p:cNvSpPr>
+            <a:spLocks noGrp="1"/>
+          </p:cNvSpPr>
+          <p:nvPr>
+            <p:ph type="sldNum" sz="quarter" idx="12"/>
+          </p:nvPr>
+        </p:nvSpPr>
+        <p:spPr/>
+        <p:txBody>
+          <a:bodyPr/>
+          <a:lstStyle/>
+          <a:p>
+            <a:fld id="{98C37A43-9E80-4DE5-9206-11F5FE2A4EFE}" type="slidenum">
+              <a:rPr lang="en-ID" smtClean="0"/>
+              <a:t>‹#›</a:t>
+            </a:fld>
+            <a:endParaRPr lang="en-ID"/>
+          </a:p>
+        </p:txBody>
+      </p:sp>
+      <p:sp>
+        <p:nvSpPr>
+          <p:cNvPr id="20" name="TextBox 19"/>
+          <p:cNvSpPr txBox="1"/>
+          <p:nvPr/>
+        </p:nvSpPr>
+        <p:spPr>
+          <a:xfrm>
+            <a:off x="541870" y="790378"/>
+            <a:ext cx="609600" cy="584776"/>
+          </a:xfrm>
+          <a:prstGeom prst="rect">
+            <a:avLst/>
+          </a:prstGeom>
+        </p:spPr>
+        <p:txBody>
+          <a:bodyPr vert="horz" lIns="91440" tIns="45720" rIns="91440" bIns="45720" rtlCol="0" anchor="ctr">
+            <a:noAutofit/>
+          </a:bodyPr>
+          <a:lstStyle/>
+          <a:p>
+            <a:pPr lvl="0"/>
+            <a:r>
+              <a:rPr lang="en-US" sz="8000" baseline="0" dirty="0">
+                <a:ln w="3175" cmpd="sng">
+                  <a:noFill/>
+                </a:ln>
+                <a:solidFill>
+                  <a:schemeClr val="accent1">
+                    <a:lumMod val="60000"/>
+                    <a:lumOff val="40000"/>
+                  </a:schemeClr>
+                </a:solidFill>
+                <a:effectLst/>
+                <a:latin typeface="Arial"/>
+              </a:rPr>
+              <a:t>“</a:t>
+            </a:r>
+          </a:p>
+        </p:txBody>
+      </p:sp>
+      <p:sp>
+        <p:nvSpPr>
+          <p:cNvPr id="22" name="TextBox 21"/>
+          <p:cNvSpPr txBox="1"/>
+          <p:nvPr/>
+        </p:nvSpPr>
+        <p:spPr>
+          <a:xfrm>
+            <a:off x="8893011" y="2886556"/>
+            <a:ext cx="609600" cy="584776"/>
+          </a:xfrm>
+          <a:prstGeom prst="rect">
+            <a:avLst/>
+          </a:prstGeom>
+        </p:spPr>
+        <p:txBody>
+          <a:bodyPr vert="horz" lIns="91440" tIns="45720" rIns="91440" bIns="45720" rtlCol="0" anchor="ctr">
+            <a:noAutofit/>
+          </a:bodyPr>
+          <a:lstStyle/>
+          <a:p>
+            <a:pPr lvl="0"/>
+            <a:r>
+              <a:rPr lang="en-US" sz="8000" baseline="0" dirty="0">
+                <a:ln w="3175" cmpd="sng">
+                  <a:noFill/>
+                </a:ln>
+                <a:solidFill>
+                  <a:schemeClr val="accent1">
+                    <a:lumMod val="60000"/>
+                    <a:lumOff val="40000"/>
+                  </a:schemeClr>
+                </a:solidFill>
+                <a:latin typeface="Arial"/>
+              </a:rPr>
+              <a:t>”</a:t>
+            </a:r>
+            <a:endParaRPr lang="en-US" dirty="0">
+              <a:solidFill>
+                <a:schemeClr val="accent1">
+                  <a:lumMod val="60000"/>
+                  <a:lumOff val="40000"/>
+                </a:schemeClr>
+              </a:solidFill>
+              <a:latin typeface="Arial"/>
+            </a:endParaRPr>
+          </a:p>
+        </p:txBody>
+      </p:sp>
+    </p:spTree>
+    <p:extLst>
+      <p:ext uri="{BB962C8B-B14F-4D97-AF65-F5344CB8AC3E}">
+        <p14:creationId xmlns:p14="http://schemas.microsoft.com/office/powerpoint/2010/main" val="2763027526"/>
+      </p:ext>
+    </p:extLst>
+  </p:cSld>
+  <p:clrMapOvr>
+    <a:masterClrMapping/>
+  </p:clrMapOvr>
+</p:sldLayout>
+</file>
+
+<file path=ppt/slideLayouts/slideLayout12.xml><?xml version="1.0" encoding="utf-8"?>
+<p:sldLayout xmlns:a="http://schemas.openxmlformats.org/drawingml/2006/main" xmlns:r="http://schemas.openxmlformats.org/officeDocument/2006/relationships" xmlns:p="http://schemas.openxmlformats.org/presentationml/2006/main" preserve="1">
+  <p:cSld name="Name Card">
+    <p:spTree>
+      <p:nvGrpSpPr>
+        <p:cNvPr id="1" name=""/>
+        <p:cNvGrpSpPr/>
+        <p:nvPr/>
+      </p:nvGrpSpPr>
+      <p:grpSpPr>
+        <a:xfrm>
+          <a:off x="0" y="0"/>
+          <a:ext cx="0" cy="0"/>
+          <a:chOff x="0" y="0"/>
+          <a:chExt cx="0" cy="0"/>
+        </a:xfrm>
+      </p:grpSpPr>
+      <p:sp>
+        <p:nvSpPr>
+          <p:cNvPr id="2" name="Title 1"/>
+          <p:cNvSpPr>
+            <a:spLocks noGrp="1"/>
+          </p:cNvSpPr>
+          <p:nvPr>
+            <p:ph type="title"/>
+          </p:nvPr>
+        </p:nvSpPr>
+        <p:spPr>
+          <a:xfrm>
+            <a:off x="677335" y="1931988"/>
+            <a:ext cx="8596668" cy="2595460"/>
+          </a:xfrm>
+        </p:spPr>
+        <p:txBody>
+          <a:bodyPr anchor="b">
+            <a:normAutofit/>
+          </a:bodyPr>
+          <a:lstStyle>
+            <a:lvl1pPr algn="l">
+              <a:defRPr sz="4400" b="0" cap="none"/>
+            </a:lvl1pPr>
+          </a:lstStyle>
+          <a:p>
+            <a:r>
+              <a:rPr lang="en-US"/>
+              <a:t>Click to edit Master title style</a:t>
+            </a:r>
+            <a:endParaRPr lang="en-US" dirty="0"/>
+          </a:p>
+        </p:txBody>
+      </p:sp>
+      <p:sp>
+        <p:nvSpPr>
+          <p:cNvPr id="3" name="Text Placeholder 2"/>
+          <p:cNvSpPr>
+            <a:spLocks noGrp="1"/>
+          </p:cNvSpPr>
+          <p:nvPr>
+            <p:ph type="body" idx="1"/>
+          </p:nvPr>
+        </p:nvSpPr>
+        <p:spPr>
+          <a:xfrm>
+            <a:off x="677335" y="4527448"/>
+            <a:ext cx="8596668" cy="1513914"/>
+          </a:xfrm>
+        </p:spPr>
+        <p:txBody>
+          <a:bodyPr anchor="t">
+            <a:normAutofit/>
+          </a:bodyPr>
+          <a:lstStyle>
+            <a:lvl1pPr marL="0" indent="0" algn="l">
+              <a:buNone/>
+              <a:defRPr sz="1800">
+                <a:solidFill>
+                  <a:schemeClr val="tx1">
+                    <a:lumMod val="75000"/>
+                    <a:lumOff val="25000"/>
+                  </a:schemeClr>
+                </a:solidFill>
+              </a:defRPr>
+            </a:lvl1pPr>
+            <a:lvl2pPr marL="457200" indent="0">
+              <a:buNone/>
+              <a:defRPr sz="1800">
+                <a:solidFill>
+                  <a:schemeClr val="tx1">
+                    <a:tint val="75000"/>
+                  </a:schemeClr>
+                </a:solidFill>
+              </a:defRPr>
+            </a:lvl2pPr>
+            <a:lvl3pPr marL="914400" indent="0">
+              <a:buNone/>
+              <a:defRPr sz="1600">
+                <a:solidFill>
+                  <a:schemeClr val="tx1">
+                    <a:tint val="75000"/>
+                  </a:schemeClr>
+                </a:solidFill>
+              </a:defRPr>
+            </a:lvl3pPr>
+            <a:lvl4pPr marL="1371600" indent="0">
+              <a:buNone/>
+              <a:defRPr sz="1400">
+                <a:solidFill>
+                  <a:schemeClr val="tx1">
+                    <a:tint val="75000"/>
+                  </a:schemeClr>
+                </a:solidFill>
+              </a:defRPr>
+            </a:lvl4pPr>
+            <a:lvl5pPr marL="1828800" indent="0">
+              <a:buNone/>
+              <a:defRPr sz="1400">
+                <a:solidFill>
+                  <a:schemeClr val="tx1">
+                    <a:tint val="75000"/>
+                  </a:schemeClr>
+                </a:solidFill>
+              </a:defRPr>
+            </a:lvl5pPr>
+            <a:lvl6pPr marL="2286000" indent="0">
+              <a:buNone/>
+              <a:defRPr sz="1400">
+                <a:solidFill>
+                  <a:schemeClr val="tx1">
+                    <a:tint val="75000"/>
+                  </a:schemeClr>
+                </a:solidFill>
+              </a:defRPr>
+            </a:lvl6pPr>
+            <a:lvl7pPr marL="2743200" indent="0">
+              <a:buNone/>
+              <a:defRPr sz="1400">
+                <a:solidFill>
+                  <a:schemeClr val="tx1">
+                    <a:tint val="75000"/>
+                  </a:schemeClr>
+                </a:solidFill>
+              </a:defRPr>
+            </a:lvl7pPr>
+            <a:lvl8pPr marL="3200400" indent="0">
+              <a:buNone/>
+              <a:defRPr sz="1400">
+                <a:solidFill>
+                  <a:schemeClr val="tx1">
+                    <a:tint val="75000"/>
+                  </a:schemeClr>
+                </a:solidFill>
+              </a:defRPr>
+            </a:lvl8pPr>
+            <a:lvl9pPr marL="3657600" indent="0">
+              <a:buNone/>
+              <a:defRPr sz="1400">
+                <a:solidFill>
+                  <a:schemeClr val="tx1">
+                    <a:tint val="75000"/>
+                  </a:schemeClr>
+                </a:solidFill>
+              </a:defRPr>
+            </a:lvl9pPr>
+          </a:lstStyle>
+          <a:p>
+            <a:pPr lvl="0"/>
+            <a:r>
+              <a:rPr lang="en-US"/>
+              <a:t>Click to edit Master text styles</a:t>
+            </a:r>
+          </a:p>
+        </p:txBody>
+      </p:sp>
+      <p:sp>
+        <p:nvSpPr>
+          <p:cNvPr id="4" name="Date Placeholder 3"/>
+          <p:cNvSpPr>
+            <a:spLocks noGrp="1"/>
+          </p:cNvSpPr>
+          <p:nvPr>
+            <p:ph type="dt" sz="half" idx="10"/>
+          </p:nvPr>
+        </p:nvSpPr>
+        <p:spPr/>
+        <p:txBody>
+          <a:bodyPr/>
+          <a:lstStyle/>
+          <a:p>
+            <a:fld id="{78CE614C-0215-454F-82F8-AD1FD8B0428B}" type="datetimeFigureOut">
+              <a:rPr lang="en-ID" smtClean="0"/>
+              <a:t>20/04/2025</a:t>
+            </a:fld>
+            <a:endParaRPr lang="en-ID"/>
+          </a:p>
+        </p:txBody>
+      </p:sp>
+      <p:sp>
+        <p:nvSpPr>
+          <p:cNvPr id="5" name="Footer Placeholder 4"/>
+          <p:cNvSpPr>
+            <a:spLocks noGrp="1"/>
+          </p:cNvSpPr>
+          <p:nvPr>
+            <p:ph type="ftr" sz="quarter" idx="11"/>
+          </p:nvPr>
+        </p:nvSpPr>
+        <p:spPr/>
+        <p:txBody>
+          <a:bodyPr/>
+          <a:lstStyle/>
+          <a:p>
+            <a:endParaRPr lang="en-ID"/>
+          </a:p>
+        </p:txBody>
+      </p:sp>
+      <p:sp>
+        <p:nvSpPr>
+          <p:cNvPr id="6" name="Slide Number Placeholder 5"/>
+          <p:cNvSpPr>
+            <a:spLocks noGrp="1"/>
+          </p:cNvSpPr>
+          <p:nvPr>
+            <p:ph type="sldNum" sz="quarter" idx="12"/>
+          </p:nvPr>
+        </p:nvSpPr>
+        <p:spPr/>
+        <p:txBody>
+          <a:bodyPr/>
+          <a:lstStyle/>
+          <a:p>
+            <a:fld id="{98C37A43-9E80-4DE5-9206-11F5FE2A4EFE}" type="slidenum">
+              <a:rPr lang="en-ID" smtClean="0"/>
+              <a:t>‹#›</a:t>
+            </a:fld>
+            <a:endParaRPr lang="en-ID"/>
+          </a:p>
+        </p:txBody>
+      </p:sp>
+    </p:spTree>
+    <p:extLst>
+      <p:ext uri="{BB962C8B-B14F-4D97-AF65-F5344CB8AC3E}">
+        <p14:creationId xmlns:p14="http://schemas.microsoft.com/office/powerpoint/2010/main" val="4033548891"/>
+      </p:ext>
+    </p:extLst>
+  </p:cSld>
+  <p:clrMapOvr>
+    <a:masterClrMapping/>
+  </p:clrMapOvr>
+</p:sldLayout>
+</file>
+
+<file path=ppt/slideLayouts/slideLayout13.xml><?xml version="1.0" encoding="utf-8"?>
+<p:sldLayout xmlns:a="http://schemas.openxmlformats.org/drawingml/2006/main" xmlns:r="http://schemas.openxmlformats.org/officeDocument/2006/relationships" xmlns:p="http://schemas.openxmlformats.org/presentationml/2006/main" preserve="1">
+  <p:cSld name="Quote Name Card">
+    <p:spTree>
+      <p:nvGrpSpPr>
+        <p:cNvPr id="1" name=""/>
+        <p:cNvGrpSpPr/>
+        <p:nvPr/>
+      </p:nvGrpSpPr>
+      <p:grpSpPr>
+        <a:xfrm>
+          <a:off x="0" y="0"/>
+          <a:ext cx="0" cy="0"/>
+          <a:chOff x="0" y="0"/>
+          <a:chExt cx="0" cy="0"/>
+        </a:xfrm>
+      </p:grpSpPr>
+      <p:sp>
+        <p:nvSpPr>
+          <p:cNvPr id="2" name="Title 1"/>
+          <p:cNvSpPr>
+            <a:spLocks noGrp="1"/>
+          </p:cNvSpPr>
+          <p:nvPr>
+            <p:ph type="title"/>
+          </p:nvPr>
+        </p:nvSpPr>
+        <p:spPr>
+          <a:xfrm>
+            <a:off x="931334" y="609600"/>
+            <a:ext cx="8094134" cy="3022600"/>
+          </a:xfrm>
+        </p:spPr>
+        <p:txBody>
+          <a:bodyPr anchor="ctr">
+            <a:normAutofit/>
+          </a:bodyPr>
+          <a:lstStyle>
+            <a:lvl1pPr algn="l">
+              <a:defRPr sz="4400" b="0" cap="none"/>
+            </a:lvl1pPr>
+          </a:lstStyle>
+          <a:p>
+            <a:r>
+              <a:rPr lang="en-US"/>
+              <a:t>Click to edit Master title style</a:t>
+            </a:r>
+            <a:endParaRPr lang="en-US" dirty="0"/>
+          </a:p>
+        </p:txBody>
+      </p:sp>
+      <p:sp>
+        <p:nvSpPr>
+          <p:cNvPr id="23" name="Text Placeholder 9"/>
+          <p:cNvSpPr>
+            <a:spLocks noGrp="1"/>
+          </p:cNvSpPr>
+          <p:nvPr>
+            <p:ph type="body" sz="quarter" idx="13"/>
+          </p:nvPr>
+        </p:nvSpPr>
+        <p:spPr>
+          <a:xfrm>
+            <a:off x="677332" y="4013200"/>
+            <a:ext cx="8596669" cy="514248"/>
+          </a:xfrm>
+        </p:spPr>
+        <p:txBody>
+          <a:bodyPr anchor="b">
+            <a:noAutofit/>
+          </a:bodyPr>
+          <a:lstStyle>
+            <a:lvl1pPr marL="0" indent="0">
+              <a:buFontTx/>
+              <a:buNone/>
+              <a:defRPr sz="2400">
+                <a:solidFill>
+                  <a:schemeClr val="tx1">
+                    <a:lumMod val="75000"/>
+                    <a:lumOff val="25000"/>
+                  </a:schemeClr>
+                </a:solidFill>
+              </a:defRPr>
+            </a:lvl1pPr>
+            <a:lvl2pPr marL="457200" indent="0">
+              <a:buFontTx/>
+              <a:buNone/>
+              <a:defRPr/>
+            </a:lvl2pPr>
+            <a:lvl3pPr marL="914400" indent="0">
+              <a:buFontTx/>
+              <a:buNone/>
+              <a:defRPr/>
+            </a:lvl3pPr>
+            <a:lvl4pPr marL="1371600" indent="0">
+              <a:buFontTx/>
+              <a:buNone/>
+              <a:defRPr/>
+            </a:lvl4pPr>
+            <a:lvl5pPr marL="1828800" indent="0">
+              <a:buFontTx/>
+              <a:buNone/>
+              <a:defRPr/>
+            </a:lvl5pPr>
+          </a:lstStyle>
+          <a:p>
+            <a:pPr lvl="0"/>
+            <a:r>
+              <a:rPr lang="en-US"/>
+              <a:t>Click to edit Master text styles</a:t>
+            </a:r>
+          </a:p>
+        </p:txBody>
+      </p:sp>
+      <p:sp>
+        <p:nvSpPr>
+          <p:cNvPr id="3" name="Text Placeholder 2"/>
+          <p:cNvSpPr>
+            <a:spLocks noGrp="1"/>
+          </p:cNvSpPr>
+          <p:nvPr>
+            <p:ph type="body" idx="1"/>
+          </p:nvPr>
+        </p:nvSpPr>
+        <p:spPr>
+          <a:xfrm>
+            <a:off x="677335" y="4527448"/>
+            <a:ext cx="8596668" cy="1513914"/>
+          </a:xfrm>
+        </p:spPr>
+        <p:txBody>
+          <a:bodyPr anchor="t">
+            <a:normAutofit/>
+          </a:bodyPr>
+          <a:lstStyle>
+            <a:lvl1pPr marL="0" indent="0" algn="l">
+              <a:buNone/>
+              <a:defRPr sz="1800">
+                <a:solidFill>
+                  <a:schemeClr val="tx1">
+                    <a:lumMod val="50000"/>
+                    <a:lumOff val="50000"/>
+                  </a:schemeClr>
+                </a:solidFill>
+              </a:defRPr>
+            </a:lvl1pPr>
+            <a:lvl2pPr marL="457200" indent="0">
+              <a:buNone/>
+              <a:defRPr sz="1800">
+                <a:solidFill>
+                  <a:schemeClr val="tx1">
+                    <a:tint val="75000"/>
+                  </a:schemeClr>
+                </a:solidFill>
+              </a:defRPr>
+            </a:lvl2pPr>
+            <a:lvl3pPr marL="914400" indent="0">
+              <a:buNone/>
+              <a:defRPr sz="1600">
+                <a:solidFill>
+                  <a:schemeClr val="tx1">
+                    <a:tint val="75000"/>
+                  </a:schemeClr>
+                </a:solidFill>
+              </a:defRPr>
+            </a:lvl3pPr>
+            <a:lvl4pPr marL="1371600" indent="0">
+              <a:buNone/>
+              <a:defRPr sz="1400">
+                <a:solidFill>
+                  <a:schemeClr val="tx1">
+                    <a:tint val="75000"/>
+                  </a:schemeClr>
+                </a:solidFill>
+              </a:defRPr>
+            </a:lvl4pPr>
+            <a:lvl5pPr marL="1828800" indent="0">
+              <a:buNone/>
+              <a:defRPr sz="1400">
+                <a:solidFill>
+                  <a:schemeClr val="tx1">
+                    <a:tint val="75000"/>
+                  </a:schemeClr>
+                </a:solidFill>
+              </a:defRPr>
+            </a:lvl5pPr>
+            <a:lvl6pPr marL="2286000" indent="0">
+              <a:buNone/>
+              <a:defRPr sz="1400">
+                <a:solidFill>
+                  <a:schemeClr val="tx1">
+                    <a:tint val="75000"/>
+                  </a:schemeClr>
+                </a:solidFill>
+              </a:defRPr>
+            </a:lvl6pPr>
+            <a:lvl7pPr marL="2743200" indent="0">
+              <a:buNone/>
+              <a:defRPr sz="1400">
+                <a:solidFill>
+                  <a:schemeClr val="tx1">
+                    <a:tint val="75000"/>
+                  </a:schemeClr>
+                </a:solidFill>
+              </a:defRPr>
+            </a:lvl7pPr>
+            <a:lvl8pPr marL="3200400" indent="0">
+              <a:buNone/>
+              <a:defRPr sz="1400">
+                <a:solidFill>
+                  <a:schemeClr val="tx1">
+                    <a:tint val="75000"/>
+                  </a:schemeClr>
+                </a:solidFill>
+              </a:defRPr>
+            </a:lvl8pPr>
+            <a:lvl9pPr marL="3657600" indent="0">
+              <a:buNone/>
+              <a:defRPr sz="1400">
+                <a:solidFill>
+                  <a:schemeClr val="tx1">
+                    <a:tint val="75000"/>
+                  </a:schemeClr>
+                </a:solidFill>
+              </a:defRPr>
+            </a:lvl9pPr>
+          </a:lstStyle>
+          <a:p>
+            <a:pPr lvl="0"/>
+            <a:r>
+              <a:rPr lang="en-US"/>
+              <a:t>Click to edit Master text styles</a:t>
+            </a:r>
+          </a:p>
+        </p:txBody>
+      </p:sp>
+      <p:sp>
+        <p:nvSpPr>
+          <p:cNvPr id="4" name="Date Placeholder 3"/>
+          <p:cNvSpPr>
+            <a:spLocks noGrp="1"/>
+          </p:cNvSpPr>
+          <p:nvPr>
+            <p:ph type="dt" sz="half" idx="10"/>
+          </p:nvPr>
+        </p:nvSpPr>
+        <p:spPr/>
+        <p:txBody>
+          <a:bodyPr/>
+          <a:lstStyle/>
+          <a:p>
+            <a:fld id="{78CE614C-0215-454F-82F8-AD1FD8B0428B}" type="datetimeFigureOut">
+              <a:rPr lang="en-ID" smtClean="0"/>
+              <a:t>20/04/2025</a:t>
+            </a:fld>
+            <a:endParaRPr lang="en-ID"/>
+          </a:p>
+        </p:txBody>
+      </p:sp>
+      <p:sp>
+        <p:nvSpPr>
+          <p:cNvPr id="5" name="Footer Placeholder 4"/>
+          <p:cNvSpPr>
+            <a:spLocks noGrp="1"/>
+          </p:cNvSpPr>
+          <p:nvPr>
+            <p:ph type="ftr" sz="quarter" idx="11"/>
+          </p:nvPr>
+        </p:nvSpPr>
+        <p:spPr/>
+        <p:txBody>
+          <a:bodyPr/>
+          <a:lstStyle/>
+          <a:p>
+            <a:endParaRPr lang="en-ID"/>
+          </a:p>
+        </p:txBody>
+      </p:sp>
+      <p:sp>
+        <p:nvSpPr>
+          <p:cNvPr id="6" name="Slide Number Placeholder 5"/>
+          <p:cNvSpPr>
+            <a:spLocks noGrp="1"/>
+          </p:cNvSpPr>
+          <p:nvPr>
+            <p:ph type="sldNum" sz="quarter" idx="12"/>
+          </p:nvPr>
+        </p:nvSpPr>
+        <p:spPr/>
+        <p:txBody>
+          <a:bodyPr/>
+          <a:lstStyle/>
+          <a:p>
+            <a:fld id="{98C37A43-9E80-4DE5-9206-11F5FE2A4EFE}" type="slidenum">
+              <a:rPr lang="en-ID" smtClean="0"/>
+              <a:t>‹#›</a:t>
+            </a:fld>
+            <a:endParaRPr lang="en-ID"/>
+          </a:p>
+        </p:txBody>
+      </p:sp>
+      <p:sp>
+        <p:nvSpPr>
+          <p:cNvPr id="24" name="TextBox 23"/>
+          <p:cNvSpPr txBox="1"/>
+          <p:nvPr/>
+        </p:nvSpPr>
+        <p:spPr>
+          <a:xfrm>
+            <a:off x="541870" y="790378"/>
+            <a:ext cx="609600" cy="584776"/>
+          </a:xfrm>
+          <a:prstGeom prst="rect">
+            <a:avLst/>
+          </a:prstGeom>
+        </p:spPr>
+        <p:txBody>
+          <a:bodyPr vert="horz" lIns="91440" tIns="45720" rIns="91440" bIns="45720" rtlCol="0" anchor="ctr">
+            <a:noAutofit/>
+          </a:bodyPr>
+          <a:lstStyle/>
+          <a:p>
+            <a:pPr lvl="0"/>
+            <a:r>
+              <a:rPr lang="en-US" sz="8000" baseline="0" dirty="0">
+                <a:ln w="3175" cmpd="sng">
+                  <a:noFill/>
+                </a:ln>
+                <a:solidFill>
+                  <a:schemeClr val="accent1">
+                    <a:lumMod val="60000"/>
+                    <a:lumOff val="40000"/>
+                  </a:schemeClr>
+                </a:solidFill>
+                <a:effectLst/>
+                <a:latin typeface="Arial"/>
+              </a:rPr>
+              <a:t>“</a:t>
+            </a:r>
+          </a:p>
+        </p:txBody>
+      </p:sp>
+      <p:sp>
+        <p:nvSpPr>
+          <p:cNvPr id="25" name="TextBox 24"/>
+          <p:cNvSpPr txBox="1"/>
+          <p:nvPr/>
+        </p:nvSpPr>
+        <p:spPr>
+          <a:xfrm>
+            <a:off x="8893011" y="2886556"/>
+            <a:ext cx="609600" cy="584776"/>
+          </a:xfrm>
+          <a:prstGeom prst="rect">
+            <a:avLst/>
+          </a:prstGeom>
+        </p:spPr>
+        <p:txBody>
+          <a:bodyPr vert="horz" lIns="91440" tIns="45720" rIns="91440" bIns="45720" rtlCol="0" anchor="ctr">
+            <a:noAutofit/>
+          </a:bodyPr>
+          <a:lstStyle/>
+          <a:p>
+            <a:pPr lvl="0"/>
+            <a:r>
+              <a:rPr lang="en-US" sz="8000" baseline="0" dirty="0">
+                <a:ln w="3175" cmpd="sng">
+                  <a:noFill/>
+                </a:ln>
+                <a:solidFill>
+                  <a:schemeClr val="accent1">
+                    <a:lumMod val="60000"/>
+                    <a:lumOff val="40000"/>
+                  </a:schemeClr>
+                </a:solidFill>
+                <a:effectLst/>
+                <a:latin typeface="Arial"/>
+              </a:rPr>
+              <a:t>”</a:t>
+            </a:r>
+          </a:p>
+        </p:txBody>
+      </p:sp>
+    </p:spTree>
+    <p:extLst>
+      <p:ext uri="{BB962C8B-B14F-4D97-AF65-F5344CB8AC3E}">
+        <p14:creationId xmlns:p14="http://schemas.microsoft.com/office/powerpoint/2010/main" val="1607014396"/>
+      </p:ext>
+    </p:extLst>
+  </p:cSld>
+  <p:clrMapOvr>
+    <a:masterClrMapping/>
+  </p:clrMapOvr>
+</p:sldLayout>
+</file>
+
+<file path=ppt/slideLayouts/slideLayout14.xml><?xml version="1.0" encoding="utf-8"?>
+<p:sldLayout xmlns:a="http://schemas.openxmlformats.org/drawingml/2006/main" xmlns:r="http://schemas.openxmlformats.org/officeDocument/2006/relationships" xmlns:p="http://schemas.openxmlformats.org/presentationml/2006/main" preserve="1">
+  <p:cSld name="True or False">
+    <p:spTree>
+      <p:nvGrpSpPr>
+        <p:cNvPr id="1" name=""/>
+        <p:cNvGrpSpPr/>
+        <p:nvPr/>
+      </p:nvGrpSpPr>
+      <p:grpSpPr>
+        <a:xfrm>
+          <a:off x="0" y="0"/>
+          <a:ext cx="0" cy="0"/>
+          <a:chOff x="0" y="0"/>
+          <a:chExt cx="0" cy="0"/>
+        </a:xfrm>
+      </p:grpSpPr>
+      <p:sp>
+        <p:nvSpPr>
+          <p:cNvPr id="2" name="Title 1"/>
+          <p:cNvSpPr>
+            <a:spLocks noGrp="1"/>
+          </p:cNvSpPr>
+          <p:nvPr>
+            <p:ph type="title"/>
+          </p:nvPr>
+        </p:nvSpPr>
+        <p:spPr>
+          <a:xfrm>
+            <a:off x="685799" y="609600"/>
+            <a:ext cx="8588203" cy="3022600"/>
+          </a:xfrm>
+        </p:spPr>
+        <p:txBody>
+          <a:bodyPr anchor="ctr">
+            <a:normAutofit/>
+          </a:bodyPr>
+          <a:lstStyle>
+            <a:lvl1pPr algn="l">
+              <a:defRPr sz="4400" b="0" cap="none"/>
+            </a:lvl1pPr>
+          </a:lstStyle>
+          <a:p>
+            <a:r>
+              <a:rPr lang="en-US"/>
+              <a:t>Click to edit Master title style</a:t>
+            </a:r>
+            <a:endParaRPr lang="en-US" dirty="0"/>
+          </a:p>
+        </p:txBody>
+      </p:sp>
+      <p:sp>
+        <p:nvSpPr>
+          <p:cNvPr id="23" name="Text Placeholder 9"/>
+          <p:cNvSpPr>
+            <a:spLocks noGrp="1"/>
+          </p:cNvSpPr>
+          <p:nvPr>
+            <p:ph type="body" sz="quarter" idx="13"/>
+          </p:nvPr>
+        </p:nvSpPr>
+        <p:spPr>
+          <a:xfrm>
+            <a:off x="677332" y="4013200"/>
+            <a:ext cx="8596669" cy="514248"/>
+          </a:xfrm>
+        </p:spPr>
+        <p:txBody>
+          <a:bodyPr anchor="b">
+            <a:noAutofit/>
+          </a:bodyPr>
+          <a:lstStyle>
+            <a:lvl1pPr marL="0" indent="0">
+              <a:buFontTx/>
+              <a:buNone/>
+              <a:defRPr sz="2400">
+                <a:solidFill>
+                  <a:schemeClr val="accent1"/>
+                </a:solidFill>
+              </a:defRPr>
+            </a:lvl1pPr>
+            <a:lvl2pPr marL="457200" indent="0">
+              <a:buFontTx/>
+              <a:buNone/>
+              <a:defRPr/>
+            </a:lvl2pPr>
+            <a:lvl3pPr marL="914400" indent="0">
+              <a:buFontTx/>
+              <a:buNone/>
+              <a:defRPr/>
+            </a:lvl3pPr>
+            <a:lvl4pPr marL="1371600" indent="0">
+              <a:buFontTx/>
+              <a:buNone/>
+              <a:defRPr/>
+            </a:lvl4pPr>
+            <a:lvl5pPr marL="1828800" indent="0">
+              <a:buFontTx/>
+              <a:buNone/>
+              <a:defRPr/>
+            </a:lvl5pPr>
+          </a:lstStyle>
+          <a:p>
+            <a:pPr lvl="0"/>
+            <a:r>
+              <a:rPr lang="en-US"/>
+              <a:t>Click to edit Master text styles</a:t>
+            </a:r>
+          </a:p>
+        </p:txBody>
+      </p:sp>
+      <p:sp>
+        <p:nvSpPr>
+          <p:cNvPr id="3" name="Text Placeholder 2"/>
+          <p:cNvSpPr>
+            <a:spLocks noGrp="1"/>
+          </p:cNvSpPr>
+          <p:nvPr>
+            <p:ph type="body" idx="1"/>
+          </p:nvPr>
+        </p:nvSpPr>
+        <p:spPr>
+          <a:xfrm>
+            <a:off x="677335" y="4527448"/>
+            <a:ext cx="8596668" cy="1513914"/>
+          </a:xfrm>
+        </p:spPr>
+        <p:txBody>
+          <a:bodyPr anchor="t">
+            <a:normAutofit/>
+          </a:bodyPr>
+          <a:lstStyle>
+            <a:lvl1pPr marL="0" indent="0" algn="l">
+              <a:buNone/>
+              <a:defRPr sz="1800">
+                <a:solidFill>
+                  <a:schemeClr val="tx1">
+                    <a:lumMod val="50000"/>
+                    <a:lumOff val="50000"/>
+                  </a:schemeClr>
+                </a:solidFill>
+              </a:defRPr>
+            </a:lvl1pPr>
+            <a:lvl2pPr marL="457200" indent="0">
+              <a:buNone/>
+              <a:defRPr sz="1800">
+                <a:solidFill>
+                  <a:schemeClr val="tx1">
+                    <a:tint val="75000"/>
+                  </a:schemeClr>
+                </a:solidFill>
+              </a:defRPr>
+            </a:lvl2pPr>
+            <a:lvl3pPr marL="914400" indent="0">
+              <a:buNone/>
+              <a:defRPr sz="1600">
+                <a:solidFill>
+                  <a:schemeClr val="tx1">
+                    <a:tint val="75000"/>
+                  </a:schemeClr>
+                </a:solidFill>
+              </a:defRPr>
+            </a:lvl3pPr>
+            <a:lvl4pPr marL="1371600" indent="0">
+              <a:buNone/>
+              <a:defRPr sz="1400">
+                <a:solidFill>
+                  <a:schemeClr val="tx1">
+                    <a:tint val="75000"/>
+                  </a:schemeClr>
+                </a:solidFill>
+              </a:defRPr>
+            </a:lvl4pPr>
+            <a:lvl5pPr marL="1828800" indent="0">
+              <a:buNone/>
+              <a:defRPr sz="1400">
+                <a:solidFill>
+                  <a:schemeClr val="tx1">
+                    <a:tint val="75000"/>
+                  </a:schemeClr>
+                </a:solidFill>
+              </a:defRPr>
+            </a:lvl5pPr>
+            <a:lvl6pPr marL="2286000" indent="0">
+              <a:buNone/>
+              <a:defRPr sz="1400">
+                <a:solidFill>
+                  <a:schemeClr val="tx1">
+                    <a:tint val="75000"/>
+                  </a:schemeClr>
+                </a:solidFill>
+              </a:defRPr>
+            </a:lvl6pPr>
+            <a:lvl7pPr marL="2743200" indent="0">
+              <a:buNone/>
+              <a:defRPr sz="1400">
+                <a:solidFill>
+                  <a:schemeClr val="tx1">
+                    <a:tint val="75000"/>
+                  </a:schemeClr>
+                </a:solidFill>
+              </a:defRPr>
+            </a:lvl7pPr>
+            <a:lvl8pPr marL="3200400" indent="0">
+              <a:buNone/>
+              <a:defRPr sz="1400">
+                <a:solidFill>
+                  <a:schemeClr val="tx1">
+                    <a:tint val="75000"/>
+                  </a:schemeClr>
+                </a:solidFill>
+              </a:defRPr>
+            </a:lvl8pPr>
+            <a:lvl9pPr marL="3657600" indent="0">
+              <a:buNone/>
+              <a:defRPr sz="1400">
+                <a:solidFill>
+                  <a:schemeClr val="tx1">
+                    <a:tint val="75000"/>
+                  </a:schemeClr>
+                </a:solidFill>
+              </a:defRPr>
+            </a:lvl9pPr>
+          </a:lstStyle>
+          <a:p>
+            <a:pPr lvl="0"/>
+            <a:r>
+              <a:rPr lang="en-US"/>
+              <a:t>Click to edit Master text styles</a:t>
+            </a:r>
+          </a:p>
+        </p:txBody>
+      </p:sp>
+      <p:sp>
+        <p:nvSpPr>
+          <p:cNvPr id="4" name="Date Placeholder 3"/>
+          <p:cNvSpPr>
+            <a:spLocks noGrp="1"/>
+          </p:cNvSpPr>
+          <p:nvPr>
+            <p:ph type="dt" sz="half" idx="10"/>
+          </p:nvPr>
+        </p:nvSpPr>
+        <p:spPr/>
+        <p:txBody>
+          <a:bodyPr/>
+          <a:lstStyle/>
+          <a:p>
+            <a:fld id="{78CE614C-0215-454F-82F8-AD1FD8B0428B}" type="datetimeFigureOut">
+              <a:rPr lang="en-ID" smtClean="0"/>
+              <a:t>20/04/2025</a:t>
+            </a:fld>
+            <a:endParaRPr lang="en-ID"/>
+          </a:p>
+        </p:txBody>
+      </p:sp>
+      <p:sp>
+        <p:nvSpPr>
+          <p:cNvPr id="5" name="Footer Placeholder 4"/>
+          <p:cNvSpPr>
+            <a:spLocks noGrp="1"/>
+          </p:cNvSpPr>
+          <p:nvPr>
+            <p:ph type="ftr" sz="quarter" idx="11"/>
+          </p:nvPr>
+        </p:nvSpPr>
+        <p:spPr/>
+        <p:txBody>
+          <a:bodyPr/>
+          <a:lstStyle/>
+          <a:p>
+            <a:endParaRPr lang="en-ID"/>
+          </a:p>
+        </p:txBody>
+      </p:sp>
+      <p:sp>
+        <p:nvSpPr>
+          <p:cNvPr id="6" name="Slide Number Placeholder 5"/>
+          <p:cNvSpPr>
+            <a:spLocks noGrp="1"/>
+          </p:cNvSpPr>
+          <p:nvPr>
+            <p:ph type="sldNum" sz="quarter" idx="12"/>
+          </p:nvPr>
+        </p:nvSpPr>
+        <p:spPr/>
+        <p:txBody>
+          <a:bodyPr/>
+          <a:lstStyle/>
+          <a:p>
+            <a:fld id="{98C37A43-9E80-4DE5-9206-11F5FE2A4EFE}" type="slidenum">
+              <a:rPr lang="en-ID" smtClean="0"/>
+              <a:t>‹#›</a:t>
+            </a:fld>
+            <a:endParaRPr lang="en-ID"/>
+          </a:p>
+        </p:txBody>
+      </p:sp>
+    </p:spTree>
+    <p:extLst>
+      <p:ext uri="{BB962C8B-B14F-4D97-AF65-F5344CB8AC3E}">
+        <p14:creationId xmlns:p14="http://schemas.microsoft.com/office/powerpoint/2010/main" val="418196205"/>
+      </p:ext>
+    </p:extLst>
+  </p:cSld>
+  <p:clrMapOvr>
+    <a:masterClrMapping/>
+  </p:clrMapOvr>
+</p:sldLayout>
+</file>
+
+<file path=ppt/slideLayouts/slideLayout15.xml><?xml version="1.0" encoding="utf-8"?>
 <p:sldLayout xmlns:a="http://schemas.openxmlformats.org/drawingml/2006/main" xmlns:r="http://schemas.openxmlformats.org/officeDocument/2006/relationships" xmlns:p="http://schemas.openxmlformats.org/presentationml/2006/main" type="vertTx" preserve="1">
   <p:cSld name="Title and Vertical Text">
     <p:spTree>
@@ -348,13 +2532,7 @@
       </p:grpSpPr>
       <p:sp>
         <p:nvSpPr>
-          <p:cNvPr id="2" name="Title 1">
-            <a:extLst>
-              <a:ext uri="{FF2B5EF4-FFF2-40B4-BE49-F238E27FC236}">
-                <a16:creationId xmlns:a16="http://schemas.microsoft.com/office/drawing/2014/main" id="{03588D1C-82ED-4618-AB51-FF5EDDA459F8}"/>
-              </a:ext>
-            </a:extLst>
-          </p:cNvPr>
+          <p:cNvPr id="2" name="Title 1"/>
           <p:cNvSpPr>
             <a:spLocks noGrp="1"/>
           </p:cNvSpPr>
@@ -371,19 +2549,13 @@
               <a:rPr lang="en-US"/>
               <a:t>Click to edit Master title style</a:t>
             </a:r>
-            <a:endParaRPr lang="en-ID"/>
-          </a:p>
-        </p:txBody>
-      </p:sp>
-      <p:sp>
-        <p:nvSpPr>
-          <p:cNvPr id="3" name="Vertical Text Placeholder 2">
-            <a:extLst>
-              <a:ext uri="{FF2B5EF4-FFF2-40B4-BE49-F238E27FC236}">
-                <a16:creationId xmlns:a16="http://schemas.microsoft.com/office/drawing/2014/main" id="{D17FEE2C-2D04-EEE0-5A9A-D40B5300B32A}"/>
-              </a:ext>
-            </a:extLst>
-          </p:cNvPr>
+            <a:endParaRPr lang="en-US" dirty="0"/>
+          </a:p>
+        </p:txBody>
+      </p:sp>
+      <p:sp>
+        <p:nvSpPr>
+          <p:cNvPr id="3" name="Vertical Text Placeholder 2"/>
           <p:cNvSpPr>
             <a:spLocks noGrp="1"/>
           </p:cNvSpPr>
@@ -429,19 +2601,13 @@
               <a:rPr lang="en-US"/>
               <a:t>Fifth level</a:t>
             </a:r>
-            <a:endParaRPr lang="en-ID"/>
-          </a:p>
-        </p:txBody>
-      </p:sp>
-      <p:sp>
-        <p:nvSpPr>
-          <p:cNvPr id="4" name="Date Placeholder 3">
-            <a:extLst>
-              <a:ext uri="{FF2B5EF4-FFF2-40B4-BE49-F238E27FC236}">
-                <a16:creationId xmlns:a16="http://schemas.microsoft.com/office/drawing/2014/main" id="{B5B9B17B-11D8-F5B8-534B-363E1CDC329B}"/>
-              </a:ext>
-            </a:extLst>
-          </p:cNvPr>
+            <a:endParaRPr lang="en-US" dirty="0"/>
+          </a:p>
+        </p:txBody>
+      </p:sp>
+      <p:sp>
+        <p:nvSpPr>
+          <p:cNvPr id="4" name="Date Placeholder 3"/>
           <p:cNvSpPr>
             <a:spLocks noGrp="1"/>
           </p:cNvSpPr>
@@ -464,13 +2630,7 @@
       </p:sp>
       <p:sp>
         <p:nvSpPr>
-          <p:cNvPr id="5" name="Footer Placeholder 4">
-            <a:extLst>
-              <a:ext uri="{FF2B5EF4-FFF2-40B4-BE49-F238E27FC236}">
-                <a16:creationId xmlns:a16="http://schemas.microsoft.com/office/drawing/2014/main" id="{4771ECD9-8AF0-92AD-F98D-BB0EB60F9D9F}"/>
-              </a:ext>
-            </a:extLst>
-          </p:cNvPr>
+          <p:cNvPr id="5" name="Footer Placeholder 4"/>
           <p:cNvSpPr>
             <a:spLocks noGrp="1"/>
           </p:cNvSpPr>
@@ -489,13 +2649,7 @@
       </p:sp>
       <p:sp>
         <p:nvSpPr>
-          <p:cNvPr id="6" name="Slide Number Placeholder 5">
-            <a:extLst>
-              <a:ext uri="{FF2B5EF4-FFF2-40B4-BE49-F238E27FC236}">
-                <a16:creationId xmlns:a16="http://schemas.microsoft.com/office/drawing/2014/main" id="{647C71ED-9B76-A667-8A36-1CC8A592E11A}"/>
-              </a:ext>
-            </a:extLst>
-          </p:cNvPr>
+          <p:cNvPr id="6" name="Slide Number Placeholder 5"/>
           <p:cNvSpPr>
             <a:spLocks noGrp="1"/>
           </p:cNvSpPr>
@@ -519,7 +2673,7 @@
     </p:spTree>
     <p:extLst>
       <p:ext uri="{BB962C8B-B14F-4D97-AF65-F5344CB8AC3E}">
-        <p14:creationId xmlns:p14="http://schemas.microsoft.com/office/powerpoint/2010/main" val="1004299371"/>
+        <p14:creationId xmlns:p14="http://schemas.microsoft.com/office/powerpoint/2010/main" val="3299981664"/>
       </p:ext>
     </p:extLst>
   </p:cSld>
@@ -529,7 +2683,7 @@
 </p:sldLayout>
 </file>
 
-<file path=ppt/slideLayouts/slideLayout11.xml><?xml version="1.0" encoding="utf-8"?>
+<file path=ppt/slideLayouts/slideLayout16.xml><?xml version="1.0" encoding="utf-8"?>
 <p:sldLayout xmlns:a="http://schemas.openxmlformats.org/drawingml/2006/main" xmlns:r="http://schemas.openxmlformats.org/officeDocument/2006/relationships" xmlns:p="http://schemas.openxmlformats.org/presentationml/2006/main" type="vertTitleAndTx" preserve="1">
   <p:cSld name="Vertical Title and Text">
     <p:spTree>
@@ -548,13 +2702,7 @@
       </p:grpSpPr>
       <p:sp>
         <p:nvSpPr>
-          <p:cNvPr id="2" name="Vertical Title 1">
-            <a:extLst>
-              <a:ext uri="{FF2B5EF4-FFF2-40B4-BE49-F238E27FC236}">
-                <a16:creationId xmlns:a16="http://schemas.microsoft.com/office/drawing/2014/main" id="{299EC037-A71F-3FA0-E668-09299CA3B63E}"/>
-              </a:ext>
-            </a:extLst>
-          </p:cNvPr>
+          <p:cNvPr id="2" name="Vertical Title 1"/>
           <p:cNvSpPr>
             <a:spLocks noGrp="1"/>
           </p:cNvSpPr>
@@ -564,31 +2712,25 @@
         </p:nvSpPr>
         <p:spPr>
           <a:xfrm>
-            <a:off x="8724900" y="365125"/>
-            <a:ext cx="2628900" cy="5811838"/>
+            <a:off x="7967673" y="609599"/>
+            <a:ext cx="1304743" cy="5251451"/>
           </a:xfrm>
         </p:spPr>
         <p:txBody>
-          <a:bodyPr vert="eaVert"/>
+          <a:bodyPr vert="eaVert" anchor="ctr"/>
           <a:lstStyle/>
           <a:p>
             <a:r>
               <a:rPr lang="en-US"/>
               <a:t>Click to edit Master title style</a:t>
             </a:r>
-            <a:endParaRPr lang="en-ID"/>
-          </a:p>
-        </p:txBody>
-      </p:sp>
-      <p:sp>
-        <p:nvSpPr>
-          <p:cNvPr id="3" name="Vertical Text Placeholder 2">
-            <a:extLst>
-              <a:ext uri="{FF2B5EF4-FFF2-40B4-BE49-F238E27FC236}">
-                <a16:creationId xmlns:a16="http://schemas.microsoft.com/office/drawing/2014/main" id="{00996F1B-01D4-3294-DE1E-1ACECA3AFC2F}"/>
-              </a:ext>
-            </a:extLst>
-          </p:cNvPr>
+            <a:endParaRPr lang="en-US" dirty="0"/>
+          </a:p>
+        </p:txBody>
+      </p:sp>
+      <p:sp>
+        <p:nvSpPr>
+          <p:cNvPr id="3" name="Vertical Text Placeholder 2"/>
           <p:cNvSpPr>
             <a:spLocks noGrp="1"/>
           </p:cNvSpPr>
@@ -598,8 +2740,8 @@
         </p:nvSpPr>
         <p:spPr>
           <a:xfrm>
-            <a:off x="838200" y="365125"/>
-            <a:ext cx="7734300" cy="5811838"/>
+            <a:off x="677335" y="609600"/>
+            <a:ext cx="7060150" cy="5251450"/>
           </a:xfrm>
         </p:spPr>
         <p:txBody>
@@ -639,19 +2781,13 @@
               <a:rPr lang="en-US"/>
               <a:t>Fifth level</a:t>
             </a:r>
-            <a:endParaRPr lang="en-ID"/>
-          </a:p>
-        </p:txBody>
-      </p:sp>
-      <p:sp>
-        <p:nvSpPr>
-          <p:cNvPr id="4" name="Date Placeholder 3">
-            <a:extLst>
-              <a:ext uri="{FF2B5EF4-FFF2-40B4-BE49-F238E27FC236}">
-                <a16:creationId xmlns:a16="http://schemas.microsoft.com/office/drawing/2014/main" id="{9FC3761C-0B56-1D6F-8829-79D05041C076}"/>
-              </a:ext>
-            </a:extLst>
-          </p:cNvPr>
+            <a:endParaRPr lang="en-US" dirty="0"/>
+          </a:p>
+        </p:txBody>
+      </p:sp>
+      <p:sp>
+        <p:nvSpPr>
+          <p:cNvPr id="4" name="Date Placeholder 3"/>
           <p:cNvSpPr>
             <a:spLocks noGrp="1"/>
           </p:cNvSpPr>
@@ -674,13 +2810,7 @@
       </p:sp>
       <p:sp>
         <p:nvSpPr>
-          <p:cNvPr id="5" name="Footer Placeholder 4">
-            <a:extLst>
-              <a:ext uri="{FF2B5EF4-FFF2-40B4-BE49-F238E27FC236}">
-                <a16:creationId xmlns:a16="http://schemas.microsoft.com/office/drawing/2014/main" id="{CFA7B6E9-0C0F-A700-B7A2-FF9355046E07}"/>
-              </a:ext>
-            </a:extLst>
-          </p:cNvPr>
+          <p:cNvPr id="5" name="Footer Placeholder 4"/>
           <p:cNvSpPr>
             <a:spLocks noGrp="1"/>
           </p:cNvSpPr>
@@ -699,13 +2829,7 @@
       </p:sp>
       <p:sp>
         <p:nvSpPr>
-          <p:cNvPr id="6" name="Slide Number Placeholder 5">
-            <a:extLst>
-              <a:ext uri="{FF2B5EF4-FFF2-40B4-BE49-F238E27FC236}">
-                <a16:creationId xmlns:a16="http://schemas.microsoft.com/office/drawing/2014/main" id="{A03603FA-E852-D5DE-3E43-E6CDBF94D427}"/>
-              </a:ext>
-            </a:extLst>
-          </p:cNvPr>
+          <p:cNvPr id="6" name="Slide Number Placeholder 5"/>
           <p:cNvSpPr>
             <a:spLocks noGrp="1"/>
           </p:cNvSpPr>
@@ -729,7 +2853,7 @@
     </p:spTree>
     <p:extLst>
       <p:ext uri="{BB962C8B-B14F-4D97-AF65-F5344CB8AC3E}">
-        <p14:creationId xmlns:p14="http://schemas.microsoft.com/office/powerpoint/2010/main" val="114382990"/>
+        <p14:creationId xmlns:p14="http://schemas.microsoft.com/office/powerpoint/2010/main" val="3016784098"/>
       </p:ext>
     </p:extLst>
   </p:cSld>
@@ -758,13 +2882,7 @@
       </p:grpSpPr>
       <p:sp>
         <p:nvSpPr>
-          <p:cNvPr id="2" name="Title 1">
-            <a:extLst>
-              <a:ext uri="{FF2B5EF4-FFF2-40B4-BE49-F238E27FC236}">
-                <a16:creationId xmlns:a16="http://schemas.microsoft.com/office/drawing/2014/main" id="{9CEE7E3E-C4C7-0D88-3A01-01E8520B36D6}"/>
-              </a:ext>
-            </a:extLst>
-          </p:cNvPr>
+          <p:cNvPr id="2" name="Title 1"/>
           <p:cNvSpPr>
             <a:spLocks noGrp="1"/>
           </p:cNvSpPr>
@@ -774,38 +2892,38 @@
         </p:nvSpPr>
         <p:spPr/>
         <p:txBody>
+          <a:bodyPr>
+            <a:normAutofit/>
+          </a:bodyPr>
+          <a:lstStyle>
+            <a:lvl1pPr>
+              <a:defRPr sz="3600"/>
+            </a:lvl1pPr>
+          </a:lstStyle>
+          <a:p>
+            <a:r>
+              <a:rPr lang="en-US"/>
+              <a:t>Click to edit Master title style</a:t>
+            </a:r>
+            <a:endParaRPr lang="en-US" dirty="0"/>
+          </a:p>
+        </p:txBody>
+      </p:sp>
+      <p:sp>
+        <p:nvSpPr>
+          <p:cNvPr id="3" name="Content Placeholder 2"/>
+          <p:cNvSpPr>
+            <a:spLocks noGrp="1"/>
+          </p:cNvSpPr>
+          <p:nvPr>
+            <p:ph idx="1"/>
+          </p:nvPr>
+        </p:nvSpPr>
+        <p:spPr/>
+        <p:txBody>
           <a:bodyPr/>
           <a:lstStyle/>
           <a:p>
-            <a:r>
-              <a:rPr lang="en-US"/>
-              <a:t>Click to edit Master title style</a:t>
-            </a:r>
-            <a:endParaRPr lang="en-ID"/>
-          </a:p>
-        </p:txBody>
-      </p:sp>
-      <p:sp>
-        <p:nvSpPr>
-          <p:cNvPr id="3" name="Content Placeholder 2">
-            <a:extLst>
-              <a:ext uri="{FF2B5EF4-FFF2-40B4-BE49-F238E27FC236}">
-                <a16:creationId xmlns:a16="http://schemas.microsoft.com/office/drawing/2014/main" id="{EA8021E7-9A9D-7B02-9758-27202751910D}"/>
-              </a:ext>
-            </a:extLst>
-          </p:cNvPr>
-          <p:cNvSpPr>
-            <a:spLocks noGrp="1"/>
-          </p:cNvSpPr>
-          <p:nvPr>
-            <p:ph idx="1"/>
-          </p:nvPr>
-        </p:nvSpPr>
-        <p:spPr/>
-        <p:txBody>
-          <a:bodyPr/>
-          <a:lstStyle/>
-          <a:p>
             <a:pPr lvl="0"/>
             <a:r>
               <a:rPr lang="en-US"/>
@@ -839,19 +2957,13 @@
               <a:rPr lang="en-US"/>
               <a:t>Fifth level</a:t>
             </a:r>
-            <a:endParaRPr lang="en-ID"/>
-          </a:p>
-        </p:txBody>
-      </p:sp>
-      <p:sp>
-        <p:nvSpPr>
-          <p:cNvPr id="4" name="Date Placeholder 3">
-            <a:extLst>
-              <a:ext uri="{FF2B5EF4-FFF2-40B4-BE49-F238E27FC236}">
-                <a16:creationId xmlns:a16="http://schemas.microsoft.com/office/drawing/2014/main" id="{5F425CB2-005F-42FB-62B7-6E81B0B96F3C}"/>
-              </a:ext>
-            </a:extLst>
-          </p:cNvPr>
+            <a:endParaRPr lang="en-US" dirty="0"/>
+          </a:p>
+        </p:txBody>
+      </p:sp>
+      <p:sp>
+        <p:nvSpPr>
+          <p:cNvPr id="4" name="Date Placeholder 3"/>
           <p:cNvSpPr>
             <a:spLocks noGrp="1"/>
           </p:cNvSpPr>
@@ -874,13 +2986,7 @@
       </p:sp>
       <p:sp>
         <p:nvSpPr>
-          <p:cNvPr id="5" name="Footer Placeholder 4">
-            <a:extLst>
-              <a:ext uri="{FF2B5EF4-FFF2-40B4-BE49-F238E27FC236}">
-                <a16:creationId xmlns:a16="http://schemas.microsoft.com/office/drawing/2014/main" id="{4C4AC0AE-2E88-F121-DC40-38CF318B7DE6}"/>
-              </a:ext>
-            </a:extLst>
-          </p:cNvPr>
+          <p:cNvPr id="5" name="Footer Placeholder 4"/>
           <p:cNvSpPr>
             <a:spLocks noGrp="1"/>
           </p:cNvSpPr>
@@ -899,13 +3005,7 @@
       </p:sp>
       <p:sp>
         <p:nvSpPr>
-          <p:cNvPr id="6" name="Slide Number Placeholder 5">
-            <a:extLst>
-              <a:ext uri="{FF2B5EF4-FFF2-40B4-BE49-F238E27FC236}">
-                <a16:creationId xmlns:a16="http://schemas.microsoft.com/office/drawing/2014/main" id="{D5E1194A-1A6A-4556-DD51-33871468219E}"/>
-              </a:ext>
-            </a:extLst>
-          </p:cNvPr>
+          <p:cNvPr id="6" name="Slide Number Placeholder 5"/>
           <p:cNvSpPr>
             <a:spLocks noGrp="1"/>
           </p:cNvSpPr>
@@ -929,7 +3029,7 @@
     </p:spTree>
     <p:extLst>
       <p:ext uri="{BB962C8B-B14F-4D97-AF65-F5344CB8AC3E}">
-        <p14:creationId xmlns:p14="http://schemas.microsoft.com/office/powerpoint/2010/main" val="3263091875"/>
+        <p14:creationId xmlns:p14="http://schemas.microsoft.com/office/powerpoint/2010/main" val="2959673540"/>
       </p:ext>
     </p:extLst>
   </p:cSld>
@@ -958,13 +3058,7 @@
       </p:grpSpPr>
       <p:sp>
         <p:nvSpPr>
-          <p:cNvPr id="2" name="Title 1">
-            <a:extLst>
-              <a:ext uri="{FF2B5EF4-FFF2-40B4-BE49-F238E27FC236}">
-                <a16:creationId xmlns:a16="http://schemas.microsoft.com/office/drawing/2014/main" id="{EF65244E-C3E3-CFA5-31E5-87F5DA00AD37}"/>
-              </a:ext>
-            </a:extLst>
-          </p:cNvPr>
+          <p:cNvPr id="2" name="Title 1"/>
           <p:cNvSpPr>
             <a:spLocks noGrp="1"/>
           </p:cNvSpPr>
@@ -974,15 +3068,15 @@
         </p:nvSpPr>
         <p:spPr>
           <a:xfrm>
-            <a:off x="831850" y="1709738"/>
-            <a:ext cx="10515600" cy="2852737"/>
+            <a:off x="677335" y="2700867"/>
+            <a:ext cx="8596668" cy="1826581"/>
           </a:xfrm>
         </p:spPr>
         <p:txBody>
           <a:bodyPr anchor="b"/>
           <a:lstStyle>
-            <a:lvl1pPr>
-              <a:defRPr sz="6000"/>
+            <a:lvl1pPr algn="l">
+              <a:defRPr sz="4000" b="0" cap="none"/>
             </a:lvl1pPr>
           </a:lstStyle>
           <a:p>
@@ -990,19 +3084,13 @@
               <a:rPr lang="en-US"/>
               <a:t>Click to edit Master title style</a:t>
             </a:r>
-            <a:endParaRPr lang="en-ID"/>
-          </a:p>
-        </p:txBody>
-      </p:sp>
-      <p:sp>
-        <p:nvSpPr>
-          <p:cNvPr id="3" name="Text Placeholder 2">
-            <a:extLst>
-              <a:ext uri="{FF2B5EF4-FFF2-40B4-BE49-F238E27FC236}">
-                <a16:creationId xmlns:a16="http://schemas.microsoft.com/office/drawing/2014/main" id="{133F6AD7-EE90-3936-FA66-DD56C960FC1F}"/>
-              </a:ext>
-            </a:extLst>
-          </p:cNvPr>
+            <a:endParaRPr lang="en-US" dirty="0"/>
+          </a:p>
+        </p:txBody>
+      </p:sp>
+      <p:sp>
+        <p:nvSpPr>
+          <p:cNvPr id="3" name="Text Placeholder 2"/>
           <p:cNvSpPr>
             <a:spLocks noGrp="1"/>
           </p:cNvSpPr>
@@ -1012,102 +3100,103 @@
         </p:nvSpPr>
         <p:spPr>
           <a:xfrm>
-            <a:off x="831850" y="4589463"/>
-            <a:ext cx="10515600" cy="1500187"/>
+            <a:off x="677335" y="4527448"/>
+            <a:ext cx="8596668" cy="860400"/>
           </a:xfrm>
         </p:spPr>
         <p:txBody>
-          <a:bodyPr/>
+          <a:bodyPr anchor="t"/>
           <a:lstStyle>
-            <a:lvl1pPr marL="0" indent="0">
-              <a:buNone/>
-              <a:defRPr sz="2400">
+            <a:lvl1pPr marL="0" indent="0" algn="l">
+              <a:buNone/>
+              <a:defRPr sz="2000">
+                <a:solidFill>
+                  <a:schemeClr val="tx1">
+                    <a:lumMod val="50000"/>
+                    <a:lumOff val="50000"/>
+                  </a:schemeClr>
+                </a:solidFill>
+              </a:defRPr>
+            </a:lvl1pPr>
+            <a:lvl2pPr marL="457200" indent="0">
+              <a:buNone/>
+              <a:defRPr sz="1800">
                 <a:solidFill>
                   <a:schemeClr val="tx1">
                     <a:tint val="75000"/>
                   </a:schemeClr>
                 </a:solidFill>
               </a:defRPr>
-            </a:lvl1pPr>
-            <a:lvl2pPr marL="457200" indent="0">
-              <a:buNone/>
-              <a:defRPr sz="2000">
+            </a:lvl2pPr>
+            <a:lvl3pPr marL="914400" indent="0">
+              <a:buNone/>
+              <a:defRPr sz="1600">
                 <a:solidFill>
                   <a:schemeClr val="tx1">
                     <a:tint val="75000"/>
                   </a:schemeClr>
                 </a:solidFill>
               </a:defRPr>
-            </a:lvl2pPr>
-            <a:lvl3pPr marL="914400" indent="0">
-              <a:buNone/>
-              <a:defRPr sz="1800">
+            </a:lvl3pPr>
+            <a:lvl4pPr marL="1371600" indent="0">
+              <a:buNone/>
+              <a:defRPr sz="1400">
                 <a:solidFill>
                   <a:schemeClr val="tx1">
                     <a:tint val="75000"/>
                   </a:schemeClr>
                 </a:solidFill>
               </a:defRPr>
-            </a:lvl3pPr>
-            <a:lvl4pPr marL="1371600" indent="0">
-              <a:buNone/>
-              <a:defRPr sz="1600">
+            </a:lvl4pPr>
+            <a:lvl5pPr marL="1828800" indent="0">
+              <a:buNone/>
+              <a:defRPr sz="1400">
                 <a:solidFill>
                   <a:schemeClr val="tx1">
                     <a:tint val="75000"/>
                   </a:schemeClr>
                 </a:solidFill>
               </a:defRPr>
-            </a:lvl4pPr>
-            <a:lvl5pPr marL="1828800" indent="0">
-              <a:buNone/>
-              <a:defRPr sz="1600">
+            </a:lvl5pPr>
+            <a:lvl6pPr marL="2286000" indent="0">
+              <a:buNone/>
+              <a:defRPr sz="1400">
                 <a:solidFill>
                   <a:schemeClr val="tx1">
                     <a:tint val="75000"/>
                   </a:schemeClr>
                 </a:solidFill>
               </a:defRPr>
-            </a:lvl5pPr>
-            <a:lvl6pPr marL="2286000" indent="0">
-              <a:buNone/>
-              <a:defRPr sz="1600">
+            </a:lvl6pPr>
+            <a:lvl7pPr marL="2743200" indent="0">
+              <a:buNone/>
+              <a:defRPr sz="1400">
                 <a:solidFill>
                   <a:schemeClr val="tx1">
                     <a:tint val="75000"/>
                   </a:schemeClr>
                 </a:solidFill>
               </a:defRPr>
-            </a:lvl6pPr>
-            <a:lvl7pPr marL="2743200" indent="0">
-              <a:buNone/>
-              <a:defRPr sz="1600">
+            </a:lvl7pPr>
+            <a:lvl8pPr marL="3200400" indent="0">
+              <a:buNone/>
+              <a:defRPr sz="1400">
                 <a:solidFill>
                   <a:schemeClr val="tx1">
                     <a:tint val="75000"/>
                   </a:schemeClr>
                 </a:solidFill>
               </a:defRPr>
-            </a:lvl7pPr>
-            <a:lvl8pPr marL="3200400" indent="0">
-              <a:buNone/>
-              <a:defRPr sz="1600">
+            </a:lvl8pPr>
+            <a:lvl9pPr marL="3657600" indent="0">
+              <a:buNone/>
+              <a:defRPr sz="1400">
                 <a:solidFill>
                   <a:schemeClr val="tx1">
                     <a:tint val="75000"/>
                   </a:schemeClr>
                 </a:solidFill>
               </a:defRPr>
-            </a:lvl8pPr>
-            <a:lvl9pPr marL="3657600" indent="0">
-              <a:buNone/>
-              <a:defRPr sz="1600">
-                <a:solidFill>
-                  <a:schemeClr val="tx1">
-                    <a:tint val="75000"/>
-                  </a:schemeClr>
-                </a:solidFill>
-              </a:defRPr>
             </a:lvl9pPr>
           </a:lstStyle>
           <a:p>
@@ -1121,13 +3210,7 @@
       </p:sp>
       <p:sp>
         <p:nvSpPr>
-          <p:cNvPr id="4" name="Date Placeholder 3">
-            <a:extLst>
-              <a:ext uri="{FF2B5EF4-FFF2-40B4-BE49-F238E27FC236}">
-                <a16:creationId xmlns:a16="http://schemas.microsoft.com/office/drawing/2014/main" id="{ECCC9B34-28EF-5A1F-6AFD-7FFCDC66A4E6}"/>
-              </a:ext>
-            </a:extLst>
-          </p:cNvPr>
+          <p:cNvPr id="4" name="Date Placeholder 3"/>
           <p:cNvSpPr>
             <a:spLocks noGrp="1"/>
           </p:cNvSpPr>
@@ -1150,13 +3233,7 @@
       </p:sp>
       <p:sp>
         <p:nvSpPr>
-          <p:cNvPr id="5" name="Footer Placeholder 4">
-            <a:extLst>
-              <a:ext uri="{FF2B5EF4-FFF2-40B4-BE49-F238E27FC236}">
-                <a16:creationId xmlns:a16="http://schemas.microsoft.com/office/drawing/2014/main" id="{E16E77CE-B5C7-A5EF-2E53-ADDBE40E374E}"/>
-              </a:ext>
-            </a:extLst>
-          </p:cNvPr>
+          <p:cNvPr id="5" name="Footer Placeholder 4"/>
           <p:cNvSpPr>
             <a:spLocks noGrp="1"/>
           </p:cNvSpPr>
@@ -1175,13 +3252,7 @@
       </p:sp>
       <p:sp>
         <p:nvSpPr>
-          <p:cNvPr id="6" name="Slide Number Placeholder 5">
-            <a:extLst>
-              <a:ext uri="{FF2B5EF4-FFF2-40B4-BE49-F238E27FC236}">
-                <a16:creationId xmlns:a16="http://schemas.microsoft.com/office/drawing/2014/main" id="{E4E1F043-11E5-42D8-6FF9-61176647FA00}"/>
-              </a:ext>
-            </a:extLst>
-          </p:cNvPr>
+          <p:cNvPr id="6" name="Slide Number Placeholder 5"/>
           <p:cNvSpPr>
             <a:spLocks noGrp="1"/>
           </p:cNvSpPr>
@@ -1205,7 +3276,7 @@
     </p:spTree>
     <p:extLst>
       <p:ext uri="{BB962C8B-B14F-4D97-AF65-F5344CB8AC3E}">
-        <p14:creationId xmlns:p14="http://schemas.microsoft.com/office/powerpoint/2010/main" val="2854933837"/>
+        <p14:creationId xmlns:p14="http://schemas.microsoft.com/office/powerpoint/2010/main" val="235082924"/>
       </p:ext>
     </p:extLst>
   </p:cSld>
@@ -1234,13 +3305,7 @@
       </p:grpSpPr>
       <p:sp>
         <p:nvSpPr>
-          <p:cNvPr id="2" name="Title 1">
-            <a:extLst>
-              <a:ext uri="{FF2B5EF4-FFF2-40B4-BE49-F238E27FC236}">
-                <a16:creationId xmlns:a16="http://schemas.microsoft.com/office/drawing/2014/main" id="{8480019A-0739-0562-CF29-F22CE455CA08}"/>
-              </a:ext>
-            </a:extLst>
-          </p:cNvPr>
+          <p:cNvPr id="2" name="Title 1"/>
           <p:cNvSpPr>
             <a:spLocks noGrp="1"/>
           </p:cNvSpPr>
@@ -1257,19 +3322,13 @@
               <a:rPr lang="en-US"/>
               <a:t>Click to edit Master title style</a:t>
             </a:r>
-            <a:endParaRPr lang="en-ID"/>
-          </a:p>
-        </p:txBody>
-      </p:sp>
-      <p:sp>
-        <p:nvSpPr>
-          <p:cNvPr id="3" name="Content Placeholder 2">
-            <a:extLst>
-              <a:ext uri="{FF2B5EF4-FFF2-40B4-BE49-F238E27FC236}">
-                <a16:creationId xmlns:a16="http://schemas.microsoft.com/office/drawing/2014/main" id="{A447A9FB-2AE5-A1AE-C190-18F1F4073C1F}"/>
-              </a:ext>
-            </a:extLst>
-          </p:cNvPr>
+            <a:endParaRPr lang="en-US" dirty="0"/>
+          </a:p>
+        </p:txBody>
+      </p:sp>
+      <p:sp>
+        <p:nvSpPr>
+          <p:cNvPr id="3" name="Content Placeholder 2"/>
           <p:cNvSpPr>
             <a:spLocks noGrp="1"/>
           </p:cNvSpPr>
@@ -1279,8 +3338,8 @@
         </p:nvSpPr>
         <p:spPr>
           <a:xfrm>
-            <a:off x="838200" y="1825625"/>
-            <a:ext cx="5181600" cy="4351338"/>
+            <a:off x="677334" y="2160589"/>
+            <a:ext cx="4184035" cy="3880772"/>
           </a:xfrm>
         </p:spPr>
         <p:txBody>
@@ -1320,19 +3379,13 @@
               <a:rPr lang="en-US"/>
               <a:t>Fifth level</a:t>
             </a:r>
-            <a:endParaRPr lang="en-ID"/>
-          </a:p>
-        </p:txBody>
-      </p:sp>
-      <p:sp>
-        <p:nvSpPr>
-          <p:cNvPr id="4" name="Content Placeholder 3">
-            <a:extLst>
-              <a:ext uri="{FF2B5EF4-FFF2-40B4-BE49-F238E27FC236}">
-                <a16:creationId xmlns:a16="http://schemas.microsoft.com/office/drawing/2014/main" id="{E3E31BEC-BBE4-46F1-3930-00F086049BF2}"/>
-              </a:ext>
-            </a:extLst>
-          </p:cNvPr>
+            <a:endParaRPr lang="en-US" dirty="0"/>
+          </a:p>
+        </p:txBody>
+      </p:sp>
+      <p:sp>
+        <p:nvSpPr>
+          <p:cNvPr id="4" name="Content Placeholder 3"/>
           <p:cNvSpPr>
             <a:spLocks noGrp="1"/>
           </p:cNvSpPr>
@@ -1342,8 +3395,8 @@
         </p:nvSpPr>
         <p:spPr>
           <a:xfrm>
-            <a:off x="6172200" y="1825625"/>
-            <a:ext cx="5181600" cy="4351338"/>
+            <a:off x="5089970" y="2160589"/>
+            <a:ext cx="4184034" cy="3880773"/>
           </a:xfrm>
         </p:spPr>
         <p:txBody>
@@ -1383,19 +3436,13 @@
               <a:rPr lang="en-US"/>
               <a:t>Fifth level</a:t>
             </a:r>
-            <a:endParaRPr lang="en-ID"/>
-          </a:p>
-        </p:txBody>
-      </p:sp>
-      <p:sp>
-        <p:nvSpPr>
-          <p:cNvPr id="5" name="Date Placeholder 4">
-            <a:extLst>
-              <a:ext uri="{FF2B5EF4-FFF2-40B4-BE49-F238E27FC236}">
-                <a16:creationId xmlns:a16="http://schemas.microsoft.com/office/drawing/2014/main" id="{8AC4EDD8-3640-8F40-55B8-AB6364BC6EB0}"/>
-              </a:ext>
-            </a:extLst>
-          </p:cNvPr>
+            <a:endParaRPr lang="en-US" dirty="0"/>
+          </a:p>
+        </p:txBody>
+      </p:sp>
+      <p:sp>
+        <p:nvSpPr>
+          <p:cNvPr id="5" name="Date Placeholder 4"/>
           <p:cNvSpPr>
             <a:spLocks noGrp="1"/>
           </p:cNvSpPr>
@@ -1418,13 +3465,7 @@
       </p:sp>
       <p:sp>
         <p:nvSpPr>
-          <p:cNvPr id="6" name="Footer Placeholder 5">
-            <a:extLst>
-              <a:ext uri="{FF2B5EF4-FFF2-40B4-BE49-F238E27FC236}">
-                <a16:creationId xmlns:a16="http://schemas.microsoft.com/office/drawing/2014/main" id="{A46B40FB-2D9C-603F-66B9-7825F4F15247}"/>
-              </a:ext>
-            </a:extLst>
-          </p:cNvPr>
+          <p:cNvPr id="6" name="Footer Placeholder 5"/>
           <p:cNvSpPr>
             <a:spLocks noGrp="1"/>
           </p:cNvSpPr>
@@ -1443,13 +3484,7 @@
       </p:sp>
       <p:sp>
         <p:nvSpPr>
-          <p:cNvPr id="7" name="Slide Number Placeholder 6">
-            <a:extLst>
-              <a:ext uri="{FF2B5EF4-FFF2-40B4-BE49-F238E27FC236}">
-                <a16:creationId xmlns:a16="http://schemas.microsoft.com/office/drawing/2014/main" id="{F460B69B-5E71-24EB-5102-C6B08BB8CF2C}"/>
-              </a:ext>
-            </a:extLst>
-          </p:cNvPr>
+          <p:cNvPr id="7" name="Slide Number Placeholder 6"/>
           <p:cNvSpPr>
             <a:spLocks noGrp="1"/>
           </p:cNvSpPr>
@@ -1473,7 +3508,7 @@
     </p:spTree>
     <p:extLst>
       <p:ext uri="{BB962C8B-B14F-4D97-AF65-F5344CB8AC3E}">
-        <p14:creationId xmlns:p14="http://schemas.microsoft.com/office/powerpoint/2010/main" val="3342556015"/>
+        <p14:creationId xmlns:p14="http://schemas.microsoft.com/office/powerpoint/2010/main" val="1278322164"/>
       </p:ext>
     </p:extLst>
   </p:cSld>
@@ -1502,66 +3537,55 @@
       </p:grpSpPr>
       <p:sp>
         <p:nvSpPr>
-          <p:cNvPr id="2" name="Title 1">
-            <a:extLst>
-              <a:ext uri="{FF2B5EF4-FFF2-40B4-BE49-F238E27FC236}">
-                <a16:creationId xmlns:a16="http://schemas.microsoft.com/office/drawing/2014/main" id="{14502BD0-5D46-92A5-0EF4-0AD488C2FB1B}"/>
-              </a:ext>
-            </a:extLst>
-          </p:cNvPr>
+          <p:cNvPr id="2" name="Title 1"/>
           <p:cNvSpPr>
             <a:spLocks noGrp="1"/>
           </p:cNvSpPr>
           <p:nvPr>
             <p:ph type="title"/>
+          </p:nvPr>
+        </p:nvSpPr>
+        <p:spPr/>
+        <p:txBody>
+          <a:bodyPr/>
+          <a:lstStyle>
+            <a:lvl1pPr>
+              <a:defRPr/>
+            </a:lvl1pPr>
+          </a:lstStyle>
+          <a:p>
+            <a:r>
+              <a:rPr lang="en-US"/>
+              <a:t>Click to edit Master title style</a:t>
+            </a:r>
+            <a:endParaRPr lang="en-US" dirty="0"/>
+          </a:p>
+        </p:txBody>
+      </p:sp>
+      <p:sp>
+        <p:nvSpPr>
+          <p:cNvPr id="3" name="Text Placeholder 2"/>
+          <p:cNvSpPr>
+            <a:spLocks noGrp="1"/>
+          </p:cNvSpPr>
+          <p:nvPr>
+            <p:ph type="body" idx="1"/>
           </p:nvPr>
         </p:nvSpPr>
         <p:spPr>
           <a:xfrm>
-            <a:off x="839788" y="365125"/>
-            <a:ext cx="10515600" cy="1325563"/>
+            <a:off x="675745" y="2160983"/>
+            <a:ext cx="4185623" cy="576262"/>
           </a:xfrm>
         </p:spPr>
         <p:txBody>
-          <a:bodyPr/>
-          <a:lstStyle/>
-          <a:p>
-            <a:r>
-              <a:rPr lang="en-US"/>
-              <a:t>Click to edit Master title style</a:t>
-            </a:r>
-            <a:endParaRPr lang="en-ID"/>
-          </a:p>
-        </p:txBody>
-      </p:sp>
-      <p:sp>
-        <p:nvSpPr>
-          <p:cNvPr id="3" name="Text Placeholder 2">
-            <a:extLst>
-              <a:ext uri="{FF2B5EF4-FFF2-40B4-BE49-F238E27FC236}">
-                <a16:creationId xmlns:a16="http://schemas.microsoft.com/office/drawing/2014/main" id="{EBA09BC6-F432-2C77-4B0A-C0CE4BB64D25}"/>
-              </a:ext>
-            </a:extLst>
-          </p:cNvPr>
-          <p:cNvSpPr>
-            <a:spLocks noGrp="1"/>
-          </p:cNvSpPr>
-          <p:nvPr>
-            <p:ph type="body" idx="1"/>
-          </p:nvPr>
-        </p:nvSpPr>
-        <p:spPr>
-          <a:xfrm>
-            <a:off x="839788" y="1681163"/>
-            <a:ext cx="5157787" cy="823912"/>
-          </a:xfrm>
-        </p:spPr>
-        <p:txBody>
-          <a:bodyPr anchor="b"/>
+          <a:bodyPr anchor="b">
+            <a:noAutofit/>
+          </a:bodyPr>
           <a:lstStyle>
             <a:lvl1pPr marL="0" indent="0">
               <a:buNone/>
-              <a:defRPr sz="2400" b="1"/>
+              <a:defRPr sz="2400" b="0"/>
             </a:lvl1pPr>
             <a:lvl2pPr marL="457200" indent="0">
               <a:buNone/>
@@ -1607,13 +3631,7 @@
       </p:sp>
       <p:sp>
         <p:nvSpPr>
-          <p:cNvPr id="4" name="Content Placeholder 3">
-            <a:extLst>
-              <a:ext uri="{FF2B5EF4-FFF2-40B4-BE49-F238E27FC236}">
-                <a16:creationId xmlns:a16="http://schemas.microsoft.com/office/drawing/2014/main" id="{C96ED443-8506-668F-F8CC-29C1D64AF984}"/>
-              </a:ext>
-            </a:extLst>
-          </p:cNvPr>
+          <p:cNvPr id="4" name="Content Placeholder 3"/>
           <p:cNvSpPr>
             <a:spLocks noGrp="1"/>
           </p:cNvSpPr>
@@ -1623,12 +3641,14 @@
         </p:nvSpPr>
         <p:spPr>
           <a:xfrm>
-            <a:off x="839788" y="2505075"/>
-            <a:ext cx="5157787" cy="3684588"/>
+            <a:off x="675745" y="2737245"/>
+            <a:ext cx="4185623" cy="3304117"/>
           </a:xfrm>
         </p:spPr>
         <p:txBody>
-          <a:bodyPr/>
+          <a:bodyPr>
+            <a:normAutofit/>
+          </a:bodyPr>
           <a:lstStyle/>
           <a:p>
             <a:pPr lvl="0"/>
@@ -1664,19 +3684,13 @@
               <a:rPr lang="en-US"/>
               <a:t>Fifth level</a:t>
             </a:r>
-            <a:endParaRPr lang="en-ID"/>
-          </a:p>
-        </p:txBody>
-      </p:sp>
-      <p:sp>
-        <p:nvSpPr>
-          <p:cNvPr id="5" name="Text Placeholder 4">
-            <a:extLst>
-              <a:ext uri="{FF2B5EF4-FFF2-40B4-BE49-F238E27FC236}">
-                <a16:creationId xmlns:a16="http://schemas.microsoft.com/office/drawing/2014/main" id="{4E862DCF-C3B1-874B-3C3A-97108BA54685}"/>
-              </a:ext>
-            </a:extLst>
-          </p:cNvPr>
+            <a:endParaRPr lang="en-US" dirty="0"/>
+          </a:p>
+        </p:txBody>
+      </p:sp>
+      <p:sp>
+        <p:nvSpPr>
+          <p:cNvPr id="5" name="Text Placeholder 4"/>
           <p:cNvSpPr>
             <a:spLocks noGrp="1"/>
           </p:cNvSpPr>
@@ -1686,16 +3700,18 @@
         </p:nvSpPr>
         <p:spPr>
           <a:xfrm>
-            <a:off x="6172200" y="1681163"/>
-            <a:ext cx="5183188" cy="823912"/>
+            <a:off x="5088383" y="2160983"/>
+            <a:ext cx="4185618" cy="576262"/>
           </a:xfrm>
         </p:spPr>
         <p:txBody>
-          <a:bodyPr anchor="b"/>
+          <a:bodyPr anchor="b">
+            <a:noAutofit/>
+          </a:bodyPr>
           <a:lstStyle>
             <a:lvl1pPr marL="0" indent="0">
               <a:buNone/>
-              <a:defRPr sz="2400" b="1"/>
+              <a:defRPr sz="2400" b="0"/>
             </a:lvl1pPr>
             <a:lvl2pPr marL="457200" indent="0">
               <a:buNone/>
@@ -1741,13 +3757,7 @@
       </p:sp>
       <p:sp>
         <p:nvSpPr>
-          <p:cNvPr id="6" name="Content Placeholder 5">
-            <a:extLst>
-              <a:ext uri="{FF2B5EF4-FFF2-40B4-BE49-F238E27FC236}">
-                <a16:creationId xmlns:a16="http://schemas.microsoft.com/office/drawing/2014/main" id="{5887A92A-61E4-94A9-2784-32E74D8E79E2}"/>
-              </a:ext>
-            </a:extLst>
-          </p:cNvPr>
+          <p:cNvPr id="6" name="Content Placeholder 5"/>
           <p:cNvSpPr>
             <a:spLocks noGrp="1"/>
           </p:cNvSpPr>
@@ -1757,12 +3767,14 @@
         </p:nvSpPr>
         <p:spPr>
           <a:xfrm>
-            <a:off x="6172200" y="2505075"/>
-            <a:ext cx="5183188" cy="3684588"/>
+            <a:off x="5088384" y="2737245"/>
+            <a:ext cx="4185617" cy="3304117"/>
           </a:xfrm>
         </p:spPr>
         <p:txBody>
-          <a:bodyPr/>
+          <a:bodyPr>
+            <a:normAutofit/>
+          </a:bodyPr>
           <a:lstStyle/>
           <a:p>
             <a:pPr lvl="0"/>
@@ -1798,19 +3810,13 @@
               <a:rPr lang="en-US"/>
               <a:t>Fifth level</a:t>
             </a:r>
-            <a:endParaRPr lang="en-ID"/>
-          </a:p>
-        </p:txBody>
-      </p:sp>
-      <p:sp>
-        <p:nvSpPr>
-          <p:cNvPr id="7" name="Date Placeholder 6">
-            <a:extLst>
-              <a:ext uri="{FF2B5EF4-FFF2-40B4-BE49-F238E27FC236}">
-                <a16:creationId xmlns:a16="http://schemas.microsoft.com/office/drawing/2014/main" id="{E97F2098-DE32-0615-2391-6E284E022BFA}"/>
-              </a:ext>
-            </a:extLst>
-          </p:cNvPr>
+            <a:endParaRPr lang="en-US" dirty="0"/>
+          </a:p>
+        </p:txBody>
+      </p:sp>
+      <p:sp>
+        <p:nvSpPr>
+          <p:cNvPr id="7" name="Date Placeholder 6"/>
           <p:cNvSpPr>
             <a:spLocks noGrp="1"/>
           </p:cNvSpPr>
@@ -1833,13 +3839,7 @@
       </p:sp>
       <p:sp>
         <p:nvSpPr>
-          <p:cNvPr id="8" name="Footer Placeholder 7">
-            <a:extLst>
-              <a:ext uri="{FF2B5EF4-FFF2-40B4-BE49-F238E27FC236}">
-                <a16:creationId xmlns:a16="http://schemas.microsoft.com/office/drawing/2014/main" id="{D85DD9B8-FFCC-77B9-BDAB-598E414748F9}"/>
-              </a:ext>
-            </a:extLst>
-          </p:cNvPr>
+          <p:cNvPr id="8" name="Footer Placeholder 7"/>
           <p:cNvSpPr>
             <a:spLocks noGrp="1"/>
           </p:cNvSpPr>
@@ -1858,13 +3858,7 @@
       </p:sp>
       <p:sp>
         <p:nvSpPr>
-          <p:cNvPr id="9" name="Slide Number Placeholder 8">
-            <a:extLst>
-              <a:ext uri="{FF2B5EF4-FFF2-40B4-BE49-F238E27FC236}">
-                <a16:creationId xmlns:a16="http://schemas.microsoft.com/office/drawing/2014/main" id="{36D0B06D-5375-CBBB-6CDD-AFF550E855EE}"/>
-              </a:ext>
-            </a:extLst>
-          </p:cNvPr>
+          <p:cNvPr id="9" name="Slide Number Placeholder 8"/>
           <p:cNvSpPr>
             <a:spLocks noGrp="1"/>
           </p:cNvSpPr>
@@ -1888,7 +3882,7 @@
     </p:spTree>
     <p:extLst>
       <p:ext uri="{BB962C8B-B14F-4D97-AF65-F5344CB8AC3E}">
-        <p14:creationId xmlns:p14="http://schemas.microsoft.com/office/powerpoint/2010/main" val="3827135040"/>
+        <p14:creationId xmlns:p14="http://schemas.microsoft.com/office/powerpoint/2010/main" val="2535122011"/>
       </p:ext>
     </p:extLst>
   </p:cSld>
@@ -1917,13 +3911,7 @@
       </p:grpSpPr>
       <p:sp>
         <p:nvSpPr>
-          <p:cNvPr id="2" name="Title 1">
-            <a:extLst>
-              <a:ext uri="{FF2B5EF4-FFF2-40B4-BE49-F238E27FC236}">
-                <a16:creationId xmlns:a16="http://schemas.microsoft.com/office/drawing/2014/main" id="{2BEEEA55-E55C-04F6-42D2-6A56BA9D7AF7}"/>
-              </a:ext>
-            </a:extLst>
-          </p:cNvPr>
+          <p:cNvPr id="2" name="Title 1"/>
           <p:cNvSpPr>
             <a:spLocks noGrp="1"/>
           </p:cNvSpPr>
@@ -1931,7 +3919,12 @@
             <p:ph type="title"/>
           </p:nvPr>
         </p:nvSpPr>
-        <p:spPr/>
+        <p:spPr>
+          <a:xfrm>
+            <a:off x="677334" y="609600"/>
+            <a:ext cx="8596668" cy="1320800"/>
+          </a:xfrm>
+        </p:spPr>
         <p:txBody>
           <a:bodyPr/>
           <a:lstStyle/>
@@ -1940,19 +3933,13 @@
               <a:rPr lang="en-US"/>
               <a:t>Click to edit Master title style</a:t>
             </a:r>
-            <a:endParaRPr lang="en-ID"/>
-          </a:p>
-        </p:txBody>
-      </p:sp>
-      <p:sp>
-        <p:nvSpPr>
-          <p:cNvPr id="3" name="Date Placeholder 2">
-            <a:extLst>
-              <a:ext uri="{FF2B5EF4-FFF2-40B4-BE49-F238E27FC236}">
-                <a16:creationId xmlns:a16="http://schemas.microsoft.com/office/drawing/2014/main" id="{B727740F-B00B-394F-23C5-0B3BB9C1BA01}"/>
-              </a:ext>
-            </a:extLst>
-          </p:cNvPr>
+            <a:endParaRPr lang="en-US" dirty="0"/>
+          </a:p>
+        </p:txBody>
+      </p:sp>
+      <p:sp>
+        <p:nvSpPr>
+          <p:cNvPr id="3" name="Date Placeholder 2"/>
           <p:cNvSpPr>
             <a:spLocks noGrp="1"/>
           </p:cNvSpPr>
@@ -1975,13 +3962,7 @@
       </p:sp>
       <p:sp>
         <p:nvSpPr>
-          <p:cNvPr id="4" name="Footer Placeholder 3">
-            <a:extLst>
-              <a:ext uri="{FF2B5EF4-FFF2-40B4-BE49-F238E27FC236}">
-                <a16:creationId xmlns:a16="http://schemas.microsoft.com/office/drawing/2014/main" id="{7D013AD9-9A78-CDB0-0451-F72D8DA777A3}"/>
-              </a:ext>
-            </a:extLst>
-          </p:cNvPr>
+          <p:cNvPr id="4" name="Footer Placeholder 3"/>
           <p:cNvSpPr>
             <a:spLocks noGrp="1"/>
           </p:cNvSpPr>
@@ -2000,13 +3981,7 @@
       </p:sp>
       <p:sp>
         <p:nvSpPr>
-          <p:cNvPr id="5" name="Slide Number Placeholder 4">
-            <a:extLst>
-              <a:ext uri="{FF2B5EF4-FFF2-40B4-BE49-F238E27FC236}">
-                <a16:creationId xmlns:a16="http://schemas.microsoft.com/office/drawing/2014/main" id="{520AC30B-0DF4-DED5-F6FA-433B0016A350}"/>
-              </a:ext>
-            </a:extLst>
-          </p:cNvPr>
+          <p:cNvPr id="5" name="Slide Number Placeholder 4"/>
           <p:cNvSpPr>
             <a:spLocks noGrp="1"/>
           </p:cNvSpPr>
@@ -2030,7 +4005,7 @@
     </p:spTree>
     <p:extLst>
       <p:ext uri="{BB962C8B-B14F-4D97-AF65-F5344CB8AC3E}">
-        <p14:creationId xmlns:p14="http://schemas.microsoft.com/office/powerpoint/2010/main" val="2254511333"/>
+        <p14:creationId xmlns:p14="http://schemas.microsoft.com/office/powerpoint/2010/main" val="1805826999"/>
       </p:ext>
     </p:extLst>
   </p:cSld>
@@ -2059,13 +4034,7 @@
       </p:grpSpPr>
       <p:sp>
         <p:nvSpPr>
-          <p:cNvPr id="2" name="Date Placeholder 1">
-            <a:extLst>
-              <a:ext uri="{FF2B5EF4-FFF2-40B4-BE49-F238E27FC236}">
-                <a16:creationId xmlns:a16="http://schemas.microsoft.com/office/drawing/2014/main" id="{502C64B3-31E6-1C5B-92A9-4D34C03B0900}"/>
-              </a:ext>
-            </a:extLst>
-          </p:cNvPr>
+          <p:cNvPr id="2" name="Date Placeholder 1"/>
           <p:cNvSpPr>
             <a:spLocks noGrp="1"/>
           </p:cNvSpPr>
@@ -2088,13 +4057,7 @@
       </p:sp>
       <p:sp>
         <p:nvSpPr>
-          <p:cNvPr id="3" name="Footer Placeholder 2">
-            <a:extLst>
-              <a:ext uri="{FF2B5EF4-FFF2-40B4-BE49-F238E27FC236}">
-                <a16:creationId xmlns:a16="http://schemas.microsoft.com/office/drawing/2014/main" id="{145C2279-79B9-FF83-C492-982C71EB86C9}"/>
-              </a:ext>
-            </a:extLst>
-          </p:cNvPr>
+          <p:cNvPr id="3" name="Footer Placeholder 2"/>
           <p:cNvSpPr>
             <a:spLocks noGrp="1"/>
           </p:cNvSpPr>
@@ -2113,13 +4076,7 @@
       </p:sp>
       <p:sp>
         <p:nvSpPr>
-          <p:cNvPr id="4" name="Slide Number Placeholder 3">
-            <a:extLst>
-              <a:ext uri="{FF2B5EF4-FFF2-40B4-BE49-F238E27FC236}">
-                <a16:creationId xmlns:a16="http://schemas.microsoft.com/office/drawing/2014/main" id="{B3F43284-7B3F-CECD-3889-64F66FCCE8B3}"/>
-              </a:ext>
-            </a:extLst>
-          </p:cNvPr>
+          <p:cNvPr id="4" name="Slide Number Placeholder 3"/>
           <p:cNvSpPr>
             <a:spLocks noGrp="1"/>
           </p:cNvSpPr>
@@ -2143,7 +4100,7 @@
     </p:spTree>
     <p:extLst>
       <p:ext uri="{BB962C8B-B14F-4D97-AF65-F5344CB8AC3E}">
-        <p14:creationId xmlns:p14="http://schemas.microsoft.com/office/powerpoint/2010/main" val="22549522"/>
+        <p14:creationId xmlns:p14="http://schemas.microsoft.com/office/powerpoint/2010/main" val="3351110873"/>
       </p:ext>
     </p:extLst>
   </p:cSld>
@@ -2172,13 +4129,7 @@
       </p:grpSpPr>
       <p:sp>
         <p:nvSpPr>
-          <p:cNvPr id="2" name="Title 1">
-            <a:extLst>
-              <a:ext uri="{FF2B5EF4-FFF2-40B4-BE49-F238E27FC236}">
-                <a16:creationId xmlns:a16="http://schemas.microsoft.com/office/drawing/2014/main" id="{C8121EC8-E318-BADA-D435-9C0AB97A8AF9}"/>
-              </a:ext>
-            </a:extLst>
-          </p:cNvPr>
+          <p:cNvPr id="2" name="Title 1"/>
           <p:cNvSpPr>
             <a:spLocks noGrp="1"/>
           </p:cNvSpPr>
@@ -2188,15 +4139,17 @@
         </p:nvSpPr>
         <p:spPr>
           <a:xfrm>
-            <a:off x="839788" y="457200"/>
-            <a:ext cx="3932237" cy="1600200"/>
+            <a:off x="677334" y="1498604"/>
+            <a:ext cx="3854528" cy="1278466"/>
           </a:xfrm>
         </p:spPr>
         <p:txBody>
-          <a:bodyPr anchor="b"/>
+          <a:bodyPr anchor="b">
+            <a:normAutofit/>
+          </a:bodyPr>
           <a:lstStyle>
             <a:lvl1pPr>
-              <a:defRPr sz="3200"/>
+              <a:defRPr sz="2000"/>
             </a:lvl1pPr>
           </a:lstStyle>
           <a:p>
@@ -2204,19 +4157,13 @@
               <a:rPr lang="en-US"/>
               <a:t>Click to edit Master title style</a:t>
             </a:r>
-            <a:endParaRPr lang="en-ID"/>
-          </a:p>
-        </p:txBody>
-      </p:sp>
-      <p:sp>
-        <p:nvSpPr>
-          <p:cNvPr id="3" name="Content Placeholder 2">
-            <a:extLst>
-              <a:ext uri="{FF2B5EF4-FFF2-40B4-BE49-F238E27FC236}">
-                <a16:creationId xmlns:a16="http://schemas.microsoft.com/office/drawing/2014/main" id="{E180A661-2DA8-2D12-FEC3-8FAD2C8356C9}"/>
-              </a:ext>
-            </a:extLst>
-          </p:cNvPr>
+            <a:endParaRPr lang="en-US" dirty="0"/>
+          </a:p>
+        </p:txBody>
+      </p:sp>
+      <p:sp>
+        <p:nvSpPr>
+          <p:cNvPr id="3" name="Content Placeholder 2"/>
           <p:cNvSpPr>
             <a:spLocks noGrp="1"/>
           </p:cNvSpPr>
@@ -2226,41 +4173,15 @@
         </p:nvSpPr>
         <p:spPr>
           <a:xfrm>
-            <a:off x="5183188" y="987425"/>
-            <a:ext cx="6172200" cy="4873625"/>
+            <a:off x="4760461" y="514924"/>
+            <a:ext cx="4513541" cy="5526437"/>
           </a:xfrm>
         </p:spPr>
         <p:txBody>
-          <a:bodyPr/>
-          <a:lstStyle>
-            <a:lvl1pPr>
-              <a:defRPr sz="3200"/>
-            </a:lvl1pPr>
-            <a:lvl2pPr>
-              <a:defRPr sz="2800"/>
-            </a:lvl2pPr>
-            <a:lvl3pPr>
-              <a:defRPr sz="2400"/>
-            </a:lvl3pPr>
-            <a:lvl4pPr>
-              <a:defRPr sz="2000"/>
-            </a:lvl4pPr>
-            <a:lvl5pPr>
-              <a:defRPr sz="2000"/>
-            </a:lvl5pPr>
-            <a:lvl6pPr>
-              <a:defRPr sz="2000"/>
-            </a:lvl6pPr>
-            <a:lvl7pPr>
-              <a:defRPr sz="2000"/>
-            </a:lvl7pPr>
-            <a:lvl8pPr>
-              <a:defRPr sz="2000"/>
-            </a:lvl8pPr>
-            <a:lvl9pPr>
-              <a:defRPr sz="2000"/>
-            </a:lvl9pPr>
-          </a:lstStyle>
+          <a:bodyPr>
+            <a:normAutofit/>
+          </a:bodyPr>
+          <a:lstStyle/>
           <a:p>
             <a:pPr lvl="0"/>
             <a:r>
@@ -2295,19 +4216,13 @@
               <a:rPr lang="en-US"/>
               <a:t>Fifth level</a:t>
             </a:r>
-            <a:endParaRPr lang="en-ID"/>
-          </a:p>
-        </p:txBody>
-      </p:sp>
-      <p:sp>
-        <p:nvSpPr>
-          <p:cNvPr id="4" name="Text Placeholder 3">
-            <a:extLst>
-              <a:ext uri="{FF2B5EF4-FFF2-40B4-BE49-F238E27FC236}">
-                <a16:creationId xmlns:a16="http://schemas.microsoft.com/office/drawing/2014/main" id="{51182D68-1D6B-0C8E-6563-878E5F0395A1}"/>
-              </a:ext>
-            </a:extLst>
-          </p:cNvPr>
+            <a:endParaRPr lang="en-US" dirty="0"/>
+          </a:p>
+        </p:txBody>
+      </p:sp>
+      <p:sp>
+        <p:nvSpPr>
+          <p:cNvPr id="4" name="Text Placeholder 3"/>
           <p:cNvSpPr>
             <a:spLocks noGrp="1"/>
           </p:cNvSpPr>
@@ -2317,46 +4232,48 @@
         </p:nvSpPr>
         <p:spPr>
           <a:xfrm>
-            <a:off x="839788" y="2057400"/>
-            <a:ext cx="3932237" cy="3811588"/>
+            <a:off x="677334" y="2777069"/>
+            <a:ext cx="3854528" cy="2584449"/>
           </a:xfrm>
         </p:spPr>
         <p:txBody>
-          <a:bodyPr/>
+          <a:bodyPr>
+            <a:normAutofit/>
+          </a:bodyPr>
           <a:lstStyle>
             <a:lvl1pPr marL="0" indent="0">
               <a:buNone/>
-              <a:defRPr sz="1600"/>
+              <a:defRPr sz="1400"/>
             </a:lvl1pPr>
-            <a:lvl2pPr marL="457200" indent="0">
+            <a:lvl2pPr marL="457063" indent="0">
               <a:buNone/>
               <a:defRPr sz="1400"/>
             </a:lvl2pPr>
-            <a:lvl3pPr marL="914400" indent="0">
+            <a:lvl3pPr marL="914126" indent="0">
               <a:buNone/>
               <a:defRPr sz="1200"/>
             </a:lvl3pPr>
-            <a:lvl4pPr marL="1371600" indent="0">
+            <a:lvl4pPr marL="1371189" indent="0">
               <a:buNone/>
               <a:defRPr sz="1000"/>
             </a:lvl4pPr>
-            <a:lvl5pPr marL="1828800" indent="0">
+            <a:lvl5pPr marL="1828251" indent="0">
               <a:buNone/>
               <a:defRPr sz="1000"/>
             </a:lvl5pPr>
-            <a:lvl6pPr marL="2286000" indent="0">
+            <a:lvl6pPr marL="2285314" indent="0">
               <a:buNone/>
               <a:defRPr sz="1000"/>
             </a:lvl6pPr>
-            <a:lvl7pPr marL="2743200" indent="0">
+            <a:lvl7pPr marL="2742377" indent="0">
               <a:buNone/>
               <a:defRPr sz="1000"/>
             </a:lvl7pPr>
-            <a:lvl8pPr marL="3200400" indent="0">
+            <a:lvl8pPr marL="3199440" indent="0">
               <a:buNone/>
               <a:defRPr sz="1000"/>
             </a:lvl8pPr>
-            <a:lvl9pPr marL="3657600" indent="0">
+            <a:lvl9pPr marL="3656503" indent="0">
               <a:buNone/>
               <a:defRPr sz="1000"/>
             </a:lvl9pPr>
@@ -2372,13 +4289,7 @@
       </p:sp>
       <p:sp>
         <p:nvSpPr>
-          <p:cNvPr id="5" name="Date Placeholder 4">
-            <a:extLst>
-              <a:ext uri="{FF2B5EF4-FFF2-40B4-BE49-F238E27FC236}">
-                <a16:creationId xmlns:a16="http://schemas.microsoft.com/office/drawing/2014/main" id="{6D1FA709-8C28-DDFD-44B5-60094D885225}"/>
-              </a:ext>
-            </a:extLst>
-          </p:cNvPr>
+          <p:cNvPr id="5" name="Date Placeholder 4"/>
           <p:cNvSpPr>
             <a:spLocks noGrp="1"/>
           </p:cNvSpPr>
@@ -2401,13 +4312,7 @@
       </p:sp>
       <p:sp>
         <p:nvSpPr>
-          <p:cNvPr id="6" name="Footer Placeholder 5">
-            <a:extLst>
-              <a:ext uri="{FF2B5EF4-FFF2-40B4-BE49-F238E27FC236}">
-                <a16:creationId xmlns:a16="http://schemas.microsoft.com/office/drawing/2014/main" id="{4FCD0702-5A24-359B-BFB2-1B73DA5222AF}"/>
-              </a:ext>
-            </a:extLst>
-          </p:cNvPr>
+          <p:cNvPr id="6" name="Footer Placeholder 5"/>
           <p:cNvSpPr>
             <a:spLocks noGrp="1"/>
           </p:cNvSpPr>
@@ -2426,13 +4331,7 @@
       </p:sp>
       <p:sp>
         <p:nvSpPr>
-          <p:cNvPr id="7" name="Slide Number Placeholder 6">
-            <a:extLst>
-              <a:ext uri="{FF2B5EF4-FFF2-40B4-BE49-F238E27FC236}">
-                <a16:creationId xmlns:a16="http://schemas.microsoft.com/office/drawing/2014/main" id="{9EDFE4AA-F9C2-F443-2045-41CA60DA07EF}"/>
-              </a:ext>
-            </a:extLst>
-          </p:cNvPr>
+          <p:cNvPr id="7" name="Slide Number Placeholder 6"/>
           <p:cNvSpPr>
             <a:spLocks noGrp="1"/>
           </p:cNvSpPr>
@@ -2456,7 +4355,7 @@
     </p:spTree>
     <p:extLst>
       <p:ext uri="{BB962C8B-B14F-4D97-AF65-F5344CB8AC3E}">
-        <p14:creationId xmlns:p14="http://schemas.microsoft.com/office/powerpoint/2010/main" val="1943786262"/>
+        <p14:creationId xmlns:p14="http://schemas.microsoft.com/office/powerpoint/2010/main" val="4141658359"/>
       </p:ext>
     </p:extLst>
   </p:cSld>
@@ -2485,13 +4384,7 @@
       </p:grpSpPr>
       <p:sp>
         <p:nvSpPr>
-          <p:cNvPr id="2" name="Title 1">
-            <a:extLst>
-              <a:ext uri="{FF2B5EF4-FFF2-40B4-BE49-F238E27FC236}">
-                <a16:creationId xmlns:a16="http://schemas.microsoft.com/office/drawing/2014/main" id="{B2C3A6CC-162C-D9FF-EE9E-92EBE11E6148}"/>
-              </a:ext>
-            </a:extLst>
-          </p:cNvPr>
+          <p:cNvPr id="2" name="Title 1"/>
           <p:cNvSpPr>
             <a:spLocks noGrp="1"/>
           </p:cNvSpPr>
@@ -2501,15 +4394,17 @@
         </p:nvSpPr>
         <p:spPr>
           <a:xfrm>
-            <a:off x="839788" y="457200"/>
-            <a:ext cx="3932237" cy="1600200"/>
+            <a:off x="677334" y="4800600"/>
+            <a:ext cx="8596667" cy="566738"/>
           </a:xfrm>
         </p:spPr>
         <p:txBody>
-          <a:bodyPr anchor="b"/>
+          <a:bodyPr anchor="b">
+            <a:normAutofit/>
+          </a:bodyPr>
           <a:lstStyle>
-            <a:lvl1pPr>
-              <a:defRPr sz="3200"/>
+            <a:lvl1pPr algn="l">
+              <a:defRPr sz="2400" b="0"/>
             </a:lvl1pPr>
           </a:lstStyle>
           <a:p>
@@ -2517,21 +4412,15 @@
               <a:rPr lang="en-US"/>
               <a:t>Click to edit Master title style</a:t>
             </a:r>
-            <a:endParaRPr lang="en-ID"/>
-          </a:p>
-        </p:txBody>
-      </p:sp>
-      <p:sp>
-        <p:nvSpPr>
-          <p:cNvPr id="3" name="Picture Placeholder 2">
-            <a:extLst>
-              <a:ext uri="{FF2B5EF4-FFF2-40B4-BE49-F238E27FC236}">
-                <a16:creationId xmlns:a16="http://schemas.microsoft.com/office/drawing/2014/main" id="{0548DC9C-449A-CF58-BB3D-D6B0D2E972AC}"/>
-              </a:ext>
-            </a:extLst>
-          </p:cNvPr>
-          <p:cNvSpPr>
-            <a:spLocks noGrp="1"/>
+            <a:endParaRPr lang="en-US" dirty="0"/>
+          </a:p>
+        </p:txBody>
+      </p:sp>
+      <p:sp>
+        <p:nvSpPr>
+          <p:cNvPr id="3" name="Picture Placeholder 2"/>
+          <p:cNvSpPr>
+            <a:spLocks noGrp="1" noChangeAspect="1"/>
           </p:cNvSpPr>
           <p:nvPr>
             <p:ph type="pic" idx="1"/>
@@ -2539,118 +4428,120 @@
         </p:nvSpPr>
         <p:spPr>
           <a:xfrm>
-            <a:off x="5183188" y="987425"/>
-            <a:ext cx="6172200" cy="4873625"/>
+            <a:off x="677334" y="609600"/>
+            <a:ext cx="8596668" cy="3845718"/>
           </a:xfrm>
         </p:spPr>
         <p:txBody>
-          <a:bodyPr/>
+          <a:bodyPr anchor="t">
+            <a:normAutofit/>
+          </a:bodyPr>
           <a:lstStyle>
-            <a:lvl1pPr marL="0" indent="0">
-              <a:buNone/>
-              <a:defRPr sz="3200"/>
-            </a:lvl1pPr>
-            <a:lvl2pPr marL="457200" indent="0">
-              <a:buNone/>
-              <a:defRPr sz="2800"/>
-            </a:lvl2pPr>
-            <a:lvl3pPr marL="914400" indent="0">
-              <a:buNone/>
-              <a:defRPr sz="2400"/>
-            </a:lvl3pPr>
-            <a:lvl4pPr marL="1371600" indent="0">
-              <a:buNone/>
-              <a:defRPr sz="2000"/>
-            </a:lvl4pPr>
-            <a:lvl5pPr marL="1828800" indent="0">
-              <a:buNone/>
-              <a:defRPr sz="2000"/>
-            </a:lvl5pPr>
-            <a:lvl6pPr marL="2286000" indent="0">
-              <a:buNone/>
-              <a:defRPr sz="2000"/>
-            </a:lvl6pPr>
-            <a:lvl7pPr marL="2743200" indent="0">
-              <a:buNone/>
-              <a:defRPr sz="2000"/>
-            </a:lvl7pPr>
-            <a:lvl8pPr marL="3200400" indent="0">
-              <a:buNone/>
-              <a:defRPr sz="2000"/>
-            </a:lvl8pPr>
-            <a:lvl9pPr marL="3657600" indent="0">
-              <a:buNone/>
-              <a:defRPr sz="2000"/>
-            </a:lvl9pPr>
-          </a:lstStyle>
-          <a:p>
-            <a:endParaRPr lang="en-ID"/>
-          </a:p>
-        </p:txBody>
-      </p:sp>
-      <p:sp>
-        <p:nvSpPr>
-          <p:cNvPr id="4" name="Text Placeholder 3">
-            <a:extLst>
-              <a:ext uri="{FF2B5EF4-FFF2-40B4-BE49-F238E27FC236}">
-                <a16:creationId xmlns:a16="http://schemas.microsoft.com/office/drawing/2014/main" id="{C999E548-0889-072A-A4DE-150EDBB7E569}"/>
-              </a:ext>
-            </a:extLst>
-          </p:cNvPr>
-          <p:cNvSpPr>
-            <a:spLocks noGrp="1"/>
-          </p:cNvSpPr>
-          <p:nvPr>
-            <p:ph type="body" sz="half" idx="2"/>
-          </p:nvPr>
-        </p:nvSpPr>
-        <p:spPr>
-          <a:xfrm>
-            <a:off x="839788" y="2057400"/>
-            <a:ext cx="3932237" cy="3811588"/>
-          </a:xfrm>
-        </p:spPr>
-        <p:txBody>
-          <a:bodyPr/>
-          <a:lstStyle>
-            <a:lvl1pPr marL="0" indent="0">
+            <a:lvl1pPr marL="0" indent="0" algn="ctr">
               <a:buNone/>
               <a:defRPr sz="1600"/>
             </a:lvl1pPr>
             <a:lvl2pPr marL="457200" indent="0">
               <a:buNone/>
-              <a:defRPr sz="1400"/>
+              <a:defRPr sz="1600"/>
             </a:lvl2pPr>
             <a:lvl3pPr marL="914400" indent="0">
               <a:buNone/>
-              <a:defRPr sz="1200"/>
+              <a:defRPr sz="1600"/>
             </a:lvl3pPr>
             <a:lvl4pPr marL="1371600" indent="0">
               <a:buNone/>
-              <a:defRPr sz="1000"/>
+              <a:defRPr sz="1600"/>
             </a:lvl4pPr>
             <a:lvl5pPr marL="1828800" indent="0">
               <a:buNone/>
-              <a:defRPr sz="1000"/>
+              <a:defRPr sz="1600"/>
             </a:lvl5pPr>
             <a:lvl6pPr marL="2286000" indent="0">
               <a:buNone/>
-              <a:defRPr sz="1000"/>
+              <a:defRPr sz="1600"/>
             </a:lvl6pPr>
             <a:lvl7pPr marL="2743200" indent="0">
               <a:buNone/>
-              <a:defRPr sz="1000"/>
+              <a:defRPr sz="1600"/>
             </a:lvl7pPr>
             <a:lvl8pPr marL="3200400" indent="0">
               <a:buNone/>
-              <a:defRPr sz="1000"/>
+              <a:defRPr sz="1600"/>
             </a:lvl8pPr>
             <a:lvl9pPr marL="3657600" indent="0">
               <a:buNone/>
-              <a:defRPr sz="1000"/>
+              <a:defRPr sz="1600"/>
             </a:lvl9pPr>
           </a:lstStyle>
           <a:p>
+            <a:r>
+              <a:rPr lang="en-US"/>
+              <a:t>Click icon to add picture</a:t>
+            </a:r>
+            <a:endParaRPr lang="en-US" dirty="0"/>
+          </a:p>
+        </p:txBody>
+      </p:sp>
+      <p:sp>
+        <p:nvSpPr>
+          <p:cNvPr id="4" name="Text Placeholder 3"/>
+          <p:cNvSpPr>
+            <a:spLocks noGrp="1"/>
+          </p:cNvSpPr>
+          <p:nvPr>
+            <p:ph type="body" sz="half" idx="2"/>
+          </p:nvPr>
+        </p:nvSpPr>
+        <p:spPr>
+          <a:xfrm>
+            <a:off x="677334" y="5367338"/>
+            <a:ext cx="8596667" cy="674024"/>
+          </a:xfrm>
+        </p:spPr>
+        <p:txBody>
+          <a:bodyPr>
+            <a:normAutofit/>
+          </a:bodyPr>
+          <a:lstStyle>
+            <a:lvl1pPr marL="0" indent="0">
+              <a:buNone/>
+              <a:defRPr sz="1200"/>
+            </a:lvl1pPr>
+            <a:lvl2pPr marL="457200" indent="0">
+              <a:buNone/>
+              <a:defRPr sz="1200"/>
+            </a:lvl2pPr>
+            <a:lvl3pPr marL="914400" indent="0">
+              <a:buNone/>
+              <a:defRPr sz="1000"/>
+            </a:lvl3pPr>
+            <a:lvl4pPr marL="1371600" indent="0">
+              <a:buNone/>
+              <a:defRPr sz="900"/>
+            </a:lvl4pPr>
+            <a:lvl5pPr marL="1828800" indent="0">
+              <a:buNone/>
+              <a:defRPr sz="900"/>
+            </a:lvl5pPr>
+            <a:lvl6pPr marL="2286000" indent="0">
+              <a:buNone/>
+              <a:defRPr sz="900"/>
+            </a:lvl6pPr>
+            <a:lvl7pPr marL="2743200" indent="0">
+              <a:buNone/>
+              <a:defRPr sz="900"/>
+            </a:lvl7pPr>
+            <a:lvl8pPr marL="3200400" indent="0">
+              <a:buNone/>
+              <a:defRPr sz="900"/>
+            </a:lvl8pPr>
+            <a:lvl9pPr marL="3657600" indent="0">
+              <a:buNone/>
+              <a:defRPr sz="900"/>
+            </a:lvl9pPr>
+          </a:lstStyle>
+          <a:p>
             <a:pPr lvl="0"/>
             <a:r>
               <a:rPr lang="en-US"/>
@@ -2661,13 +4552,7 @@
       </p:sp>
       <p:sp>
         <p:nvSpPr>
-          <p:cNvPr id="5" name="Date Placeholder 4">
-            <a:extLst>
-              <a:ext uri="{FF2B5EF4-FFF2-40B4-BE49-F238E27FC236}">
-                <a16:creationId xmlns:a16="http://schemas.microsoft.com/office/drawing/2014/main" id="{8D80CEA9-1093-A8B7-ECA3-CAEBE9CC1416}"/>
-              </a:ext>
-            </a:extLst>
-          </p:cNvPr>
+          <p:cNvPr id="5" name="Date Placeholder 4"/>
           <p:cNvSpPr>
             <a:spLocks noGrp="1"/>
           </p:cNvSpPr>
@@ -2690,13 +4575,7 @@
       </p:sp>
       <p:sp>
         <p:nvSpPr>
-          <p:cNvPr id="6" name="Footer Placeholder 5">
-            <a:extLst>
-              <a:ext uri="{FF2B5EF4-FFF2-40B4-BE49-F238E27FC236}">
-                <a16:creationId xmlns:a16="http://schemas.microsoft.com/office/drawing/2014/main" id="{02B595F5-D05D-7795-5A9D-88080EEDF67B}"/>
-              </a:ext>
-            </a:extLst>
-          </p:cNvPr>
+          <p:cNvPr id="6" name="Footer Placeholder 5"/>
           <p:cNvSpPr>
             <a:spLocks noGrp="1"/>
           </p:cNvSpPr>
@@ -2715,13 +4594,7 @@
       </p:sp>
       <p:sp>
         <p:nvSpPr>
-          <p:cNvPr id="7" name="Slide Number Placeholder 6">
-            <a:extLst>
-              <a:ext uri="{FF2B5EF4-FFF2-40B4-BE49-F238E27FC236}">
-                <a16:creationId xmlns:a16="http://schemas.microsoft.com/office/drawing/2014/main" id="{68A37B23-3E27-BA4B-475A-F0FFB2D0DFC8}"/>
-              </a:ext>
-            </a:extLst>
-          </p:cNvPr>
+          <p:cNvPr id="7" name="Slide Number Placeholder 6"/>
           <p:cNvSpPr>
             <a:spLocks noGrp="1"/>
           </p:cNvSpPr>
@@ -2745,7 +4618,7 @@
     </p:spTree>
     <p:extLst>
       <p:ext uri="{BB962C8B-B14F-4D97-AF65-F5344CB8AC3E}">
-        <p14:creationId xmlns:p14="http://schemas.microsoft.com/office/powerpoint/2010/main" val="3731813218"/>
+        <p14:creationId xmlns:p14="http://schemas.microsoft.com/office/powerpoint/2010/main" val="4249730480"/>
       </p:ext>
     </p:extLst>
   </p:cSld>
@@ -2777,15 +4650,539 @@
           <a:chExt cx="0" cy="0"/>
         </a:xfrm>
       </p:grpSpPr>
-      <p:sp>
-        <p:nvSpPr>
-          <p:cNvPr id="2" name="Title Placeholder 1">
-            <a:extLst>
-              <a:ext uri="{FF2B5EF4-FFF2-40B4-BE49-F238E27FC236}">
-                <a16:creationId xmlns:a16="http://schemas.microsoft.com/office/drawing/2014/main" id="{6194AEF6-A906-99A2-EB9B-8FD9CACACE8B}"/>
-              </a:ext>
-            </a:extLst>
-          </p:cNvPr>
+      <p:grpSp>
+        <p:nvGrpSpPr>
+          <p:cNvPr id="7" name="Group 6"/>
+          <p:cNvGrpSpPr/>
+          <p:nvPr/>
+        </p:nvGrpSpPr>
+        <p:grpSpPr>
+          <a:xfrm>
+            <a:off x="0" y="-8467"/>
+            <a:ext cx="12192000" cy="6866467"/>
+            <a:chOff x="0" y="-8467"/>
+            <a:chExt cx="12192000" cy="6866467"/>
+          </a:xfrm>
+        </p:grpSpPr>
+        <p:cxnSp>
+          <p:nvCxnSpPr>
+            <p:cNvPr id="20" name="Straight Connector 19"/>
+            <p:cNvCxnSpPr/>
+            <p:nvPr/>
+          </p:nvCxnSpPr>
+          <p:spPr>
+            <a:xfrm>
+              <a:off x="9371012" y="0"/>
+              <a:ext cx="1219200" cy="6858000"/>
+            </a:xfrm>
+            <a:prstGeom prst="line">
+              <a:avLst/>
+            </a:prstGeom>
+            <a:ln w="9525">
+              <a:solidFill>
+                <a:schemeClr val="bg1">
+                  <a:lumMod val="75000"/>
+                </a:schemeClr>
+              </a:solidFill>
+            </a:ln>
+          </p:spPr>
+          <p:style>
+            <a:lnRef idx="2">
+              <a:schemeClr val="accent1"/>
+            </a:lnRef>
+            <a:fillRef idx="0">
+              <a:schemeClr val="accent1"/>
+            </a:fillRef>
+            <a:effectRef idx="1">
+              <a:schemeClr val="accent1"/>
+            </a:effectRef>
+            <a:fontRef idx="minor">
+              <a:schemeClr val="tx1"/>
+            </a:fontRef>
+          </p:style>
+        </p:cxnSp>
+        <p:cxnSp>
+          <p:nvCxnSpPr>
+            <p:cNvPr id="21" name="Straight Connector 20"/>
+            <p:cNvCxnSpPr/>
+            <p:nvPr/>
+          </p:nvCxnSpPr>
+          <p:spPr>
+            <a:xfrm flipH="1">
+              <a:off x="7425267" y="3681413"/>
+              <a:ext cx="4763558" cy="3176587"/>
+            </a:xfrm>
+            <a:prstGeom prst="line">
+              <a:avLst/>
+            </a:prstGeom>
+            <a:ln w="9525">
+              <a:solidFill>
+                <a:schemeClr val="bg1">
+                  <a:lumMod val="85000"/>
+                </a:schemeClr>
+              </a:solidFill>
+            </a:ln>
+          </p:spPr>
+          <p:style>
+            <a:lnRef idx="2">
+              <a:schemeClr val="accent1"/>
+            </a:lnRef>
+            <a:fillRef idx="0">
+              <a:schemeClr val="accent1"/>
+            </a:fillRef>
+            <a:effectRef idx="1">
+              <a:schemeClr val="accent1"/>
+            </a:effectRef>
+            <a:fontRef idx="minor">
+              <a:schemeClr val="tx1"/>
+            </a:fontRef>
+          </p:style>
+        </p:cxnSp>
+        <p:sp>
+          <p:nvSpPr>
+            <p:cNvPr id="22" name="Rectangle 23"/>
+            <p:cNvSpPr/>
+            <p:nvPr/>
+          </p:nvSpPr>
+          <p:spPr>
+            <a:xfrm>
+              <a:off x="9181476" y="-8467"/>
+              <a:ext cx="3007349" cy="6866467"/>
+            </a:xfrm>
+            <a:custGeom>
+              <a:avLst/>
+              <a:gdLst/>
+              <a:ahLst/>
+              <a:cxnLst/>
+              <a:rect l="l" t="t" r="r" b="b"/>
+              <a:pathLst>
+                <a:path w="3007349" h="6866467">
+                  <a:moveTo>
+                    <a:pt x="2045532" y="0"/>
+                  </a:moveTo>
+                  <a:lnTo>
+                    <a:pt x="3007349" y="0"/>
+                  </a:lnTo>
+                  <a:lnTo>
+                    <a:pt x="3007349" y="6866467"/>
+                  </a:lnTo>
+                  <a:lnTo>
+                    <a:pt x="0" y="6866467"/>
+                  </a:lnTo>
+                  <a:lnTo>
+                    <a:pt x="2045532" y="0"/>
+                  </a:lnTo>
+                  <a:close/>
+                </a:path>
+              </a:pathLst>
+            </a:custGeom>
+            <a:solidFill>
+              <a:schemeClr val="accent1">
+                <a:alpha val="30000"/>
+              </a:schemeClr>
+            </a:solidFill>
+            <a:ln>
+              <a:noFill/>
+            </a:ln>
+            <a:effectLst/>
+          </p:spPr>
+          <p:style>
+            <a:lnRef idx="1">
+              <a:schemeClr val="accent1"/>
+            </a:lnRef>
+            <a:fillRef idx="3">
+              <a:schemeClr val="accent1"/>
+            </a:fillRef>
+            <a:effectRef idx="2">
+              <a:schemeClr val="accent1"/>
+            </a:effectRef>
+            <a:fontRef idx="minor">
+              <a:schemeClr val="lt1"/>
+            </a:fontRef>
+          </p:style>
+        </p:sp>
+        <p:sp>
+          <p:nvSpPr>
+            <p:cNvPr id="23" name="Rectangle 25"/>
+            <p:cNvSpPr/>
+            <p:nvPr/>
+          </p:nvSpPr>
+          <p:spPr>
+            <a:xfrm>
+              <a:off x="9603442" y="-8467"/>
+              <a:ext cx="2588558" cy="6866467"/>
+            </a:xfrm>
+            <a:custGeom>
+              <a:avLst/>
+              <a:gdLst/>
+              <a:ahLst/>
+              <a:cxnLst/>
+              <a:rect l="l" t="t" r="r" b="b"/>
+              <a:pathLst>
+                <a:path w="2573311" h="6866467">
+                  <a:moveTo>
+                    <a:pt x="0" y="0"/>
+                  </a:moveTo>
+                  <a:lnTo>
+                    <a:pt x="2573311" y="0"/>
+                  </a:lnTo>
+                  <a:lnTo>
+                    <a:pt x="2573311" y="6866467"/>
+                  </a:lnTo>
+                  <a:lnTo>
+                    <a:pt x="1202336" y="6866467"/>
+                  </a:lnTo>
+                  <a:lnTo>
+                    <a:pt x="0" y="0"/>
+                  </a:lnTo>
+                  <a:close/>
+                </a:path>
+              </a:pathLst>
+            </a:custGeom>
+            <a:solidFill>
+              <a:schemeClr val="accent1">
+                <a:alpha val="20000"/>
+              </a:schemeClr>
+            </a:solidFill>
+            <a:ln>
+              <a:noFill/>
+            </a:ln>
+            <a:effectLst/>
+          </p:spPr>
+          <p:style>
+            <a:lnRef idx="1">
+              <a:schemeClr val="accent1"/>
+            </a:lnRef>
+            <a:fillRef idx="3">
+              <a:schemeClr val="accent1"/>
+            </a:fillRef>
+            <a:effectRef idx="2">
+              <a:schemeClr val="accent1"/>
+            </a:effectRef>
+            <a:fontRef idx="minor">
+              <a:schemeClr val="lt1"/>
+            </a:fontRef>
+          </p:style>
+        </p:sp>
+        <p:sp>
+          <p:nvSpPr>
+            <p:cNvPr id="24" name="Isosceles Triangle 23"/>
+            <p:cNvSpPr/>
+            <p:nvPr/>
+          </p:nvSpPr>
+          <p:spPr>
+            <a:xfrm>
+              <a:off x="8932333" y="3048000"/>
+              <a:ext cx="3259667" cy="3810000"/>
+            </a:xfrm>
+            <a:prstGeom prst="triangle">
+              <a:avLst>
+                <a:gd name="adj" fmla="val 100000"/>
+              </a:avLst>
+            </a:prstGeom>
+            <a:solidFill>
+              <a:schemeClr val="accent2">
+                <a:alpha val="72000"/>
+              </a:schemeClr>
+            </a:solidFill>
+            <a:ln>
+              <a:noFill/>
+            </a:ln>
+            <a:effectLst/>
+          </p:spPr>
+          <p:style>
+            <a:lnRef idx="1">
+              <a:schemeClr val="accent1"/>
+            </a:lnRef>
+            <a:fillRef idx="3">
+              <a:schemeClr val="accent1"/>
+            </a:fillRef>
+            <a:effectRef idx="2">
+              <a:schemeClr val="accent1"/>
+            </a:effectRef>
+            <a:fontRef idx="minor">
+              <a:schemeClr val="lt1"/>
+            </a:fontRef>
+          </p:style>
+        </p:sp>
+        <p:sp>
+          <p:nvSpPr>
+            <p:cNvPr id="25" name="Rectangle 27"/>
+            <p:cNvSpPr/>
+            <p:nvPr/>
+          </p:nvSpPr>
+          <p:spPr>
+            <a:xfrm>
+              <a:off x="9334500" y="-8467"/>
+              <a:ext cx="2854326" cy="6866467"/>
+            </a:xfrm>
+            <a:custGeom>
+              <a:avLst/>
+              <a:gdLst/>
+              <a:ahLst/>
+              <a:cxnLst/>
+              <a:rect l="l" t="t" r="r" b="b"/>
+              <a:pathLst>
+                <a:path w="2858013" h="6866467">
+                  <a:moveTo>
+                    <a:pt x="0" y="0"/>
+                  </a:moveTo>
+                  <a:lnTo>
+                    <a:pt x="2858013" y="0"/>
+                  </a:lnTo>
+                  <a:lnTo>
+                    <a:pt x="2858013" y="6866467"/>
+                  </a:lnTo>
+                  <a:lnTo>
+                    <a:pt x="2473942" y="6866467"/>
+                  </a:lnTo>
+                  <a:lnTo>
+                    <a:pt x="0" y="0"/>
+                  </a:lnTo>
+                  <a:close/>
+                </a:path>
+              </a:pathLst>
+            </a:custGeom>
+            <a:solidFill>
+              <a:schemeClr val="accent2">
+                <a:lumMod val="75000"/>
+                <a:alpha val="70000"/>
+              </a:schemeClr>
+            </a:solidFill>
+            <a:ln>
+              <a:noFill/>
+            </a:ln>
+            <a:effectLst/>
+          </p:spPr>
+          <p:style>
+            <a:lnRef idx="1">
+              <a:schemeClr val="accent1"/>
+            </a:lnRef>
+            <a:fillRef idx="3">
+              <a:schemeClr val="accent1"/>
+            </a:fillRef>
+            <a:effectRef idx="2">
+              <a:schemeClr val="accent1"/>
+            </a:effectRef>
+            <a:fontRef idx="minor">
+              <a:schemeClr val="lt1"/>
+            </a:fontRef>
+          </p:style>
+        </p:sp>
+        <p:sp>
+          <p:nvSpPr>
+            <p:cNvPr id="26" name="Rectangle 28"/>
+            <p:cNvSpPr/>
+            <p:nvPr/>
+          </p:nvSpPr>
+          <p:spPr>
+            <a:xfrm>
+              <a:off x="10898730" y="-8467"/>
+              <a:ext cx="1290094" cy="6866467"/>
+            </a:xfrm>
+            <a:custGeom>
+              <a:avLst/>
+              <a:gdLst/>
+              <a:ahLst/>
+              <a:cxnLst/>
+              <a:rect l="l" t="t" r="r" b="b"/>
+              <a:pathLst>
+                <a:path w="1290094" h="6858000">
+                  <a:moveTo>
+                    <a:pt x="1019735" y="0"/>
+                  </a:moveTo>
+                  <a:lnTo>
+                    <a:pt x="1290094" y="0"/>
+                  </a:lnTo>
+                  <a:lnTo>
+                    <a:pt x="1290094" y="6858000"/>
+                  </a:lnTo>
+                  <a:lnTo>
+                    <a:pt x="0" y="6858000"/>
+                  </a:lnTo>
+                  <a:lnTo>
+                    <a:pt x="1019735" y="0"/>
+                  </a:lnTo>
+                  <a:close/>
+                </a:path>
+              </a:pathLst>
+            </a:custGeom>
+            <a:solidFill>
+              <a:schemeClr val="accent1">
+                <a:lumMod val="60000"/>
+                <a:lumOff val="40000"/>
+                <a:alpha val="70000"/>
+              </a:schemeClr>
+            </a:solidFill>
+            <a:ln>
+              <a:noFill/>
+            </a:ln>
+            <a:effectLst/>
+          </p:spPr>
+          <p:style>
+            <a:lnRef idx="1">
+              <a:schemeClr val="accent1"/>
+            </a:lnRef>
+            <a:fillRef idx="3">
+              <a:schemeClr val="accent1"/>
+            </a:fillRef>
+            <a:effectRef idx="2">
+              <a:schemeClr val="accent1"/>
+            </a:effectRef>
+            <a:fontRef idx="minor">
+              <a:schemeClr val="lt1"/>
+            </a:fontRef>
+          </p:style>
+        </p:sp>
+        <p:sp>
+          <p:nvSpPr>
+            <p:cNvPr id="27" name="Rectangle 29"/>
+            <p:cNvSpPr/>
+            <p:nvPr/>
+          </p:nvSpPr>
+          <p:spPr>
+            <a:xfrm>
+              <a:off x="10938999" y="-8467"/>
+              <a:ext cx="1249825" cy="6866467"/>
+            </a:xfrm>
+            <a:custGeom>
+              <a:avLst/>
+              <a:gdLst/>
+              <a:ahLst/>
+              <a:cxnLst/>
+              <a:rect l="l" t="t" r="r" b="b"/>
+              <a:pathLst>
+                <a:path w="1249825" h="6858000">
+                  <a:moveTo>
+                    <a:pt x="0" y="0"/>
+                  </a:moveTo>
+                  <a:lnTo>
+                    <a:pt x="1249825" y="0"/>
+                  </a:lnTo>
+                  <a:lnTo>
+                    <a:pt x="1249825" y="6858000"/>
+                  </a:lnTo>
+                  <a:lnTo>
+                    <a:pt x="1109382" y="6858000"/>
+                  </a:lnTo>
+                  <a:lnTo>
+                    <a:pt x="0" y="0"/>
+                  </a:lnTo>
+                  <a:close/>
+                </a:path>
+              </a:pathLst>
+            </a:custGeom>
+            <a:solidFill>
+              <a:schemeClr val="accent1">
+                <a:alpha val="65000"/>
+              </a:schemeClr>
+            </a:solidFill>
+            <a:ln>
+              <a:noFill/>
+            </a:ln>
+            <a:effectLst/>
+          </p:spPr>
+          <p:style>
+            <a:lnRef idx="1">
+              <a:schemeClr val="accent1"/>
+            </a:lnRef>
+            <a:fillRef idx="3">
+              <a:schemeClr val="accent1"/>
+            </a:fillRef>
+            <a:effectRef idx="2">
+              <a:schemeClr val="accent1"/>
+            </a:effectRef>
+            <a:fontRef idx="minor">
+              <a:schemeClr val="lt1"/>
+            </a:fontRef>
+          </p:style>
+        </p:sp>
+        <p:sp>
+          <p:nvSpPr>
+            <p:cNvPr id="28" name="Isosceles Triangle 27"/>
+            <p:cNvSpPr/>
+            <p:nvPr/>
+          </p:nvSpPr>
+          <p:spPr>
+            <a:xfrm>
+              <a:off x="10371666" y="3589867"/>
+              <a:ext cx="1817159" cy="3268133"/>
+            </a:xfrm>
+            <a:prstGeom prst="triangle">
+              <a:avLst>
+                <a:gd name="adj" fmla="val 100000"/>
+              </a:avLst>
+            </a:prstGeom>
+            <a:solidFill>
+              <a:schemeClr val="accent1">
+                <a:alpha val="80000"/>
+              </a:schemeClr>
+            </a:solidFill>
+            <a:ln>
+              <a:noFill/>
+            </a:ln>
+            <a:effectLst/>
+          </p:spPr>
+          <p:style>
+            <a:lnRef idx="1">
+              <a:schemeClr val="accent1"/>
+            </a:lnRef>
+            <a:fillRef idx="3">
+              <a:schemeClr val="accent1"/>
+            </a:fillRef>
+            <a:effectRef idx="2">
+              <a:schemeClr val="accent1"/>
+            </a:effectRef>
+            <a:fontRef idx="minor">
+              <a:schemeClr val="lt1"/>
+            </a:fontRef>
+          </p:style>
+        </p:sp>
+        <p:sp>
+          <p:nvSpPr>
+            <p:cNvPr id="29" name="Isosceles Triangle 28"/>
+            <p:cNvSpPr/>
+            <p:nvPr/>
+          </p:nvSpPr>
+          <p:spPr>
+            <a:xfrm>
+              <a:off x="0" y="4013200"/>
+              <a:ext cx="448733" cy="2844800"/>
+            </a:xfrm>
+            <a:prstGeom prst="triangle">
+              <a:avLst>
+                <a:gd name="adj" fmla="val 0"/>
+              </a:avLst>
+            </a:prstGeom>
+            <a:solidFill>
+              <a:schemeClr val="accent1">
+                <a:alpha val="85000"/>
+              </a:schemeClr>
+            </a:solidFill>
+            <a:ln>
+              <a:noFill/>
+            </a:ln>
+            <a:effectLst/>
+          </p:spPr>
+          <p:style>
+            <a:lnRef idx="1">
+              <a:schemeClr val="accent1"/>
+            </a:lnRef>
+            <a:fillRef idx="3">
+              <a:schemeClr val="accent1"/>
+            </a:fillRef>
+            <a:effectRef idx="2">
+              <a:schemeClr val="accent1"/>
+            </a:effectRef>
+            <a:fontRef idx="minor">
+              <a:schemeClr val="lt1"/>
+            </a:fontRef>
+          </p:style>
+        </p:sp>
+      </p:grpSp>
+      <p:sp>
+        <p:nvSpPr>
+          <p:cNvPr id="2" name="Title Placeholder 1"/>
           <p:cNvSpPr>
             <a:spLocks noGrp="1"/>
           </p:cNvSpPr>
@@ -2795,15 +5192,15 @@
         </p:nvSpPr>
         <p:spPr>
           <a:xfrm>
-            <a:off x="838200" y="365125"/>
-            <a:ext cx="10515600" cy="1325563"/>
+            <a:off x="677334" y="609600"/>
+            <a:ext cx="8596668" cy="1320800"/>
           </a:xfrm>
           <a:prstGeom prst="rect">
             <a:avLst/>
           </a:prstGeom>
         </p:spPr>
         <p:txBody>
-          <a:bodyPr vert="horz" lIns="91440" tIns="45720" rIns="91440" bIns="45720" rtlCol="0" anchor="ctr">
+          <a:bodyPr vert="horz" lIns="91440" tIns="45720" rIns="91440" bIns="45720" rtlCol="0" anchor="t">
             <a:normAutofit/>
           </a:bodyPr>
           <a:lstStyle/>
@@ -2812,19 +5209,13 @@
               <a:rPr lang="en-US"/>
               <a:t>Click to edit Master title style</a:t>
             </a:r>
-            <a:endParaRPr lang="en-ID"/>
-          </a:p>
-        </p:txBody>
-      </p:sp>
-      <p:sp>
-        <p:nvSpPr>
-          <p:cNvPr id="3" name="Text Placeholder 2">
-            <a:extLst>
-              <a:ext uri="{FF2B5EF4-FFF2-40B4-BE49-F238E27FC236}">
-                <a16:creationId xmlns:a16="http://schemas.microsoft.com/office/drawing/2014/main" id="{C1528164-2BBF-3776-8AF7-E0AC57238F7C}"/>
-              </a:ext>
-            </a:extLst>
-          </p:cNvPr>
+            <a:endParaRPr lang="en-US" dirty="0"/>
+          </a:p>
+        </p:txBody>
+      </p:sp>
+      <p:sp>
+        <p:nvSpPr>
+          <p:cNvPr id="3" name="Text Placeholder 2"/>
           <p:cNvSpPr>
             <a:spLocks noGrp="1"/>
           </p:cNvSpPr>
@@ -2834,8 +5225,8 @@
         </p:nvSpPr>
         <p:spPr>
           <a:xfrm>
-            <a:off x="838200" y="1825625"/>
-            <a:ext cx="10515600" cy="4351338"/>
+            <a:off x="677334" y="2160589"/>
+            <a:ext cx="8596668" cy="3880773"/>
           </a:xfrm>
           <a:prstGeom prst="rect">
             <a:avLst/>
@@ -2880,19 +5271,13 @@
               <a:rPr lang="en-US"/>
               <a:t>Fifth level</a:t>
             </a:r>
-            <a:endParaRPr lang="en-ID"/>
-          </a:p>
-        </p:txBody>
-      </p:sp>
-      <p:sp>
-        <p:nvSpPr>
-          <p:cNvPr id="4" name="Date Placeholder 3">
-            <a:extLst>
-              <a:ext uri="{FF2B5EF4-FFF2-40B4-BE49-F238E27FC236}">
-                <a16:creationId xmlns:a16="http://schemas.microsoft.com/office/drawing/2014/main" id="{6AA7D8D9-F6B0-8B65-30AB-2AEB24A1245A}"/>
-              </a:ext>
-            </a:extLst>
-          </p:cNvPr>
+            <a:endParaRPr lang="en-US" dirty="0"/>
+          </a:p>
+        </p:txBody>
+      </p:sp>
+      <p:sp>
+        <p:nvSpPr>
+          <p:cNvPr id="4" name="Date Placeholder 3"/>
           <p:cNvSpPr>
             <a:spLocks noGrp="1"/>
           </p:cNvSpPr>
@@ -2902,8 +5287,8 @@
         </p:nvSpPr>
         <p:spPr>
           <a:xfrm>
-            <a:off x="838200" y="6356350"/>
-            <a:ext cx="2743200" cy="365125"/>
+            <a:off x="7205133" y="6041362"/>
+            <a:ext cx="911939" cy="365125"/>
           </a:xfrm>
           <a:prstGeom prst="rect">
             <a:avLst/>
@@ -2912,8 +5297,8 @@
         <p:txBody>
           <a:bodyPr vert="horz" lIns="91440" tIns="45720" rIns="91440" bIns="45720" rtlCol="0" anchor="ctr"/>
           <a:lstStyle>
-            <a:lvl1pPr algn="l">
-              <a:defRPr sz="1200">
+            <a:lvl1pPr algn="r">
+              <a:defRPr sz="900">
                 <a:solidFill>
                   <a:schemeClr val="tx1">
                     <a:tint val="75000"/>
@@ -2933,13 +5318,7 @@
       </p:sp>
       <p:sp>
         <p:nvSpPr>
-          <p:cNvPr id="5" name="Footer Placeholder 4">
-            <a:extLst>
-              <a:ext uri="{FF2B5EF4-FFF2-40B4-BE49-F238E27FC236}">
-                <a16:creationId xmlns:a16="http://schemas.microsoft.com/office/drawing/2014/main" id="{8F9FD276-305A-C057-C615-DFF2B25BC156}"/>
-              </a:ext>
-            </a:extLst>
-          </p:cNvPr>
+          <p:cNvPr id="5" name="Footer Placeholder 4"/>
           <p:cNvSpPr>
             <a:spLocks noGrp="1"/>
           </p:cNvSpPr>
@@ -2949,8 +5328,8 @@
         </p:nvSpPr>
         <p:spPr>
           <a:xfrm>
-            <a:off x="4038600" y="6356350"/>
-            <a:ext cx="4114800" cy="365125"/>
+            <a:off x="677334" y="6041362"/>
+            <a:ext cx="6297612" cy="365125"/>
           </a:xfrm>
           <a:prstGeom prst="rect">
             <a:avLst/>
@@ -2959,8 +5338,8 @@
         <p:txBody>
           <a:bodyPr vert="horz" lIns="91440" tIns="45720" rIns="91440" bIns="45720" rtlCol="0" anchor="ctr"/>
           <a:lstStyle>
-            <a:lvl1pPr algn="ctr">
-              <a:defRPr sz="1200">
+            <a:lvl1pPr algn="l">
+              <a:defRPr sz="900">
                 <a:solidFill>
                   <a:schemeClr val="tx1">
                     <a:tint val="75000"/>
@@ -2976,13 +5355,7 @@
       </p:sp>
       <p:sp>
         <p:nvSpPr>
-          <p:cNvPr id="6" name="Slide Number Placeholder 5">
-            <a:extLst>
-              <a:ext uri="{FF2B5EF4-FFF2-40B4-BE49-F238E27FC236}">
-                <a16:creationId xmlns:a16="http://schemas.microsoft.com/office/drawing/2014/main" id="{2B327637-2B85-5E95-8B41-646AACACD665}"/>
-              </a:ext>
-            </a:extLst>
-          </p:cNvPr>
+          <p:cNvPr id="6" name="Slide Number Placeholder 5"/>
           <p:cNvSpPr>
             <a:spLocks noGrp="1"/>
           </p:cNvSpPr>
@@ -2992,8 +5365,8 @@
         </p:nvSpPr>
         <p:spPr>
           <a:xfrm>
-            <a:off x="8610600" y="6356350"/>
-            <a:ext cx="2743200" cy="365125"/>
+            <a:off x="8590663" y="6041362"/>
+            <a:ext cx="683339" cy="365125"/>
           </a:xfrm>
           <a:prstGeom prst="rect">
             <a:avLst/>
@@ -3003,11 +5376,9 @@
           <a:bodyPr vert="horz" lIns="91440" tIns="45720" rIns="91440" bIns="45720" rtlCol="0" anchor="ctr"/>
           <a:lstStyle>
             <a:lvl1pPr algn="r">
-              <a:defRPr sz="1200">
-                <a:solidFill>
-                  <a:schemeClr val="tx1">
-                    <a:tint val="75000"/>
-                  </a:schemeClr>
+              <a:defRPr sz="900">
+                <a:solidFill>
+                  <a:schemeClr val="accent1"/>
                 </a:solidFill>
               </a:defRPr>
             </a:lvl1pPr>
@@ -3024,201 +5395,322 @@
     </p:spTree>
     <p:extLst>
       <p:ext uri="{BB962C8B-B14F-4D97-AF65-F5344CB8AC3E}">
-        <p14:creationId xmlns:p14="http://schemas.microsoft.com/office/powerpoint/2010/main" val="1709174699"/>
+        <p14:creationId xmlns:p14="http://schemas.microsoft.com/office/powerpoint/2010/main" val="2266901640"/>
       </p:ext>
     </p:extLst>
   </p:cSld>
   <p:clrMap bg1="lt1" tx1="dk1" bg2="lt2" tx2="dk2" accent1="accent1" accent2="accent2" accent3="accent3" accent4="accent4" accent5="accent5" accent6="accent6" hlink="hlink" folHlink="folHlink"/>
   <p:sldLayoutIdLst>
-    <p:sldLayoutId id="2147483649" r:id="rId1"/>
-    <p:sldLayoutId id="2147483650" r:id="rId2"/>
-    <p:sldLayoutId id="2147483651" r:id="rId3"/>
-    <p:sldLayoutId id="2147483652" r:id="rId4"/>
-    <p:sldLayoutId id="2147483653" r:id="rId5"/>
-    <p:sldLayoutId id="2147483654" r:id="rId6"/>
-    <p:sldLayoutId id="2147483655" r:id="rId7"/>
-    <p:sldLayoutId id="2147483656" r:id="rId8"/>
-    <p:sldLayoutId id="2147483657" r:id="rId9"/>
-    <p:sldLayoutId id="2147483658" r:id="rId10"/>
-    <p:sldLayoutId id="2147483659" r:id="rId11"/>
+    <p:sldLayoutId id="2147483661" r:id="rId1"/>
+    <p:sldLayoutId id="2147483662" r:id="rId2"/>
+    <p:sldLayoutId id="2147483663" r:id="rId3"/>
+    <p:sldLayoutId id="2147483664" r:id="rId4"/>
+    <p:sldLayoutId id="2147483665" r:id="rId5"/>
+    <p:sldLayoutId id="2147483666" r:id="rId6"/>
+    <p:sldLayoutId id="2147483667" r:id="rId7"/>
+    <p:sldLayoutId id="2147483668" r:id="rId8"/>
+    <p:sldLayoutId id="2147483669" r:id="rId9"/>
+    <p:sldLayoutId id="2147483670" r:id="rId10"/>
+    <p:sldLayoutId id="2147483671" r:id="rId11"/>
+    <p:sldLayoutId id="2147483672" r:id="rId12"/>
+    <p:sldLayoutId id="2147483673" r:id="rId13"/>
+    <p:sldLayoutId id="2147483674" r:id="rId14"/>
+    <p:sldLayoutId id="2147483675" r:id="rId15"/>
+    <p:sldLayoutId id="2147483676" r:id="rId16"/>
   </p:sldLayoutIdLst>
   <p:txStyles>
     <p:titleStyle>
-      <a:lvl1pPr algn="l" defTabSz="914400" rtl="0" eaLnBrk="1" latinLnBrk="0" hangingPunct="1">
-        <a:lnSpc>
-          <a:spcPct val="90000"/>
-        </a:lnSpc>
+      <a:lvl1pPr algn="l" defTabSz="457200" rtl="0" eaLnBrk="1" latinLnBrk="0" hangingPunct="1">
         <a:spcBef>
           <a:spcPct val="0"/>
         </a:spcBef>
         <a:buNone/>
-        <a:defRPr sz="4400" kern="1200">
+        <a:defRPr sz="3600" kern="1200">
           <a:solidFill>
-            <a:schemeClr val="tx1"/>
+            <a:schemeClr val="accent1"/>
           </a:solidFill>
           <a:latin typeface="+mj-lt"/>
           <a:ea typeface="+mj-ea"/>
           <a:cs typeface="+mj-cs"/>
         </a:defRPr>
       </a:lvl1pPr>
+      <a:lvl2pPr eaLnBrk="1" hangingPunct="1">
+        <a:defRPr>
+          <a:solidFill>
+            <a:schemeClr val="tx2"/>
+          </a:solidFill>
+        </a:defRPr>
+      </a:lvl2pPr>
+      <a:lvl3pPr eaLnBrk="1" hangingPunct="1">
+        <a:defRPr>
+          <a:solidFill>
+            <a:schemeClr val="tx2"/>
+          </a:solidFill>
+        </a:defRPr>
+      </a:lvl3pPr>
+      <a:lvl4pPr eaLnBrk="1" hangingPunct="1">
+        <a:defRPr>
+          <a:solidFill>
+            <a:schemeClr val="tx2"/>
+          </a:solidFill>
+        </a:defRPr>
+      </a:lvl4pPr>
+      <a:lvl5pPr eaLnBrk="1" hangingPunct="1">
+        <a:defRPr>
+          <a:solidFill>
+            <a:schemeClr val="tx2"/>
+          </a:solidFill>
+        </a:defRPr>
+      </a:lvl5pPr>
+      <a:lvl6pPr eaLnBrk="1" hangingPunct="1">
+        <a:defRPr>
+          <a:solidFill>
+            <a:schemeClr val="tx2"/>
+          </a:solidFill>
+        </a:defRPr>
+      </a:lvl6pPr>
+      <a:lvl7pPr eaLnBrk="1" hangingPunct="1">
+        <a:defRPr>
+          <a:solidFill>
+            <a:schemeClr val="tx2"/>
+          </a:solidFill>
+        </a:defRPr>
+      </a:lvl7pPr>
+      <a:lvl8pPr eaLnBrk="1" hangingPunct="1">
+        <a:defRPr>
+          <a:solidFill>
+            <a:schemeClr val="tx2"/>
+          </a:solidFill>
+        </a:defRPr>
+      </a:lvl8pPr>
+      <a:lvl9pPr eaLnBrk="1" hangingPunct="1">
+        <a:defRPr>
+          <a:solidFill>
+            <a:schemeClr val="tx2"/>
+          </a:solidFill>
+        </a:defRPr>
+      </a:lvl9pPr>
     </p:titleStyle>
     <p:bodyStyle>
-      <a:lvl1pPr marL="228600" indent="-228600" algn="l" defTabSz="914400" rtl="0" eaLnBrk="1" latinLnBrk="0" hangingPunct="1">
-        <a:lnSpc>
-          <a:spcPct val="90000"/>
-        </a:lnSpc>
+      <a:lvl1pPr marL="342900" indent="-342900" algn="l" defTabSz="457200" rtl="0" eaLnBrk="1" latinLnBrk="0" hangingPunct="1">
         <a:spcBef>
           <a:spcPts val="1000"/>
         </a:spcBef>
-        <a:buFont typeface="Arial" panose="020B0604020202020204" pitchFamily="34" charset="0"/>
-        <a:buChar char="•"/>
-        <a:defRPr sz="2800" kern="1200">
+        <a:spcAft>
+          <a:spcPts val="0"/>
+        </a:spcAft>
+        <a:buClr>
+          <a:schemeClr val="accent1"/>
+        </a:buClr>
+        <a:buSzPct val="80000"/>
+        <a:buFont typeface="Wingdings 3" charset="2"/>
+        <a:buChar char=""/>
+        <a:defRPr sz="1800" kern="1200">
           <a:solidFill>
-            <a:schemeClr val="tx1"/>
+            <a:schemeClr val="tx1">
+              <a:lumMod val="75000"/>
+              <a:lumOff val="25000"/>
+            </a:schemeClr>
           </a:solidFill>
           <a:latin typeface="+mn-lt"/>
           <a:ea typeface="+mn-ea"/>
           <a:cs typeface="+mn-cs"/>
         </a:defRPr>
       </a:lvl1pPr>
-      <a:lvl2pPr marL="685800" indent="-228600" algn="l" defTabSz="914400" rtl="0" eaLnBrk="1" latinLnBrk="0" hangingPunct="1">
-        <a:lnSpc>
-          <a:spcPct val="90000"/>
-        </a:lnSpc>
+      <a:lvl2pPr marL="742950" indent="-285750" algn="l" defTabSz="457200" rtl="0" eaLnBrk="1" latinLnBrk="0" hangingPunct="1">
         <a:spcBef>
-          <a:spcPts val="500"/>
+          <a:spcPts val="1000"/>
         </a:spcBef>
-        <a:buFont typeface="Arial" panose="020B0604020202020204" pitchFamily="34" charset="0"/>
-        <a:buChar char="•"/>
-        <a:defRPr sz="2400" kern="1200">
+        <a:spcAft>
+          <a:spcPts val="0"/>
+        </a:spcAft>
+        <a:buClr>
+          <a:schemeClr val="accent1"/>
+        </a:buClr>
+        <a:buSzPct val="80000"/>
+        <a:buFont typeface="Wingdings 3" charset="2"/>
+        <a:buChar char=""/>
+        <a:defRPr sz="1600" kern="1200">
           <a:solidFill>
-            <a:schemeClr val="tx1"/>
+            <a:schemeClr val="tx1">
+              <a:lumMod val="75000"/>
+              <a:lumOff val="25000"/>
+            </a:schemeClr>
           </a:solidFill>
           <a:latin typeface="+mn-lt"/>
           <a:ea typeface="+mn-ea"/>
           <a:cs typeface="+mn-cs"/>
         </a:defRPr>
       </a:lvl2pPr>
-      <a:lvl3pPr marL="1143000" indent="-228600" algn="l" defTabSz="914400" rtl="0" eaLnBrk="1" latinLnBrk="0" hangingPunct="1">
-        <a:lnSpc>
-          <a:spcPct val="90000"/>
-        </a:lnSpc>
+      <a:lvl3pPr marL="1143000" indent="-228600" algn="l" defTabSz="457200" rtl="0" eaLnBrk="1" latinLnBrk="0" hangingPunct="1">
         <a:spcBef>
-          <a:spcPts val="500"/>
+          <a:spcPts val="1000"/>
         </a:spcBef>
-        <a:buFont typeface="Arial" panose="020B0604020202020204" pitchFamily="34" charset="0"/>
-        <a:buChar char="•"/>
-        <a:defRPr sz="2000" kern="1200">
+        <a:spcAft>
+          <a:spcPts val="0"/>
+        </a:spcAft>
+        <a:buClr>
+          <a:schemeClr val="accent1"/>
+        </a:buClr>
+        <a:buSzPct val="80000"/>
+        <a:buFont typeface="Wingdings 3" charset="2"/>
+        <a:buChar char=""/>
+        <a:defRPr sz="1400" kern="1200">
           <a:solidFill>
-            <a:schemeClr val="tx1"/>
+            <a:schemeClr val="tx1">
+              <a:lumMod val="75000"/>
+              <a:lumOff val="25000"/>
+            </a:schemeClr>
           </a:solidFill>
           <a:latin typeface="+mn-lt"/>
           <a:ea typeface="+mn-ea"/>
           <a:cs typeface="+mn-cs"/>
         </a:defRPr>
       </a:lvl3pPr>
-      <a:lvl4pPr marL="1600200" indent="-228600" algn="l" defTabSz="914400" rtl="0" eaLnBrk="1" latinLnBrk="0" hangingPunct="1">
-        <a:lnSpc>
-          <a:spcPct val="90000"/>
-        </a:lnSpc>
+      <a:lvl4pPr marL="1600200" indent="-228600" algn="l" defTabSz="457200" rtl="0" eaLnBrk="1" latinLnBrk="0" hangingPunct="1">
         <a:spcBef>
-          <a:spcPts val="500"/>
+          <a:spcPts val="1000"/>
         </a:spcBef>
-        <a:buFont typeface="Arial" panose="020B0604020202020204" pitchFamily="34" charset="0"/>
-        <a:buChar char="•"/>
-        <a:defRPr sz="1800" kern="1200">
+        <a:spcAft>
+          <a:spcPts val="0"/>
+        </a:spcAft>
+        <a:buClr>
+          <a:schemeClr val="accent1"/>
+        </a:buClr>
+        <a:buSzPct val="80000"/>
+        <a:buFont typeface="Wingdings 3" charset="2"/>
+        <a:buChar char=""/>
+        <a:defRPr sz="1200" kern="1200">
           <a:solidFill>
-            <a:schemeClr val="tx1"/>
+            <a:schemeClr val="tx1">
+              <a:lumMod val="75000"/>
+              <a:lumOff val="25000"/>
+            </a:schemeClr>
           </a:solidFill>
           <a:latin typeface="+mn-lt"/>
           <a:ea typeface="+mn-ea"/>
           <a:cs typeface="+mn-cs"/>
         </a:defRPr>
       </a:lvl4pPr>
-      <a:lvl5pPr marL="2057400" indent="-228600" algn="l" defTabSz="914400" rtl="0" eaLnBrk="1" latinLnBrk="0" hangingPunct="1">
-        <a:lnSpc>
-          <a:spcPct val="90000"/>
-        </a:lnSpc>
+      <a:lvl5pPr marL="2057400" indent="-228600" algn="l" defTabSz="457200" rtl="0" eaLnBrk="1" latinLnBrk="0" hangingPunct="1">
         <a:spcBef>
-          <a:spcPts val="500"/>
+          <a:spcPts val="1000"/>
         </a:spcBef>
-        <a:buFont typeface="Arial" panose="020B0604020202020204" pitchFamily="34" charset="0"/>
-        <a:buChar char="•"/>
-        <a:defRPr sz="1800" kern="1200">
+        <a:spcAft>
+          <a:spcPts val="0"/>
+        </a:spcAft>
+        <a:buClr>
+          <a:schemeClr val="accent1"/>
+        </a:buClr>
+        <a:buSzPct val="80000"/>
+        <a:buFont typeface="Wingdings 3" charset="2"/>
+        <a:buChar char=""/>
+        <a:defRPr sz="1200" kern="1200">
           <a:solidFill>
-            <a:schemeClr val="tx1"/>
+            <a:schemeClr val="tx1">
+              <a:lumMod val="75000"/>
+              <a:lumOff val="25000"/>
+            </a:schemeClr>
           </a:solidFill>
           <a:latin typeface="+mn-lt"/>
           <a:ea typeface="+mn-ea"/>
           <a:cs typeface="+mn-cs"/>
         </a:defRPr>
       </a:lvl5pPr>
-      <a:lvl6pPr marL="2514600" indent="-228600" algn="l" defTabSz="914400" rtl="0" eaLnBrk="1" latinLnBrk="0" hangingPunct="1">
-        <a:lnSpc>
-          <a:spcPct val="90000"/>
-        </a:lnSpc>
+      <a:lvl6pPr marL="2514600" indent="-228600" algn="l" defTabSz="457200" rtl="0" eaLnBrk="1" latinLnBrk="0" hangingPunct="1">
         <a:spcBef>
-          <a:spcPts val="500"/>
+          <a:spcPts val="1000"/>
         </a:spcBef>
-        <a:buFont typeface="Arial" panose="020B0604020202020204" pitchFamily="34" charset="0"/>
-        <a:buChar char="•"/>
-        <a:defRPr sz="1800" kern="1200">
+        <a:spcAft>
+          <a:spcPts val="0"/>
+        </a:spcAft>
+        <a:buClr>
+          <a:schemeClr val="accent1"/>
+        </a:buClr>
+        <a:buSzPct val="80000"/>
+        <a:buFont typeface="Wingdings 3" charset="2"/>
+        <a:buChar char=""/>
+        <a:defRPr sz="1200" kern="1200">
           <a:solidFill>
-            <a:schemeClr val="tx1"/>
+            <a:schemeClr val="tx1">
+              <a:lumMod val="75000"/>
+              <a:lumOff val="25000"/>
+            </a:schemeClr>
           </a:solidFill>
           <a:latin typeface="+mn-lt"/>
           <a:ea typeface="+mn-ea"/>
           <a:cs typeface="+mn-cs"/>
         </a:defRPr>
       </a:lvl6pPr>
-      <a:lvl7pPr marL="2971800" indent="-228600" algn="l" defTabSz="914400" rtl="0" eaLnBrk="1" latinLnBrk="0" hangingPunct="1">
-        <a:lnSpc>
-          <a:spcPct val="90000"/>
-        </a:lnSpc>
+      <a:lvl7pPr marL="2971800" indent="-228600" algn="l" defTabSz="457200" rtl="0" eaLnBrk="1" latinLnBrk="0" hangingPunct="1">
         <a:spcBef>
-          <a:spcPts val="500"/>
+          <a:spcPts val="1000"/>
         </a:spcBef>
-        <a:buFont typeface="Arial" panose="020B0604020202020204" pitchFamily="34" charset="0"/>
-        <a:buChar char="•"/>
-        <a:defRPr sz="1800" kern="1200">
+        <a:spcAft>
+          <a:spcPts val="0"/>
+        </a:spcAft>
+        <a:buClr>
+          <a:schemeClr val="accent1"/>
+        </a:buClr>
+        <a:buSzPct val="80000"/>
+        <a:buFont typeface="Wingdings 3" charset="2"/>
+        <a:buChar char=""/>
+        <a:defRPr sz="1200" kern="1200">
           <a:solidFill>
-            <a:schemeClr val="tx1"/>
+            <a:schemeClr val="tx1">
+              <a:lumMod val="75000"/>
+              <a:lumOff val="25000"/>
+            </a:schemeClr>
           </a:solidFill>
           <a:latin typeface="+mn-lt"/>
           <a:ea typeface="+mn-ea"/>
           <a:cs typeface="+mn-cs"/>
         </a:defRPr>
       </a:lvl7pPr>
-      <a:lvl8pPr marL="3429000" indent="-228600" algn="l" defTabSz="914400" rtl="0" eaLnBrk="1" latinLnBrk="0" hangingPunct="1">
-        <a:lnSpc>
-          <a:spcPct val="90000"/>
-        </a:lnSpc>
+      <a:lvl8pPr marL="3429000" indent="-228600" algn="l" defTabSz="457200" rtl="0" eaLnBrk="1" latinLnBrk="0" hangingPunct="1">
         <a:spcBef>
-          <a:spcPts val="500"/>
+          <a:spcPts val="1000"/>
         </a:spcBef>
-        <a:buFont typeface="Arial" panose="020B0604020202020204" pitchFamily="34" charset="0"/>
-        <a:buChar char="•"/>
-        <a:defRPr sz="1800" kern="1200">
+        <a:spcAft>
+          <a:spcPts val="0"/>
+        </a:spcAft>
+        <a:buClr>
+          <a:schemeClr val="accent1"/>
+        </a:buClr>
+        <a:buSzPct val="80000"/>
+        <a:buFont typeface="Wingdings 3" charset="2"/>
+        <a:buChar char=""/>
+        <a:defRPr sz="1200" kern="1200">
           <a:solidFill>
-            <a:schemeClr val="tx1"/>
+            <a:schemeClr val="tx1">
+              <a:lumMod val="75000"/>
+              <a:lumOff val="25000"/>
+            </a:schemeClr>
           </a:solidFill>
           <a:latin typeface="+mn-lt"/>
           <a:ea typeface="+mn-ea"/>
           <a:cs typeface="+mn-cs"/>
         </a:defRPr>
       </a:lvl8pPr>
-      <a:lvl9pPr marL="3886200" indent="-228600" algn="l" defTabSz="914400" rtl="0" eaLnBrk="1" latinLnBrk="0" hangingPunct="1">
-        <a:lnSpc>
-          <a:spcPct val="90000"/>
-        </a:lnSpc>
+      <a:lvl9pPr marL="3886200" indent="-228600" algn="l" defTabSz="457200" rtl="0" eaLnBrk="1" latinLnBrk="0" hangingPunct="1">
         <a:spcBef>
-          <a:spcPts val="500"/>
+          <a:spcPts val="1000"/>
         </a:spcBef>
-        <a:buFont typeface="Arial" panose="020B0604020202020204" pitchFamily="34" charset="0"/>
-        <a:buChar char="•"/>
-        <a:defRPr sz="1800" kern="1200">
+        <a:spcAft>
+          <a:spcPts val="0"/>
+        </a:spcAft>
+        <a:buClr>
+          <a:schemeClr val="accent1"/>
+        </a:buClr>
+        <a:buSzPct val="80000"/>
+        <a:buFont typeface="Wingdings 3" charset="2"/>
+        <a:buChar char=""/>
+        <a:defRPr sz="1200" kern="1200">
           <a:solidFill>
-            <a:schemeClr val="tx1"/>
+            <a:schemeClr val="tx1">
+              <a:lumMod val="75000"/>
+              <a:lumOff val="25000"/>
+            </a:schemeClr>
           </a:solidFill>
           <a:latin typeface="+mn-lt"/>
           <a:ea typeface="+mn-ea"/>
@@ -3230,7 +5722,7 @@
       <a:defPPr>
         <a:defRPr lang="en-US"/>
       </a:defPPr>
-      <a:lvl1pPr marL="0" algn="l" defTabSz="914400" rtl="0" eaLnBrk="1" latinLnBrk="0" hangingPunct="1">
+      <a:lvl1pPr marL="0" algn="l" defTabSz="457200" rtl="0" eaLnBrk="1" latinLnBrk="0" hangingPunct="1">
         <a:defRPr sz="1800" kern="1200">
           <a:solidFill>
             <a:schemeClr val="tx1"/>
@@ -3240,7 +5732,7 @@
           <a:cs typeface="+mn-cs"/>
         </a:defRPr>
       </a:lvl1pPr>
-      <a:lvl2pPr marL="457200" algn="l" defTabSz="914400" rtl="0" eaLnBrk="1" latinLnBrk="0" hangingPunct="1">
+      <a:lvl2pPr marL="457200" algn="l" defTabSz="457200" rtl="0" eaLnBrk="1" latinLnBrk="0" hangingPunct="1">
         <a:defRPr sz="1800" kern="1200">
           <a:solidFill>
             <a:schemeClr val="tx1"/>
@@ -3250,7 +5742,7 @@
           <a:cs typeface="+mn-cs"/>
         </a:defRPr>
       </a:lvl2pPr>
-      <a:lvl3pPr marL="914400" algn="l" defTabSz="914400" rtl="0" eaLnBrk="1" latinLnBrk="0" hangingPunct="1">
+      <a:lvl3pPr marL="914400" algn="l" defTabSz="457200" rtl="0" eaLnBrk="1" latinLnBrk="0" hangingPunct="1">
         <a:defRPr sz="1800" kern="1200">
           <a:solidFill>
             <a:schemeClr val="tx1"/>
@@ -3260,7 +5752,7 @@
           <a:cs typeface="+mn-cs"/>
         </a:defRPr>
       </a:lvl3pPr>
-      <a:lvl4pPr marL="1371600" algn="l" defTabSz="914400" rtl="0" eaLnBrk="1" latinLnBrk="0" hangingPunct="1">
+      <a:lvl4pPr marL="1371600" algn="l" defTabSz="457200" rtl="0" eaLnBrk="1" latinLnBrk="0" hangingPunct="1">
         <a:defRPr sz="1800" kern="1200">
           <a:solidFill>
             <a:schemeClr val="tx1"/>
@@ -3270,7 +5762,7 @@
           <a:cs typeface="+mn-cs"/>
         </a:defRPr>
       </a:lvl4pPr>
-      <a:lvl5pPr marL="1828800" algn="l" defTabSz="914400" rtl="0" eaLnBrk="1" latinLnBrk="0" hangingPunct="1">
+      <a:lvl5pPr marL="1828800" algn="l" defTabSz="457200" rtl="0" eaLnBrk="1" latinLnBrk="0" hangingPunct="1">
         <a:defRPr sz="1800" kern="1200">
           <a:solidFill>
             <a:schemeClr val="tx1"/>
@@ -3280,7 +5772,7 @@
           <a:cs typeface="+mn-cs"/>
         </a:defRPr>
       </a:lvl5pPr>
-      <a:lvl6pPr marL="2286000" algn="l" defTabSz="914400" rtl="0" eaLnBrk="1" latinLnBrk="0" hangingPunct="1">
+      <a:lvl6pPr marL="2286000" algn="l" defTabSz="457200" rtl="0" eaLnBrk="1" latinLnBrk="0" hangingPunct="1">
         <a:defRPr sz="1800" kern="1200">
           <a:solidFill>
             <a:schemeClr val="tx1"/>
@@ -3290,7 +5782,7 @@
           <a:cs typeface="+mn-cs"/>
         </a:defRPr>
       </a:lvl6pPr>
-      <a:lvl7pPr marL="2743200" algn="l" defTabSz="914400" rtl="0" eaLnBrk="1" latinLnBrk="0" hangingPunct="1">
+      <a:lvl7pPr marL="2743200" algn="l" defTabSz="457200" rtl="0" eaLnBrk="1" latinLnBrk="0" hangingPunct="1">
         <a:defRPr sz="1800" kern="1200">
           <a:solidFill>
             <a:schemeClr val="tx1"/>
@@ -3300,7 +5792,7 @@
           <a:cs typeface="+mn-cs"/>
         </a:defRPr>
       </a:lvl7pPr>
-      <a:lvl8pPr marL="3200400" algn="l" defTabSz="914400" rtl="0" eaLnBrk="1" latinLnBrk="0" hangingPunct="1">
+      <a:lvl8pPr marL="3200400" algn="l" defTabSz="457200" rtl="0" eaLnBrk="1" latinLnBrk="0" hangingPunct="1">
         <a:defRPr sz="1800" kern="1200">
           <a:solidFill>
             <a:schemeClr val="tx1"/>
@@ -3310,7 +5802,7 @@
           <a:cs typeface="+mn-cs"/>
         </a:defRPr>
       </a:lvl8pPr>
-      <a:lvl9pPr marL="3657600" algn="l" defTabSz="914400" rtl="0" eaLnBrk="1" latinLnBrk="0" hangingPunct="1">
+      <a:lvl9pPr marL="3657600" algn="l" defTabSz="457200" rtl="0" eaLnBrk="1" latinLnBrk="0" hangingPunct="1">
         <a:defRPr sz="1800" kern="1200">
           <a:solidFill>
             <a:schemeClr val="tx1"/>
@@ -3360,35 +5852,16 @@
         </p:nvSpPr>
         <p:spPr/>
         <p:txBody>
-          <a:bodyPr/>
-          <a:lstStyle/>
-          <a:p>
-            <a:endParaRPr lang="en-ID"/>
-          </a:p>
-        </p:txBody>
-      </p:sp>
-      <p:sp>
-        <p:nvSpPr>
-          <p:cNvPr id="3" name="Subtitle 2">
-            <a:extLst>
-              <a:ext uri="{FF2B5EF4-FFF2-40B4-BE49-F238E27FC236}">
-                <a16:creationId xmlns:a16="http://schemas.microsoft.com/office/drawing/2014/main" id="{C4A538B4-8DBF-8D16-27B2-FB5F3623885B}"/>
-              </a:ext>
-            </a:extLst>
-          </p:cNvPr>
-          <p:cNvSpPr>
-            <a:spLocks noGrp="1"/>
-          </p:cNvSpPr>
-          <p:nvPr>
-            <p:ph type="subTitle" idx="1"/>
-          </p:nvPr>
-        </p:nvSpPr>
-        <p:spPr/>
-        <p:txBody>
-          <a:bodyPr/>
-          <a:lstStyle/>
-          <a:p>
-            <a:endParaRPr lang="en-ID"/>
+          <a:bodyPr>
+            <a:normAutofit fontScale="90000"/>
+          </a:bodyPr>
+          <a:lstStyle/>
+          <a:p>
+            <a:r>
+              <a:rPr lang="en-US" dirty="0"/>
+              <a:t>Building a Probability of Default (PD) Model for Loan Portfolio Risk Prediction</a:t>
+            </a:r>
+            <a:endParaRPr lang="en-ID" dirty="0"/>
           </a:p>
         </p:txBody>
       </p:sp>
@@ -3405,10 +5878,1036 @@
 </p:sld>
 </file>
 
+<file path=ppt/slides/slide2.xml><?xml version="1.0" encoding="utf-8"?>
+<p:sld xmlns:a="http://schemas.openxmlformats.org/drawingml/2006/main" xmlns:r="http://schemas.openxmlformats.org/officeDocument/2006/relationships" xmlns:p="http://schemas.openxmlformats.org/presentationml/2006/main">
+  <p:cSld>
+    <p:spTree>
+      <p:nvGrpSpPr>
+        <p:cNvPr id="1" name=""/>
+        <p:cNvGrpSpPr/>
+        <p:nvPr/>
+      </p:nvGrpSpPr>
+      <p:grpSpPr>
+        <a:xfrm>
+          <a:off x="0" y="0"/>
+          <a:ext cx="0" cy="0"/>
+          <a:chOff x="0" y="0"/>
+          <a:chExt cx="0" cy="0"/>
+        </a:xfrm>
+      </p:grpSpPr>
+      <p:sp>
+        <p:nvSpPr>
+          <p:cNvPr id="2" name="Title 1">
+            <a:extLst>
+              <a:ext uri="{FF2B5EF4-FFF2-40B4-BE49-F238E27FC236}">
+                <a16:creationId xmlns:a16="http://schemas.microsoft.com/office/drawing/2014/main" id="{B4DA19EE-8E3F-2E2F-638F-0412BA5A55ED}"/>
+              </a:ext>
+            </a:extLst>
+          </p:cNvPr>
+          <p:cNvSpPr>
+            <a:spLocks noGrp="1"/>
+          </p:cNvSpPr>
+          <p:nvPr>
+            <p:ph type="title"/>
+          </p:nvPr>
+        </p:nvSpPr>
+        <p:spPr/>
+        <p:txBody>
+          <a:bodyPr/>
+          <a:lstStyle/>
+          <a:p>
+            <a:r>
+              <a:rPr lang="en-US" dirty="0" err="1"/>
+              <a:t>Bussiness</a:t>
+            </a:r>
+            <a:r>
+              <a:rPr lang="en-US" dirty="0"/>
+              <a:t> Problem And How to Solved it</a:t>
+            </a:r>
+            <a:endParaRPr lang="en-ID" dirty="0"/>
+          </a:p>
+        </p:txBody>
+      </p:sp>
+      <p:sp>
+        <p:nvSpPr>
+          <p:cNvPr id="3" name="Content Placeholder 2">
+            <a:extLst>
+              <a:ext uri="{FF2B5EF4-FFF2-40B4-BE49-F238E27FC236}">
+                <a16:creationId xmlns:a16="http://schemas.microsoft.com/office/drawing/2014/main" id="{18E9DEA3-57BC-0570-9A9C-C5CCA050445B}"/>
+              </a:ext>
+            </a:extLst>
+          </p:cNvPr>
+          <p:cNvSpPr>
+            <a:spLocks noGrp="1"/>
+          </p:cNvSpPr>
+          <p:nvPr>
+            <p:ph idx="1"/>
+          </p:nvPr>
+        </p:nvSpPr>
+        <p:spPr/>
+        <p:txBody>
+          <a:bodyPr/>
+          <a:lstStyle/>
+          <a:p>
+            <a:pPr>
+              <a:buNone/>
+            </a:pPr>
+            <a:r>
+              <a:rPr lang="en-US" b="1" dirty="0"/>
+              <a:t>Business Problem:</a:t>
+            </a:r>
+            <a:endParaRPr lang="en-US" dirty="0"/>
+          </a:p>
+          <a:p>
+            <a:r>
+              <a:rPr lang="en-US" dirty="0"/>
+              <a:t>Financial institutions face significant risks from loan defaults. Predicting which loans are likely to default helps them manage these risks, set appropriate interest rates, and avoid financial losses.</a:t>
+            </a:r>
+          </a:p>
+          <a:p>
+            <a:pPr>
+              <a:buNone/>
+            </a:pPr>
+            <a:r>
+              <a:rPr lang="en-US" b="1" dirty="0"/>
+              <a:t>How to Solve It:</a:t>
+            </a:r>
+            <a:endParaRPr lang="en-US" dirty="0"/>
+          </a:p>
+          <a:p>
+            <a:r>
+              <a:rPr lang="en-US" dirty="0"/>
+              <a:t>We will build a </a:t>
+            </a:r>
+            <a:r>
+              <a:rPr lang="en-US" b="1" dirty="0"/>
+              <a:t>Probability of Default (PD) model</a:t>
+            </a:r>
+            <a:r>
+              <a:rPr lang="en-US" dirty="0"/>
+              <a:t> using historical loan data. This model will predict the likelihood of loan defaults based on features like loan grade, borrower income, and payment history. By doing this, we can help financial institutions make better lending decisions and reduce the risk of defaults.</a:t>
+            </a:r>
+          </a:p>
+          <a:p>
+            <a:endParaRPr lang="en-US" dirty="0"/>
+          </a:p>
+        </p:txBody>
+      </p:sp>
+    </p:spTree>
+    <p:extLst>
+      <p:ext uri="{BB962C8B-B14F-4D97-AF65-F5344CB8AC3E}">
+        <p14:creationId xmlns:p14="http://schemas.microsoft.com/office/powerpoint/2010/main" val="1094202697"/>
+      </p:ext>
+    </p:extLst>
+  </p:cSld>
+  <p:clrMapOvr>
+    <a:masterClrMapping/>
+  </p:clrMapOvr>
+</p:sld>
+</file>
+
+<file path=ppt/slides/slide3.xml><?xml version="1.0" encoding="utf-8"?>
+<p:sld xmlns:a="http://schemas.openxmlformats.org/drawingml/2006/main" xmlns:r="http://schemas.openxmlformats.org/officeDocument/2006/relationships" xmlns:p="http://schemas.openxmlformats.org/presentationml/2006/main">
+  <p:cSld>
+    <p:spTree>
+      <p:nvGrpSpPr>
+        <p:cNvPr id="1" name=""/>
+        <p:cNvGrpSpPr/>
+        <p:nvPr/>
+      </p:nvGrpSpPr>
+      <p:grpSpPr>
+        <a:xfrm>
+          <a:off x="0" y="0"/>
+          <a:ext cx="0" cy="0"/>
+          <a:chOff x="0" y="0"/>
+          <a:chExt cx="0" cy="0"/>
+        </a:xfrm>
+      </p:grpSpPr>
+      <p:sp>
+        <p:nvSpPr>
+          <p:cNvPr id="2" name="Title 1">
+            <a:extLst>
+              <a:ext uri="{FF2B5EF4-FFF2-40B4-BE49-F238E27FC236}">
+                <a16:creationId xmlns:a16="http://schemas.microsoft.com/office/drawing/2014/main" id="{ED38FB63-EDBF-C5E7-B4EE-4360F3EC0E02}"/>
+              </a:ext>
+            </a:extLst>
+          </p:cNvPr>
+          <p:cNvSpPr>
+            <a:spLocks noGrp="1"/>
+          </p:cNvSpPr>
+          <p:nvPr>
+            <p:ph type="title"/>
+          </p:nvPr>
+        </p:nvSpPr>
+        <p:spPr/>
+        <p:txBody>
+          <a:bodyPr/>
+          <a:lstStyle/>
+          <a:p>
+            <a:r>
+              <a:rPr lang="en-ID" dirty="0"/>
+              <a:t>Model Development Process:</a:t>
+            </a:r>
+          </a:p>
+        </p:txBody>
+      </p:sp>
+      <p:sp>
+        <p:nvSpPr>
+          <p:cNvPr id="3" name="Content Placeholder 2">
+            <a:extLst>
+              <a:ext uri="{FF2B5EF4-FFF2-40B4-BE49-F238E27FC236}">
+                <a16:creationId xmlns:a16="http://schemas.microsoft.com/office/drawing/2014/main" id="{B7802F0C-5102-F16F-1FA1-D8EB4E07828C}"/>
+              </a:ext>
+            </a:extLst>
+          </p:cNvPr>
+          <p:cNvSpPr>
+            <a:spLocks noGrp="1"/>
+          </p:cNvSpPr>
+          <p:nvPr>
+            <p:ph idx="1"/>
+          </p:nvPr>
+        </p:nvSpPr>
+        <p:spPr>
+          <a:xfrm>
+            <a:off x="677333" y="2160589"/>
+            <a:ext cx="10482279" cy="4299205"/>
+          </a:xfrm>
+        </p:spPr>
+        <p:txBody>
+          <a:bodyPr/>
+          <a:lstStyle/>
+          <a:p>
+            <a:r>
+              <a:rPr lang="en-US" dirty="0"/>
+              <a:t>Assumption for Missing Values in </a:t>
+            </a:r>
+            <a:r>
+              <a:rPr lang="en-US" dirty="0" err="1"/>
+              <a:t>Acc_Now_Delinq</a:t>
+            </a:r>
+            <a:r>
+              <a:rPr lang="en-US" dirty="0"/>
+              <a:t>:</a:t>
+            </a:r>
+          </a:p>
+          <a:p>
+            <a:pPr lvl="1"/>
+            <a:r>
+              <a:rPr lang="en-US" dirty="0"/>
+              <a:t>- Data Collection or Reporting Issues:</a:t>
+            </a:r>
+          </a:p>
+          <a:p>
+            <a:pPr lvl="1"/>
+            <a:r>
+              <a:rPr lang="en-ID" dirty="0"/>
+              <a:t>- </a:t>
+            </a:r>
+            <a:r>
+              <a:rPr lang="en-US" dirty="0"/>
+              <a:t>Borrower Has No Delinquent Accounts</a:t>
+            </a:r>
+          </a:p>
+          <a:p>
+            <a:pPr lvl="1"/>
+            <a:r>
+              <a:rPr lang="en-US" dirty="0"/>
+              <a:t>- </a:t>
+            </a:r>
+            <a:r>
+              <a:rPr lang="en-ID" dirty="0"/>
+              <a:t>Unreported or Not Applicable</a:t>
+            </a:r>
+          </a:p>
+          <a:p>
+            <a:r>
+              <a:rPr lang="en-ID" dirty="0"/>
+              <a:t>Feature Engineering Attempt:</a:t>
+            </a:r>
+          </a:p>
+          <a:p>
+            <a:pPr lvl="1"/>
+            <a:r>
+              <a:rPr lang="en-US" sz="1000" dirty="0"/>
+              <a:t>Dropped non-informative columns like </a:t>
+            </a:r>
+            <a:r>
+              <a:rPr lang="en-US" sz="1000" dirty="0" err="1"/>
+              <a:t>loan_id</a:t>
+            </a:r>
+            <a:r>
+              <a:rPr lang="en-US" sz="1000" dirty="0"/>
+              <a:t> to prevent unnecessary noise.</a:t>
+            </a:r>
+          </a:p>
+          <a:p>
+            <a:pPr lvl="1"/>
+            <a:r>
+              <a:rPr lang="en-US" sz="1000" dirty="0"/>
+              <a:t>Created new features such as </a:t>
+            </a:r>
+            <a:r>
+              <a:rPr lang="en-US" sz="1000" dirty="0" err="1"/>
+              <a:t>loan_to_income</a:t>
+            </a:r>
+            <a:r>
+              <a:rPr lang="en-US" sz="1000" dirty="0"/>
+              <a:t>, </a:t>
+            </a:r>
+            <a:r>
+              <a:rPr lang="en-US" sz="1000" dirty="0" err="1"/>
+              <a:t>debt_burden</a:t>
+            </a:r>
+            <a:r>
+              <a:rPr lang="en-US" sz="1000" dirty="0"/>
+              <a:t>, and term to capture financial relationships and loan characteristics.</a:t>
+            </a:r>
+          </a:p>
+          <a:p>
+            <a:pPr lvl="1"/>
+            <a:r>
+              <a:rPr lang="en-US" sz="1000" dirty="0"/>
+              <a:t>Binned numerical features like </a:t>
+            </a:r>
+            <a:r>
+              <a:rPr lang="en-US" sz="1000" dirty="0" err="1"/>
+              <a:t>annual_inc</a:t>
+            </a:r>
+            <a:r>
+              <a:rPr lang="en-US" sz="1000" dirty="0"/>
+              <a:t>, </a:t>
+            </a:r>
+            <a:r>
+              <a:rPr lang="en-US" sz="1000" dirty="0" err="1"/>
+              <a:t>int_rate</a:t>
+            </a:r>
+            <a:r>
+              <a:rPr lang="en-US" sz="1000" dirty="0"/>
+              <a:t>, and </a:t>
+            </a:r>
+            <a:r>
+              <a:rPr lang="en-US" sz="1000" dirty="0" err="1"/>
+              <a:t>emp_length_int</a:t>
+            </a:r>
+            <a:r>
+              <a:rPr lang="en-US" sz="1000" dirty="0"/>
+              <a:t> to group values into meaningful categories, aiming to capture non-linear relationships.</a:t>
+            </a:r>
+          </a:p>
+          <a:p>
+            <a:pPr lvl="1"/>
+            <a:r>
+              <a:rPr lang="en-US" sz="1000" dirty="0"/>
+              <a:t>Transformed unusual features such as </a:t>
+            </a:r>
+            <a:r>
+              <a:rPr lang="en-US" sz="1000" dirty="0" err="1"/>
+              <a:t>acc_now_delinq</a:t>
+            </a:r>
+            <a:r>
+              <a:rPr lang="en-US" sz="1000" dirty="0"/>
+              <a:t> to create a new binary feature (</a:t>
+            </a:r>
+            <a:r>
+              <a:rPr lang="en-US" sz="1000" dirty="0" err="1"/>
+              <a:t>has_delinquency</a:t>
+            </a:r>
+            <a:r>
+              <a:rPr lang="en-US" sz="1000" dirty="0"/>
+              <a:t>) to indicate whether a borrower has any delinquent accounts</a:t>
+            </a:r>
+          </a:p>
+          <a:p>
+            <a:pPr lvl="1"/>
+            <a:r>
+              <a:rPr lang="en-US" sz="1000" dirty="0"/>
+              <a:t>Simplified categorical variables like purpose to reduce noise by consolidating less common categories.</a:t>
+            </a:r>
+            <a:endParaRPr lang="en-ID" sz="1000" dirty="0"/>
+          </a:p>
+          <a:p>
+            <a:r>
+              <a:rPr lang="en-US" sz="1200" dirty="0"/>
+              <a:t>However, despite these efforts, the performance of the model did not significantly improve. The accuracy and other evaluation metrics were not as high as anticipated. This suggests that either The features created may not capture enough predictive value or The model may require more advanced techniques such as feature selection, different algorithms, or hyperparameter tuning to improve its performance</a:t>
+            </a:r>
+            <a:endParaRPr lang="en-ID" sz="1200" dirty="0"/>
+          </a:p>
+        </p:txBody>
+      </p:sp>
+    </p:spTree>
+    <p:extLst>
+      <p:ext uri="{BB962C8B-B14F-4D97-AF65-F5344CB8AC3E}">
+        <p14:creationId xmlns:p14="http://schemas.microsoft.com/office/powerpoint/2010/main" val="2646792473"/>
+      </p:ext>
+    </p:extLst>
+  </p:cSld>
+  <p:clrMapOvr>
+    <a:masterClrMapping/>
+  </p:clrMapOvr>
+</p:sld>
+</file>
+
+<file path=ppt/slides/slide4.xml><?xml version="1.0" encoding="utf-8"?>
+<p:sld xmlns:a="http://schemas.openxmlformats.org/drawingml/2006/main" xmlns:r="http://schemas.openxmlformats.org/officeDocument/2006/relationships" xmlns:p="http://schemas.openxmlformats.org/presentationml/2006/main">
+  <p:cSld>
+    <p:spTree>
+      <p:nvGrpSpPr>
+        <p:cNvPr id="1" name=""/>
+        <p:cNvGrpSpPr/>
+        <p:nvPr/>
+      </p:nvGrpSpPr>
+      <p:grpSpPr>
+        <a:xfrm>
+          <a:off x="0" y="0"/>
+          <a:ext cx="0" cy="0"/>
+          <a:chOff x="0" y="0"/>
+          <a:chExt cx="0" cy="0"/>
+        </a:xfrm>
+      </p:grpSpPr>
+      <p:sp>
+        <p:nvSpPr>
+          <p:cNvPr id="2" name="Title 1">
+            <a:extLst>
+              <a:ext uri="{FF2B5EF4-FFF2-40B4-BE49-F238E27FC236}">
+                <a16:creationId xmlns:a16="http://schemas.microsoft.com/office/drawing/2014/main" id="{E877A2E8-C5DC-FBB8-B004-E633654DE658}"/>
+              </a:ext>
+            </a:extLst>
+          </p:cNvPr>
+          <p:cNvSpPr>
+            <a:spLocks noGrp="1"/>
+          </p:cNvSpPr>
+          <p:nvPr>
+            <p:ph type="title"/>
+          </p:nvPr>
+        </p:nvSpPr>
+        <p:spPr/>
+        <p:txBody>
+          <a:bodyPr/>
+          <a:lstStyle/>
+          <a:p>
+            <a:r>
+              <a:rPr lang="en-US" dirty="0"/>
+              <a:t>Model Selection Process</a:t>
+            </a:r>
+            <a:endParaRPr lang="en-ID" dirty="0"/>
+          </a:p>
+        </p:txBody>
+      </p:sp>
+      <p:sp>
+        <p:nvSpPr>
+          <p:cNvPr id="3" name="Content Placeholder 2">
+            <a:extLst>
+              <a:ext uri="{FF2B5EF4-FFF2-40B4-BE49-F238E27FC236}">
+                <a16:creationId xmlns:a16="http://schemas.microsoft.com/office/drawing/2014/main" id="{7337E1E0-0D93-2DEB-E5B4-CD04A885D7D0}"/>
+              </a:ext>
+            </a:extLst>
+          </p:cNvPr>
+          <p:cNvSpPr>
+            <a:spLocks noGrp="1"/>
+          </p:cNvSpPr>
+          <p:nvPr>
+            <p:ph idx="1"/>
+          </p:nvPr>
+        </p:nvSpPr>
+        <p:spPr/>
+        <p:txBody>
+          <a:bodyPr>
+            <a:normAutofit lnSpcReduction="10000"/>
+          </a:bodyPr>
+          <a:lstStyle/>
+          <a:p>
+            <a:r>
+              <a:rPr lang="en-ID" dirty="0"/>
+              <a:t>Logistic Regression:</a:t>
+            </a:r>
+          </a:p>
+          <a:p>
+            <a:pPr lvl="1"/>
+            <a:r>
+              <a:rPr lang="en-US" dirty="0"/>
+              <a:t>Chosen as a simple, baseline model. It’s easy to interpret and gives us a starting point to compare with other, more complex models.</a:t>
+            </a:r>
+            <a:endParaRPr lang="en-ID" dirty="0"/>
+          </a:p>
+          <a:p>
+            <a:r>
+              <a:rPr lang="en-ID" dirty="0"/>
+              <a:t>Random Forest: </a:t>
+            </a:r>
+          </a:p>
+          <a:p>
+            <a:pPr lvl="1"/>
+            <a:r>
+              <a:rPr lang="en-US" dirty="0"/>
+              <a:t>A strong model that works well with both numerical and categorical data. It’s less prone to overfitting and is good at handling complex relationships in the data.</a:t>
+            </a:r>
+            <a:endParaRPr lang="en-ID" dirty="0"/>
+          </a:p>
+          <a:p>
+            <a:r>
+              <a:rPr lang="en-ID" dirty="0" err="1"/>
+              <a:t>XGBoost</a:t>
+            </a:r>
+            <a:r>
+              <a:rPr lang="en-ID" dirty="0"/>
+              <a:t>:</a:t>
+            </a:r>
+          </a:p>
+          <a:p>
+            <a:pPr lvl="1"/>
+            <a:r>
+              <a:rPr lang="en-US" dirty="0"/>
+              <a:t>Known for its high performance, especially with structured data. It’s great at capturing complex patterns and tends to perform better than simpler models like Logistic Regression.</a:t>
+            </a:r>
+            <a:endParaRPr lang="en-ID" dirty="0"/>
+          </a:p>
+          <a:p>
+            <a:r>
+              <a:rPr lang="en-ID" dirty="0"/>
+              <a:t>Metrics : F1 Score Macro : </a:t>
+            </a:r>
+            <a:r>
+              <a:rPr lang="en-US"/>
+              <a:t>helpful when dealing with </a:t>
+            </a:r>
+            <a:r>
+              <a:rPr lang="en-US" b="1"/>
+              <a:t>imbalanced datasets</a:t>
+            </a:r>
+            <a:r>
+              <a:rPr lang="en-US"/>
+              <a:t>, where one class (like non-default loans) is more frequent than the other (default loans)</a:t>
+            </a:r>
+            <a:endParaRPr lang="en-ID" dirty="0"/>
+          </a:p>
+          <a:p>
+            <a:endParaRPr lang="en-ID" dirty="0"/>
+          </a:p>
+        </p:txBody>
+      </p:sp>
+    </p:spTree>
+    <p:extLst>
+      <p:ext uri="{BB962C8B-B14F-4D97-AF65-F5344CB8AC3E}">
+        <p14:creationId xmlns:p14="http://schemas.microsoft.com/office/powerpoint/2010/main" val="1688670362"/>
+      </p:ext>
+    </p:extLst>
+  </p:cSld>
+  <p:clrMapOvr>
+    <a:masterClrMapping/>
+  </p:clrMapOvr>
+</p:sld>
+</file>
+
+<file path=ppt/slides/slide5.xml><?xml version="1.0" encoding="utf-8"?>
+<p:sld xmlns:a="http://schemas.openxmlformats.org/drawingml/2006/main" xmlns:r="http://schemas.openxmlformats.org/officeDocument/2006/relationships" xmlns:p="http://schemas.openxmlformats.org/presentationml/2006/main">
+  <p:cSld>
+    <p:spTree>
+      <p:nvGrpSpPr>
+        <p:cNvPr id="1" name=""/>
+        <p:cNvGrpSpPr/>
+        <p:nvPr/>
+      </p:nvGrpSpPr>
+      <p:grpSpPr>
+        <a:xfrm>
+          <a:off x="0" y="0"/>
+          <a:ext cx="0" cy="0"/>
+          <a:chOff x="0" y="0"/>
+          <a:chExt cx="0" cy="0"/>
+        </a:xfrm>
+      </p:grpSpPr>
+      <p:sp>
+        <p:nvSpPr>
+          <p:cNvPr id="2" name="Title 1">
+            <a:extLst>
+              <a:ext uri="{FF2B5EF4-FFF2-40B4-BE49-F238E27FC236}">
+                <a16:creationId xmlns:a16="http://schemas.microsoft.com/office/drawing/2014/main" id="{87D20E4F-DDDA-C30C-ED52-9B32E9B86D96}"/>
+              </a:ext>
+            </a:extLst>
+          </p:cNvPr>
+          <p:cNvSpPr>
+            <a:spLocks noGrp="1"/>
+          </p:cNvSpPr>
+          <p:nvPr>
+            <p:ph type="title"/>
+          </p:nvPr>
+        </p:nvSpPr>
+        <p:spPr/>
+        <p:txBody>
+          <a:bodyPr/>
+          <a:lstStyle/>
+          <a:p>
+            <a:r>
+              <a:rPr lang="en-US" dirty="0"/>
+              <a:t>Model Selection Process</a:t>
+            </a:r>
+            <a:endParaRPr lang="en-ID" dirty="0"/>
+          </a:p>
+        </p:txBody>
+      </p:sp>
+      <p:sp>
+        <p:nvSpPr>
+          <p:cNvPr id="3" name="Content Placeholder 2">
+            <a:extLst>
+              <a:ext uri="{FF2B5EF4-FFF2-40B4-BE49-F238E27FC236}">
+                <a16:creationId xmlns:a16="http://schemas.microsoft.com/office/drawing/2014/main" id="{46EB3FE8-B63D-34C3-D943-7546599D2A3C}"/>
+              </a:ext>
+            </a:extLst>
+          </p:cNvPr>
+          <p:cNvSpPr>
+            <a:spLocks noGrp="1"/>
+          </p:cNvSpPr>
+          <p:nvPr>
+            <p:ph idx="1"/>
+          </p:nvPr>
+        </p:nvSpPr>
+        <p:spPr>
+          <a:xfrm>
+            <a:off x="677333" y="1327355"/>
+            <a:ext cx="10698589" cy="5530645"/>
+          </a:xfrm>
+        </p:spPr>
+        <p:txBody>
+          <a:bodyPr/>
+          <a:lstStyle/>
+          <a:p>
+            <a:r>
+              <a:rPr lang="en-US" dirty="0"/>
+              <a:t>Error Rate</a:t>
+            </a:r>
+          </a:p>
+          <a:p>
+            <a:pPr lvl="1"/>
+            <a:r>
+              <a:rPr lang="en-ID" dirty="0"/>
+              <a:t>Logistic Regression:</a:t>
+            </a:r>
+          </a:p>
+          <a:p>
+            <a:pPr lvl="2"/>
+            <a:r>
+              <a:rPr lang="en-ID" b="1" dirty="0"/>
+              <a:t>Train Score (F1)</a:t>
+            </a:r>
+            <a:r>
+              <a:rPr lang="en-ID" dirty="0"/>
+              <a:t>: 0.548;</a:t>
+            </a:r>
+            <a:r>
+              <a:rPr lang="en-ID" b="1" dirty="0"/>
+              <a:t> Valid Score (F1)</a:t>
+            </a:r>
+            <a:r>
+              <a:rPr lang="en-ID" dirty="0"/>
+              <a:t>: 0.545</a:t>
+            </a:r>
+          </a:p>
+          <a:p>
+            <a:pPr lvl="2"/>
+            <a:r>
+              <a:rPr lang="en-US" dirty="0"/>
+              <a:t>The error rate can be inferred from the F1 scores. Since the train and valid F1 scores are close, it indicates that the model generalizes well, but with moderate error.</a:t>
+            </a:r>
+            <a:r>
+              <a:rPr lang="en-ID" dirty="0"/>
+              <a:t> </a:t>
+            </a:r>
+          </a:p>
+          <a:p>
+            <a:pPr lvl="2"/>
+            <a:r>
+              <a:rPr lang="en-US" dirty="0"/>
+              <a:t>The error rate here is relatively low but not the best compared to other models.</a:t>
+            </a:r>
+            <a:endParaRPr lang="en-ID" dirty="0"/>
+          </a:p>
+          <a:p>
+            <a:pPr lvl="1"/>
+            <a:r>
+              <a:rPr lang="en-ID" dirty="0"/>
+              <a:t>Random Forest: </a:t>
+            </a:r>
+          </a:p>
+          <a:p>
+            <a:pPr lvl="2"/>
+            <a:r>
+              <a:rPr lang="en-ID" b="1" dirty="0"/>
+              <a:t>Train Score (F1)</a:t>
+            </a:r>
+            <a:r>
+              <a:rPr lang="en-ID" dirty="0"/>
+              <a:t>: 0.797;</a:t>
+            </a:r>
+            <a:r>
+              <a:rPr lang="en-ID" b="1" dirty="0"/>
+              <a:t> Valid Score (F1)</a:t>
+            </a:r>
+            <a:r>
+              <a:rPr lang="en-ID" dirty="0"/>
+              <a:t>: 0.590</a:t>
+            </a:r>
+          </a:p>
+          <a:p>
+            <a:pPr lvl="2"/>
+            <a:r>
+              <a:rPr lang="en-US" dirty="0"/>
+              <a:t>The large gap between the train and validation F1 scores suggests </a:t>
+            </a:r>
+            <a:r>
+              <a:rPr lang="en-US" b="1" dirty="0"/>
+              <a:t>overfitting</a:t>
+            </a:r>
+            <a:r>
+              <a:rPr lang="en-US" dirty="0"/>
+              <a:t>. The model performs very well on training data but struggles on validation data.</a:t>
+            </a:r>
+            <a:endParaRPr lang="en-ID" dirty="0"/>
+          </a:p>
+          <a:p>
+            <a:pPr lvl="2"/>
+            <a:r>
+              <a:rPr lang="en-US" dirty="0"/>
+              <a:t>The </a:t>
+            </a:r>
+            <a:r>
+              <a:rPr lang="en-US" b="1" dirty="0"/>
+              <a:t>error rate</a:t>
+            </a:r>
+            <a:r>
+              <a:rPr lang="en-US" dirty="0"/>
+              <a:t> on validation data is higher compared to Logistic Regression, indicating that the model has trouble generalizing to unseen data.</a:t>
+            </a:r>
+            <a:endParaRPr lang="en-ID" dirty="0"/>
+          </a:p>
+          <a:p>
+            <a:pPr lvl="1"/>
+            <a:r>
+              <a:rPr lang="en-ID" dirty="0" err="1"/>
+              <a:t>XGBoost</a:t>
+            </a:r>
+            <a:r>
+              <a:rPr lang="en-ID" dirty="0"/>
+              <a:t>:</a:t>
+            </a:r>
+          </a:p>
+          <a:p>
+            <a:pPr lvl="2"/>
+            <a:r>
+              <a:rPr lang="en-ID" b="1" dirty="0"/>
+              <a:t>Train Score (F1)</a:t>
+            </a:r>
+            <a:r>
+              <a:rPr lang="en-ID" dirty="0"/>
+              <a:t>: 0.999;</a:t>
+            </a:r>
+            <a:r>
+              <a:rPr lang="en-ID" b="1" dirty="0"/>
+              <a:t> Valid Score (F1)</a:t>
+            </a:r>
+            <a:r>
+              <a:rPr lang="en-ID" dirty="0"/>
+              <a:t>: 0.522</a:t>
+            </a:r>
+          </a:p>
+          <a:p>
+            <a:pPr lvl="2"/>
+            <a:r>
+              <a:rPr lang="en-US" dirty="0"/>
+              <a:t>The very high train F1 score indicates </a:t>
+            </a:r>
+            <a:r>
+              <a:rPr lang="en-US" b="1" dirty="0"/>
+              <a:t>overfitting</a:t>
+            </a:r>
+            <a:r>
+              <a:rPr lang="en-US" dirty="0"/>
+              <a:t>, as the model performs nearly perfectly on training data.</a:t>
+            </a:r>
+            <a:endParaRPr lang="en-ID" dirty="0"/>
+          </a:p>
+          <a:p>
+            <a:pPr lvl="2"/>
+            <a:r>
+              <a:rPr lang="en-US" dirty="0"/>
+              <a:t>The </a:t>
+            </a:r>
+            <a:r>
+              <a:rPr lang="en-US" b="1" dirty="0"/>
+              <a:t>error rate</a:t>
+            </a:r>
+            <a:r>
+              <a:rPr lang="en-US" dirty="0"/>
+              <a:t> on validation data is higher, suggesting that </a:t>
+            </a:r>
+            <a:r>
+              <a:rPr lang="en-US" dirty="0" err="1"/>
+              <a:t>XGBoost</a:t>
+            </a:r>
+            <a:r>
+              <a:rPr lang="en-US" dirty="0"/>
+              <a:t> struggles to generalize well, even though it fits the training data very closely.</a:t>
+            </a:r>
+          </a:p>
+          <a:p>
+            <a:endParaRPr lang="en-ID" dirty="0"/>
+          </a:p>
+        </p:txBody>
+      </p:sp>
+    </p:spTree>
+    <p:extLst>
+      <p:ext uri="{BB962C8B-B14F-4D97-AF65-F5344CB8AC3E}">
+        <p14:creationId xmlns:p14="http://schemas.microsoft.com/office/powerpoint/2010/main" val="4156137565"/>
+      </p:ext>
+    </p:extLst>
+  </p:cSld>
+  <p:clrMapOvr>
+    <a:masterClrMapping/>
+  </p:clrMapOvr>
+</p:sld>
+</file>
+
+<file path=ppt/slides/slide6.xml><?xml version="1.0" encoding="utf-8"?>
+<p:sld xmlns:a="http://schemas.openxmlformats.org/drawingml/2006/main" xmlns:r="http://schemas.openxmlformats.org/officeDocument/2006/relationships" xmlns:p="http://schemas.openxmlformats.org/presentationml/2006/main">
+  <p:cSld>
+    <p:spTree>
+      <p:nvGrpSpPr>
+        <p:cNvPr id="1" name=""/>
+        <p:cNvGrpSpPr/>
+        <p:nvPr/>
+      </p:nvGrpSpPr>
+      <p:grpSpPr>
+        <a:xfrm>
+          <a:off x="0" y="0"/>
+          <a:ext cx="0" cy="0"/>
+          <a:chOff x="0" y="0"/>
+          <a:chExt cx="0" cy="0"/>
+        </a:xfrm>
+      </p:grpSpPr>
+      <p:sp>
+        <p:nvSpPr>
+          <p:cNvPr id="2" name="Title 1">
+            <a:extLst>
+              <a:ext uri="{FF2B5EF4-FFF2-40B4-BE49-F238E27FC236}">
+                <a16:creationId xmlns:a16="http://schemas.microsoft.com/office/drawing/2014/main" id="{A23DB259-751A-0C75-87B9-27DF3F5C151C}"/>
+              </a:ext>
+            </a:extLst>
+          </p:cNvPr>
+          <p:cNvSpPr>
+            <a:spLocks noGrp="1"/>
+          </p:cNvSpPr>
+          <p:nvPr>
+            <p:ph type="title"/>
+          </p:nvPr>
+        </p:nvSpPr>
+        <p:spPr>
+          <a:xfrm>
+            <a:off x="677334" y="609600"/>
+            <a:ext cx="8596668" cy="668594"/>
+          </a:xfrm>
+        </p:spPr>
+        <p:txBody>
+          <a:bodyPr/>
+          <a:lstStyle/>
+          <a:p>
+            <a:r>
+              <a:rPr lang="en-ID" dirty="0"/>
+              <a:t>Final Model &amp; Conclusion</a:t>
+            </a:r>
+          </a:p>
+        </p:txBody>
+      </p:sp>
+      <p:sp>
+        <p:nvSpPr>
+          <p:cNvPr id="3" name="Content Placeholder 2">
+            <a:extLst>
+              <a:ext uri="{FF2B5EF4-FFF2-40B4-BE49-F238E27FC236}">
+                <a16:creationId xmlns:a16="http://schemas.microsoft.com/office/drawing/2014/main" id="{730D736A-6A1B-3FAE-CF8C-9791B0D8C112}"/>
+              </a:ext>
+            </a:extLst>
+          </p:cNvPr>
+          <p:cNvSpPr>
+            <a:spLocks noGrp="1"/>
+          </p:cNvSpPr>
+          <p:nvPr>
+            <p:ph idx="1"/>
+          </p:nvPr>
+        </p:nvSpPr>
+        <p:spPr>
+          <a:xfrm>
+            <a:off x="677333" y="1209368"/>
+            <a:ext cx="11082047" cy="5447071"/>
+          </a:xfrm>
+        </p:spPr>
+        <p:txBody>
+          <a:bodyPr/>
+          <a:lstStyle/>
+          <a:p>
+            <a:r>
+              <a:rPr lang="en-ID" dirty="0"/>
+              <a:t>Final Model Chosen:</a:t>
+            </a:r>
+          </a:p>
+          <a:p>
+            <a:pPr lvl="1"/>
+            <a:r>
+              <a:rPr lang="en-US" dirty="0"/>
+              <a:t>Random Forest was selected as the final model due to its strong performance, despite some overfitting.</a:t>
+            </a:r>
+            <a:endParaRPr lang="en-ID" dirty="0"/>
+          </a:p>
+          <a:p>
+            <a:r>
+              <a:rPr lang="en-ID" dirty="0"/>
+              <a:t>Key Features &amp; Importance:</a:t>
+            </a:r>
+          </a:p>
+          <a:p>
+            <a:pPr lvl="1"/>
+            <a:r>
+              <a:rPr lang="en-ID" dirty="0" err="1"/>
+              <a:t>int_rate</a:t>
+            </a:r>
+            <a:r>
+              <a:rPr lang="en-ID" dirty="0"/>
+              <a:t>: 0.1852; </a:t>
+            </a:r>
+            <a:r>
+              <a:rPr lang="en-ID" dirty="0" err="1"/>
+              <a:t>dti</a:t>
+            </a:r>
+            <a:r>
+              <a:rPr lang="en-ID" dirty="0"/>
+              <a:t>: 0.1320;</a:t>
+            </a:r>
+            <a:r>
+              <a:rPr lang="en-US" dirty="0"/>
+              <a:t> </a:t>
+            </a:r>
+            <a:r>
+              <a:rPr lang="en-US" dirty="0" err="1"/>
+              <a:t>mths_since_issue_d</a:t>
+            </a:r>
+            <a:r>
+              <a:rPr lang="en-US" dirty="0"/>
+              <a:t>: 0.1317M</a:t>
+            </a:r>
+            <a:endParaRPr lang="en-ID" dirty="0"/>
+          </a:p>
+          <a:p>
+            <a:r>
+              <a:rPr lang="en-ID" dirty="0"/>
+              <a:t>Model Performance:</a:t>
+            </a:r>
+          </a:p>
+          <a:p>
+            <a:pPr lvl="1"/>
+            <a:r>
+              <a:rPr lang="en-ID" dirty="0"/>
+              <a:t>Precision per class: Class 0 (Default): 0.31; Class 1 (Non-default): 0.89; Macro </a:t>
+            </a:r>
+            <a:r>
+              <a:rPr lang="en-ID" dirty="0" err="1"/>
+              <a:t>Avg</a:t>
+            </a:r>
+            <a:r>
+              <a:rPr lang="en-ID" dirty="0"/>
+              <a:t>: 0.60; Weighted </a:t>
+            </a:r>
+            <a:r>
+              <a:rPr lang="en-ID" dirty="0" err="1"/>
+              <a:t>Avg</a:t>
+            </a:r>
+            <a:r>
+              <a:rPr lang="en-ID" dirty="0"/>
+              <a:t>: 0.81</a:t>
+            </a:r>
+          </a:p>
+          <a:p>
+            <a:pPr lvl="1"/>
+            <a:r>
+              <a:rPr lang="en-ID" dirty="0"/>
+              <a:t>Recall per class: Class 0 (Default): 0.39; Class 1 (Non-default): 0.86; Macro </a:t>
+            </a:r>
+            <a:r>
+              <a:rPr lang="en-ID" dirty="0" err="1"/>
+              <a:t>Avg</a:t>
+            </a:r>
+            <a:r>
+              <a:rPr lang="en-ID" dirty="0"/>
+              <a:t>: 0.62; Weighted </a:t>
+            </a:r>
+            <a:r>
+              <a:rPr lang="en-ID" dirty="0" err="1"/>
+              <a:t>Avg</a:t>
+            </a:r>
+            <a:r>
+              <a:rPr lang="en-ID" dirty="0"/>
+              <a:t>: 0.79</a:t>
+            </a:r>
+          </a:p>
+          <a:p>
+            <a:pPr lvl="1"/>
+            <a:r>
+              <a:rPr lang="en-ID" dirty="0"/>
+              <a:t>F1-Score per class: Class 0 (Default): 0.34; Class 1 (Non-default): 0.87; Macro </a:t>
+            </a:r>
+            <a:r>
+              <a:rPr lang="en-ID" dirty="0" err="1"/>
+              <a:t>Avg</a:t>
+            </a:r>
+            <a:r>
+              <a:rPr lang="en-ID" dirty="0"/>
+              <a:t>: 0.61; Weighted </a:t>
+            </a:r>
+            <a:r>
+              <a:rPr lang="en-ID" dirty="0" err="1"/>
+              <a:t>Avg</a:t>
+            </a:r>
+            <a:r>
+              <a:rPr lang="en-ID" dirty="0"/>
+              <a:t>: 0.80</a:t>
+            </a:r>
+          </a:p>
+          <a:p>
+            <a:r>
+              <a:rPr lang="en-US" dirty="0"/>
+              <a:t>Random Forest performed well overall with strong precision and recall for non-default loans (Class 1), but there's a trade-off in detecting defaults (Class 0), as its performance for this class is lower</a:t>
+            </a:r>
+          </a:p>
+          <a:p>
+            <a:r>
+              <a:rPr lang="en-US" dirty="0"/>
+              <a:t>The model has a solid weighted average F1 score of 0.80, indicating good performance across both classes, but further improvements can be made, especially for predicting defaults (Class 0).</a:t>
+            </a:r>
+          </a:p>
+          <a:p>
+            <a:r>
+              <a:rPr lang="en-US" dirty="0"/>
+              <a:t>Important features like interest rate, debt-to-income ratio, and annual income play a major role in predicting loan defaults.</a:t>
+            </a:r>
+            <a:br>
+              <a:rPr lang="en-ID" dirty="0"/>
+            </a:br>
+            <a:endParaRPr lang="en-ID" dirty="0"/>
+          </a:p>
+        </p:txBody>
+      </p:sp>
+    </p:spTree>
+    <p:extLst>
+      <p:ext uri="{BB962C8B-B14F-4D97-AF65-F5344CB8AC3E}">
+        <p14:creationId xmlns:p14="http://schemas.microsoft.com/office/powerpoint/2010/main" val="3419387760"/>
+      </p:ext>
+    </p:extLst>
+  </p:cSld>
+  <p:clrMapOvr>
+    <a:masterClrMapping/>
+  </p:clrMapOvr>
+</p:sld>
+</file>
+
 <file path=ppt/theme/theme1.xml><?xml version="1.0" encoding="utf-8"?>
-<a:theme xmlns:a="http://schemas.openxmlformats.org/drawingml/2006/main" name="Office Theme">
+<a:theme xmlns:a="http://schemas.openxmlformats.org/drawingml/2006/main" name="Facet">
   <a:themeElements>
-    <a:clrScheme name="Office">
+    <a:clrScheme name="Facet">
       <a:dk1>
         <a:sysClr val="windowText" lastClr="000000"/>
       </a:dk1>
@@ -3416,52 +6915,52 @@
         <a:sysClr val="window" lastClr="FFFFFF"/>
       </a:lt1>
       <a:dk2>
-        <a:srgbClr val="44546A"/>
+        <a:srgbClr val="2C3C43"/>
       </a:dk2>
       <a:lt2>
-        <a:srgbClr val="E7E6E6"/>
+        <a:srgbClr val="EBEBEB"/>
       </a:lt2>
       <a:accent1>
-        <a:srgbClr val="4472C4"/>
+        <a:srgbClr val="90C226"/>
       </a:accent1>
       <a:accent2>
-        <a:srgbClr val="ED7D31"/>
+        <a:srgbClr val="54A021"/>
       </a:accent2>
       <a:accent3>
-        <a:srgbClr val="A5A5A5"/>
+        <a:srgbClr val="E6B91E"/>
       </a:accent3>
       <a:accent4>
-        <a:srgbClr val="FFC000"/>
+        <a:srgbClr val="E76618"/>
       </a:accent4>
       <a:accent5>
-        <a:srgbClr val="5B9BD5"/>
+        <a:srgbClr val="C42F1A"/>
       </a:accent5>
       <a:accent6>
-        <a:srgbClr val="70AD47"/>
+        <a:srgbClr val="918655"/>
       </a:accent6>
       <a:hlink>
-        <a:srgbClr val="0563C1"/>
+        <a:srgbClr val="99CA3C"/>
       </a:hlink>
       <a:folHlink>
-        <a:srgbClr val="954F72"/>
+        <a:srgbClr val="B9D181"/>
       </a:folHlink>
     </a:clrScheme>
-    <a:fontScheme name="Office">
+    <a:fontScheme name="Facet">
       <a:majorFont>
-        <a:latin typeface="Calibri Light" panose="020F0302020204030204"/>
+        <a:latin typeface="Trebuchet MS" panose="020B0603020202020204"/>
         <a:ea typeface=""/>
         <a:cs typeface=""/>
-        <a:font script="Jpan" typeface="游ゴシック Light"/>
+        <a:font script="Jpan" typeface="メイリオ"/>
         <a:font script="Hang" typeface="맑은 고딕"/>
-        <a:font script="Hans" typeface="等线 Light"/>
-        <a:font script="Hant" typeface="新細明體"/>
-        <a:font script="Arab" typeface="Times New Roman"/>
-        <a:font script="Hebr" typeface="Times New Roman"/>
-        <a:font script="Thai" typeface="Angsana New"/>
+        <a:font script="Hans" typeface="方正姚体"/>
+        <a:font script="Hant" typeface="微軟正黑體"/>
+        <a:font script="Arab" typeface="Tahoma"/>
+        <a:font script="Hebr" typeface="Arial"/>
+        <a:font script="Thai" typeface="Cordia New"/>
         <a:font script="Ethi" typeface="Nyala"/>
         <a:font script="Beng" typeface="Vrinda"/>
         <a:font script="Gujr" typeface="Shruti"/>
-        <a:font script="Khmr" typeface="MoolBoran"/>
+        <a:font script="Khmr" typeface="DaunPenh"/>
         <a:font script="Knda" typeface="Tunga"/>
         <a:font script="Guru" typeface="Raavi"/>
         <a:font script="Cans" typeface="Euphemia"/>
@@ -3478,38 +6977,21 @@
         <a:font script="Laoo" typeface="DokChampa"/>
         <a:font script="Sinh" typeface="Iskoola Pota"/>
         <a:font script="Mong" typeface="Mongolian Baiti"/>
-        <a:font script="Viet" typeface="Times New Roman"/>
+        <a:font script="Viet" typeface="Tahoma"/>
         <a:font script="Uigh" typeface="Microsoft Uighur"/>
         <a:font script="Geor" typeface="Sylfaen"/>
-        <a:font script="Armn" typeface="Arial"/>
-        <a:font script="Bugi" typeface="Leelawadee UI"/>
-        <a:font script="Bopo" typeface="Microsoft JhengHei"/>
-        <a:font script="Java" typeface="Javanese Text"/>
-        <a:font script="Lisu" typeface="Segoe UI"/>
-        <a:font script="Mymr" typeface="Myanmar Text"/>
-        <a:font script="Nkoo" typeface="Ebrima"/>
-        <a:font script="Olck" typeface="Nirmala UI"/>
-        <a:font script="Osma" typeface="Ebrima"/>
-        <a:font script="Phag" typeface="Phagspa"/>
-        <a:font script="Syrn" typeface="Estrangelo Edessa"/>
-        <a:font script="Syrj" typeface="Estrangelo Edessa"/>
-        <a:font script="Syre" typeface="Estrangelo Edessa"/>
-        <a:font script="Sora" typeface="Nirmala UI"/>
-        <a:font script="Tale" typeface="Microsoft Tai Le"/>
-        <a:font script="Talu" typeface="Microsoft New Tai Lue"/>
-        <a:font script="Tfng" typeface="Ebrima"/>
       </a:majorFont>
       <a:minorFont>
-        <a:latin typeface="Calibri" panose="020F0502020204030204"/>
+        <a:latin typeface="Trebuchet MS" panose="020B0603020202020204"/>
         <a:ea typeface=""/>
         <a:cs typeface=""/>
-        <a:font script="Jpan" typeface="游ゴシック"/>
-        <a:font script="Hang" typeface="맑은 고딕"/>
-        <a:font script="Hans" typeface="等线"/>
-        <a:font script="Hant" typeface="新細明體"/>
-        <a:font script="Arab" typeface="Arial"/>
-        <a:font script="Hebr" typeface="Arial"/>
-        <a:font script="Thai" typeface="Cordia New"/>
+        <a:font script="Jpan" typeface="メイリオ"/>
+        <a:font script="Hang" typeface="HY그래픽M"/>
+        <a:font script="Hans" typeface="华文新魏"/>
+        <a:font script="Hant" typeface="微軟正黑體"/>
+        <a:font script="Arab" typeface="Tahoma"/>
+        <a:font script="Hebr" typeface="Gisha"/>
+        <a:font script="Thai" typeface="IrisUPC"/>
         <a:font script="Ethi" typeface="Nyala"/>
         <a:font script="Beng" typeface="Vrinda"/>
         <a:font script="Gujr" typeface="Shruti"/>
@@ -3533,26 +7015,9 @@
         <a:font script="Viet" typeface="Arial"/>
         <a:font script="Uigh" typeface="Microsoft Uighur"/>
         <a:font script="Geor" typeface="Sylfaen"/>
-        <a:font script="Armn" typeface="Arial"/>
-        <a:font script="Bugi" typeface="Leelawadee UI"/>
-        <a:font script="Bopo" typeface="Microsoft JhengHei"/>
-        <a:font script="Java" typeface="Javanese Text"/>
-        <a:font script="Lisu" typeface="Segoe UI"/>
-        <a:font script="Mymr" typeface="Myanmar Text"/>
-        <a:font script="Nkoo" typeface="Ebrima"/>
-        <a:font script="Olck" typeface="Nirmala UI"/>
-        <a:font script="Osma" typeface="Ebrima"/>
-        <a:font script="Phag" typeface="Phagspa"/>
-        <a:font script="Syrn" typeface="Estrangelo Edessa"/>
-        <a:font script="Syrj" typeface="Estrangelo Edessa"/>
-        <a:font script="Syre" typeface="Estrangelo Edessa"/>
-        <a:font script="Sora" typeface="Nirmala UI"/>
-        <a:font script="Tale" typeface="Microsoft Tai Le"/>
-        <a:font script="Talu" typeface="Microsoft New Tai Lue"/>
-        <a:font script="Tfng" typeface="Ebrima"/>
       </a:minorFont>
     </a:fontScheme>
-    <a:fmtScheme name="Office">
+    <a:fmtScheme name="Facet">
       <a:fillStyleLst>
         <a:solidFill>
           <a:schemeClr val="phClr"/>
@@ -3561,23 +7026,13 @@
           <a:gsLst>
             <a:gs pos="0">
               <a:schemeClr val="phClr">
+                <a:tint val="65000"/>
                 <a:lumMod val="110000"/>
-                <a:satMod val="105000"/>
-                <a:tint val="67000"/>
               </a:schemeClr>
             </a:gs>
-            <a:gs pos="50000">
+            <a:gs pos="88000">
               <a:schemeClr val="phClr">
-                <a:lumMod val="105000"/>
-                <a:satMod val="103000"/>
-                <a:tint val="73000"/>
-              </a:schemeClr>
-            </a:gs>
-            <a:gs pos="100000">
-              <a:schemeClr val="phClr">
-                <a:lumMod val="105000"/>
-                <a:satMod val="109000"/>
-                <a:tint val="81000"/>
+                <a:tint val="90000"/>
               </a:schemeClr>
             </a:gs>
           </a:gsLst>
@@ -3587,23 +7042,14 @@
           <a:gsLst>
             <a:gs pos="0">
               <a:schemeClr val="phClr">
-                <a:satMod val="103000"/>
-                <a:lumMod val="102000"/>
-                <a:tint val="94000"/>
+                <a:tint val="96000"/>
+                <a:lumMod val="100000"/>
               </a:schemeClr>
             </a:gs>
-            <a:gs pos="50000">
+            <a:gs pos="78000">
               <a:schemeClr val="phClr">
-                <a:satMod val="110000"/>
-                <a:lumMod val="100000"/>
-                <a:shade val="100000"/>
-              </a:schemeClr>
-            </a:gs>
-            <a:gs pos="100000">
-              <a:schemeClr val="phClr">
-                <a:lumMod val="99000"/>
-                <a:satMod val="120000"/>
-                <a:shade val="78000"/>
+                <a:shade val="94000"/>
+                <a:lumMod val="94000"/>
               </a:schemeClr>
             </a:gs>
           </a:gsLst>
@@ -3611,26 +7057,23 @@
         </a:gradFill>
       </a:fillStyleLst>
       <a:lnStyleLst>
-        <a:ln w="6350" cap="flat" cmpd="sng" algn="ctr">
+        <a:ln w="12700" cap="rnd" cmpd="sng" algn="ctr">
           <a:solidFill>
             <a:schemeClr val="phClr"/>
           </a:solidFill>
           <a:prstDash val="solid"/>
-          <a:miter lim="800000"/>
         </a:ln>
-        <a:ln w="12700" cap="flat" cmpd="sng" algn="ctr">
+        <a:ln w="19050" cap="rnd" cmpd="sng" algn="ctr">
           <a:solidFill>
             <a:schemeClr val="phClr"/>
           </a:solidFill>
           <a:prstDash val="solid"/>
-          <a:miter lim="800000"/>
         </a:ln>
-        <a:ln w="19050" cap="flat" cmpd="sng" algn="ctr">
+        <a:ln w="25400" cap="rnd" cmpd="sng" algn="ctr">
           <a:solidFill>
             <a:schemeClr val="phClr"/>
           </a:solidFill>
           <a:prstDash val="solid"/>
-          <a:miter lim="800000"/>
         </a:ln>
       </a:lnStyleLst>
       <a:effectStyleLst>
@@ -3638,54 +7081,72 @@
           <a:effectLst/>
         </a:effectStyle>
         <a:effectStyle>
-          <a:effectLst/>
+          <a:effectLst>
+            <a:outerShdw blurRad="38100" dist="25400" dir="5400000" rotWithShape="0">
+              <a:srgbClr val="000000">
+                <a:alpha val="35000"/>
+              </a:srgbClr>
+            </a:outerShdw>
+          </a:effectLst>
         </a:effectStyle>
         <a:effectStyle>
           <a:effectLst>
-            <a:outerShdw blurRad="57150" dist="19050" dir="5400000" algn="ctr" rotWithShape="0">
+            <a:outerShdw blurRad="50800" dist="38100" dir="5400000" rotWithShape="0">
               <a:srgbClr val="000000">
-                <a:alpha val="63000"/>
+                <a:alpha val="35000"/>
               </a:srgbClr>
             </a:outerShdw>
           </a:effectLst>
+          <a:scene3d>
+            <a:camera prst="orthographicFront">
+              <a:rot lat="0" lon="0" rev="0"/>
+            </a:camera>
+            <a:lightRig rig="threePt" dir="tl"/>
+          </a:scene3d>
+          <a:sp3d prstMaterial="plastic">
+            <a:bevelT w="0" h="0"/>
+          </a:sp3d>
         </a:effectStyle>
       </a:effectStyleLst>
       <a:bgFillStyleLst>
         <a:solidFill>
           <a:schemeClr val="phClr"/>
         </a:solidFill>
-        <a:solidFill>
-          <a:schemeClr val="phClr">
-            <a:tint val="95000"/>
-            <a:satMod val="170000"/>
-          </a:schemeClr>
-        </a:solidFill>
         <a:gradFill rotWithShape="1">
           <a:gsLst>
             <a:gs pos="0">
               <a:schemeClr val="phClr">
-                <a:tint val="93000"/>
-                <a:satMod val="150000"/>
-                <a:shade val="98000"/>
-                <a:lumMod val="102000"/>
+                <a:tint val="90000"/>
+                <a:lumMod val="104000"/>
               </a:schemeClr>
             </a:gs>
-            <a:gs pos="50000">
+            <a:gs pos="94000">
               <a:schemeClr val="phClr">
-                <a:tint val="98000"/>
-                <a:satMod val="130000"/>
-                <a:shade val="90000"/>
-                <a:lumMod val="103000"/>
+                <a:shade val="96000"/>
+                <a:lumMod val="82000"/>
+              </a:schemeClr>
+            </a:gs>
+          </a:gsLst>
+          <a:lin ang="5400000" scaled="0"/>
+        </a:gradFill>
+        <a:gradFill rotWithShape="1">
+          <a:gsLst>
+            <a:gs pos="0">
+              <a:schemeClr val="phClr">
+                <a:tint val="90000"/>
+                <a:lumMod val="110000"/>
               </a:schemeClr>
             </a:gs>
             <a:gs pos="100000">
               <a:schemeClr val="phClr">
-                <a:shade val="63000"/>
-                <a:satMod val="120000"/>
+                <a:shade val="94000"/>
+                <a:lumMod val="96000"/>
               </a:schemeClr>
             </a:gs>
           </a:gsLst>
-          <a:lin ang="5400000" scaled="0"/>
+          <a:path path="circle">
+            <a:fillToRect l="50000" t="50000" r="100000" b="100000"/>
+          </a:path>
         </a:gradFill>
       </a:bgFillStyleLst>
     </a:fmtScheme>
@@ -3694,7 +7155,7 @@
   <a:extraClrSchemeLst/>
   <a:extLst>
     <a:ext uri="{05A4C25C-085E-4340-85A3-A5531E510DB2}">
-      <thm15:themeFamily xmlns:thm15="http://schemas.microsoft.com/office/thememl/2012/main" name="Office Theme" id="{62F939B6-93AF-4DB8-9C6B-D6C7DFDC589F}" vid="{4A3C46E8-61CC-4603-A589-7422A47A8E4A}"/>
+      <thm15:themeFamily xmlns:thm15="http://schemas.microsoft.com/office/thememl/2012/main" name="Facet" id="{C0C680CD-088A-49FC-A102-D699147F32B2}" vid="{CFBC31BA-B70F-4F30-BCAA-4F3011E16C4D}"/>
     </a:ext>
   </a:extLst>
 </a:theme>
